--- a/architecture/nft.pptx
+++ b/architecture/nft.pptx
@@ -1,30 +1,30 @@
 
 <file path=ppt/presentation.xml><?xml version="1.0" encoding="utf-8"?>
-<p:presentation xmlns:a="http://schemas.openxmlformats.org/drawingml/2006/main" xmlns:r="http://schemas.openxmlformats.org/officeDocument/2006/relationships" xmlns:p="http://schemas.openxmlformats.org/presentationml/2006/main" strictFirstAndLastChars="0" autoCompressPictures="0">
+<p:presentation xmlns:a="http://schemas.openxmlformats.org/drawingml/2006/main" xmlns:r="http://schemas.openxmlformats.org/officeDocument/2006/relationships" xmlns:mc="http://schemas.openxmlformats.org/markup-compatibility/2006" xmlns:mv="urn:schemas-microsoft-com:mac:vml" xmlns:p="http://schemas.openxmlformats.org/presentationml/2006/main" xmlns:c="http://schemas.openxmlformats.org/drawingml/2006/chart" xmlns:dgm="http://schemas.openxmlformats.org/drawingml/2006/diagram" xmlns:o="urn:schemas-microsoft-com:office:office" xmlns:v="urn:schemas-microsoft-com:vml" xmlns:pvml="urn:schemas-microsoft-com:office:powerpoint" xmlns:com="http://schemas.openxmlformats.org/drawingml/2006/compatibility" xmlns:p14="http://schemas.microsoft.com/office/powerpoint/2010/main" xmlns:p15="http://schemas.microsoft.com/office/powerpoint/2012/main" xmlns:ahyp="http://schemas.microsoft.com/office/drawing/2018/hyperlinkcolor" autoCompressPictures="0" strictFirstAndLastChars="0" saveSubsetFonts="1">
   <p:sldMasterIdLst>
-    <p:sldMasterId id="2147483648" r:id="rId1"/>
+    <p:sldMasterId id="2147483659" r:id="rId4"/>
   </p:sldMasterIdLst>
   <p:notesMasterIdLst>
-    <p:notesMasterId r:id="rId4"/>
+    <p:notesMasterId r:id="rId5"/>
   </p:notesMasterIdLst>
   <p:sldIdLst>
-    <p:sldId id="256" r:id="rId3"/>
-    <p:sldId id="257" r:id="rId5"/>
-    <p:sldId id="258" r:id="rId6"/>
-    <p:sldId id="259" r:id="rId7"/>
-    <p:sldId id="260" r:id="rId8"/>
-    <p:sldId id="261" r:id="rId9"/>
-    <p:sldId id="262" r:id="rId10"/>
-    <p:sldId id="263" r:id="rId11"/>
-    <p:sldId id="264" r:id="rId12"/>
-    <p:sldId id="265" r:id="rId13"/>
-    <p:sldId id="266" r:id="rId14"/>
-    <p:sldId id="267" r:id="rId15"/>
+    <p:sldId id="256" r:id="rId6"/>
+    <p:sldId id="257" r:id="rId7"/>
+    <p:sldId id="258" r:id="rId8"/>
+    <p:sldId id="259" r:id="rId9"/>
+    <p:sldId id="260" r:id="rId10"/>
+    <p:sldId id="261" r:id="rId11"/>
+    <p:sldId id="262" r:id="rId12"/>
+    <p:sldId id="263" r:id="rId13"/>
+    <p:sldId id="264" r:id="rId14"/>
+    <p:sldId id="265" r:id="rId15"/>
+    <p:sldId id="266" r:id="rId16"/>
+    <p:sldId id="267" r:id="rId17"/>
   </p:sldIdLst>
-  <p:sldSz cx="9144000" cy="5143500"/>
+  <p:sldSz cy="5143500" cx="9144000"/>
   <p:notesSz cx="6858000" cy="9144000"/>
   <p:defaultTextStyle>
-    <a:defPPr marR="0" lvl="0" algn="l" rtl="0">
+    <a:defPPr lvl="0" marR="0" rtl="0" algn="l">
       <a:lnSpc>
         <a:spcPct val="100000"/>
       </a:lnSpc>
@@ -35,7 +35,7 @@
         <a:spcPts val="0"/>
       </a:spcAft>
     </a:defPPr>
-    <a:lvl1pPr marR="0" lvl="0" algn="l" rtl="0">
+    <a:lvl1pPr lvl="0" marR="0" rtl="0" algn="l">
       <a:lnSpc>
         <a:spcPct val="100000"/>
       </a:lnSpc>
@@ -49,7 +49,7 @@
         <a:srgbClr val="000000"/>
       </a:buClr>
       <a:buFont typeface="Arial"/>
-      <a:defRPr sz="1400" b="0" i="0" u="none" strike="noStrike" cap="none">
+      <a:defRPr b="0" i="0" sz="1400" u="none" cap="none" strike="noStrike">
         <a:solidFill>
           <a:srgbClr val="000000"/>
         </a:solidFill>
@@ -59,7 +59,7 @@
         <a:sym typeface="Arial"/>
       </a:defRPr>
     </a:lvl1pPr>
-    <a:lvl2pPr marR="0" lvl="1" algn="l" rtl="0">
+    <a:lvl2pPr lvl="1" marR="0" rtl="0" algn="l">
       <a:lnSpc>
         <a:spcPct val="100000"/>
       </a:lnSpc>
@@ -73,7 +73,7 @@
         <a:srgbClr val="000000"/>
       </a:buClr>
       <a:buFont typeface="Arial"/>
-      <a:defRPr sz="1400" b="0" i="0" u="none" strike="noStrike" cap="none">
+      <a:defRPr b="0" i="0" sz="1400" u="none" cap="none" strike="noStrike">
         <a:solidFill>
           <a:srgbClr val="000000"/>
         </a:solidFill>
@@ -83,7 +83,7 @@
         <a:sym typeface="Arial"/>
       </a:defRPr>
     </a:lvl2pPr>
-    <a:lvl3pPr marR="0" lvl="2" algn="l" rtl="0">
+    <a:lvl3pPr lvl="2" marR="0" rtl="0" algn="l">
       <a:lnSpc>
         <a:spcPct val="100000"/>
       </a:lnSpc>
@@ -97,7 +97,7 @@
         <a:srgbClr val="000000"/>
       </a:buClr>
       <a:buFont typeface="Arial"/>
-      <a:defRPr sz="1400" b="0" i="0" u="none" strike="noStrike" cap="none">
+      <a:defRPr b="0" i="0" sz="1400" u="none" cap="none" strike="noStrike">
         <a:solidFill>
           <a:srgbClr val="000000"/>
         </a:solidFill>
@@ -107,7 +107,7 @@
         <a:sym typeface="Arial"/>
       </a:defRPr>
     </a:lvl3pPr>
-    <a:lvl4pPr marR="0" lvl="3" algn="l" rtl="0">
+    <a:lvl4pPr lvl="3" marR="0" rtl="0" algn="l">
       <a:lnSpc>
         <a:spcPct val="100000"/>
       </a:lnSpc>
@@ -121,7 +121,7 @@
         <a:srgbClr val="000000"/>
       </a:buClr>
       <a:buFont typeface="Arial"/>
-      <a:defRPr sz="1400" b="0" i="0" u="none" strike="noStrike" cap="none">
+      <a:defRPr b="0" i="0" sz="1400" u="none" cap="none" strike="noStrike">
         <a:solidFill>
           <a:srgbClr val="000000"/>
         </a:solidFill>
@@ -131,7 +131,7 @@
         <a:sym typeface="Arial"/>
       </a:defRPr>
     </a:lvl4pPr>
-    <a:lvl5pPr marR="0" lvl="4" algn="l" rtl="0">
+    <a:lvl5pPr lvl="4" marR="0" rtl="0" algn="l">
       <a:lnSpc>
         <a:spcPct val="100000"/>
       </a:lnSpc>
@@ -145,7 +145,7 @@
         <a:srgbClr val="000000"/>
       </a:buClr>
       <a:buFont typeface="Arial"/>
-      <a:defRPr sz="1400" b="0" i="0" u="none" strike="noStrike" cap="none">
+      <a:defRPr b="0" i="0" sz="1400" u="none" cap="none" strike="noStrike">
         <a:solidFill>
           <a:srgbClr val="000000"/>
         </a:solidFill>
@@ -155,7 +155,7 @@
         <a:sym typeface="Arial"/>
       </a:defRPr>
     </a:lvl5pPr>
-    <a:lvl6pPr marR="0" lvl="5" algn="l" rtl="0">
+    <a:lvl6pPr lvl="5" marR="0" rtl="0" algn="l">
       <a:lnSpc>
         <a:spcPct val="100000"/>
       </a:lnSpc>
@@ -169,7 +169,7 @@
         <a:srgbClr val="000000"/>
       </a:buClr>
       <a:buFont typeface="Arial"/>
-      <a:defRPr sz="1400" b="0" i="0" u="none" strike="noStrike" cap="none">
+      <a:defRPr b="0" i="0" sz="1400" u="none" cap="none" strike="noStrike">
         <a:solidFill>
           <a:srgbClr val="000000"/>
         </a:solidFill>
@@ -179,7 +179,7 @@
         <a:sym typeface="Arial"/>
       </a:defRPr>
     </a:lvl6pPr>
-    <a:lvl7pPr marR="0" lvl="6" algn="l" rtl="0">
+    <a:lvl7pPr lvl="6" marR="0" rtl="0" algn="l">
       <a:lnSpc>
         <a:spcPct val="100000"/>
       </a:lnSpc>
@@ -193,7 +193,7 @@
         <a:srgbClr val="000000"/>
       </a:buClr>
       <a:buFont typeface="Arial"/>
-      <a:defRPr sz="1400" b="0" i="0" u="none" strike="noStrike" cap="none">
+      <a:defRPr b="0" i="0" sz="1400" u="none" cap="none" strike="noStrike">
         <a:solidFill>
           <a:srgbClr val="000000"/>
         </a:solidFill>
@@ -203,7 +203,7 @@
         <a:sym typeface="Arial"/>
       </a:defRPr>
     </a:lvl7pPr>
-    <a:lvl8pPr marR="0" lvl="7" algn="l" rtl="0">
+    <a:lvl8pPr lvl="7" marR="0" rtl="0" algn="l">
       <a:lnSpc>
         <a:spcPct val="100000"/>
       </a:lnSpc>
@@ -217,7 +217,7 @@
         <a:srgbClr val="000000"/>
       </a:buClr>
       <a:buFont typeface="Arial"/>
-      <a:defRPr sz="1400" b="0" i="0" u="none" strike="noStrike" cap="none">
+      <a:defRPr b="0" i="0" sz="1400" u="none" cap="none" strike="noStrike">
         <a:solidFill>
           <a:srgbClr val="000000"/>
         </a:solidFill>
@@ -227,7 +227,7 @@
         <a:sym typeface="Arial"/>
       </a:defRPr>
     </a:lvl8pPr>
-    <a:lvl9pPr marR="0" lvl="8" algn="l" rtl="0">
+    <a:lvl9pPr lvl="8" marR="0" rtl="0" algn="l">
       <a:lnSpc>
         <a:spcPct val="100000"/>
       </a:lnSpc>
@@ -241,7 +241,7 @@
         <a:srgbClr val="000000"/>
       </a:buClr>
       <a:buFont typeface="Arial"/>
-      <a:defRPr sz="1400" b="0" i="0" u="none" strike="noStrike" cap="none">
+      <a:defRPr b="0" i="0" sz="1400" u="none" cap="none" strike="noStrike">
         <a:solidFill>
           <a:srgbClr val="000000"/>
         </a:solidFill>
@@ -252,17 +252,28 @@
       </a:defRPr>
     </a:lvl9pPr>
   </p:defaultTextStyle>
+  <p:extLst>
+    <p:ext uri="{EFAFB233-063F-42B5-8137-9DF3F51BA10A}">
+      <p15:sldGuideLst>
+        <p15:guide id="1" orient="horz" pos="1620">
+          <p15:clr>
+            <a:srgbClr val="A4A3A4"/>
+          </p15:clr>
+        </p15:guide>
+        <p15:guide id="2" pos="2880">
+          <p15:clr>
+            <a:srgbClr val="A4A3A4"/>
+          </p15:clr>
+        </p15:guide>
+      </p15:sldGuideLst>
+    </p:ext>
+  </p:extLst>
 </p:presentation>
 </file>
 
 <file path=ppt/notesMasters/notesMaster1.xml><?xml version="1.0" encoding="utf-8"?>
-<p:notesMaster xmlns:a="http://schemas.openxmlformats.org/drawingml/2006/main" xmlns:r="http://schemas.openxmlformats.org/officeDocument/2006/relationships" xmlns:p="http://schemas.openxmlformats.org/presentationml/2006/main">
+<p:notesMaster xmlns:a="http://schemas.openxmlformats.org/drawingml/2006/main" xmlns:r="http://schemas.openxmlformats.org/officeDocument/2006/relationships" xmlns:mc="http://schemas.openxmlformats.org/markup-compatibility/2006" xmlns:mv="urn:schemas-microsoft-com:mac:vml" xmlns:p="http://schemas.openxmlformats.org/presentationml/2006/main" xmlns:c="http://schemas.openxmlformats.org/drawingml/2006/chart" xmlns:dgm="http://schemas.openxmlformats.org/drawingml/2006/diagram" xmlns:o="urn:schemas-microsoft-com:office:office" xmlns:v="urn:schemas-microsoft-com:vml" xmlns:pvml="urn:schemas-microsoft-com:office:powerpoint" xmlns:com="http://schemas.openxmlformats.org/drawingml/2006/compatibility" xmlns:p14="http://schemas.microsoft.com/office/powerpoint/2010/main" xmlns:p15="http://schemas.microsoft.com/office/powerpoint/2012/main" xmlns:ahyp="http://schemas.microsoft.com/office/drawing/2018/hyperlinkcolor">
   <p:cSld>
-    <p:bg>
-      <p:bgRef idx="1001">
-        <a:schemeClr val="bg1"/>
-      </p:bgRef>
-    </p:bg>
     <p:spTree>
       <p:nvGrpSpPr>
         <p:cNvPr id="2" name="Shape 2"/>
@@ -282,7 +293,7 @@
           <p:cNvPr id="3" name="Google Shape;3;n"/>
           <p:cNvSpPr/>
           <p:nvPr>
-            <p:ph type="sldImg" idx="2"/>
+            <p:ph idx="2" type="sldImg"/>
           </p:nvPr>
         </p:nvSpPr>
         <p:spPr>
@@ -291,13 +302,9 @@
             <a:ext cx="6096075" cy="3429000"/>
           </a:xfrm>
           <a:custGeom>
-            <a:avLst/>
-            <a:gdLst/>
-            <a:ahLst/>
-            <a:cxnLst/>
-            <a:rect l="l" t="t" r="r" b="b"/>
+            <a:rect b="b" l="l" r="r" t="t"/>
             <a:pathLst>
-              <a:path w="120000" h="120000" extrusionOk="0">
+              <a:path extrusionOk="0" h="120000" w="120000">
                 <a:moveTo>
                   <a:pt x="0" y="0"/>
                 </a:moveTo>
@@ -315,14 +322,14 @@
             </a:pathLst>
           </a:custGeom>
           <a:noFill/>
-          <a:ln w="9525" cap="flat" cmpd="sng">
+          <a:ln cap="flat" cmpd="sng" w="9525">
             <a:solidFill>
               <a:srgbClr val="000000"/>
             </a:solidFill>
             <a:prstDash val="solid"/>
             <a:round/>
-            <a:headEnd type="none" w="sm" len="sm"/>
-            <a:tailEnd type="none" w="sm" len="sm"/>
+            <a:headEnd len="sm" w="sm" type="none"/>
+            <a:tailEnd len="sm" w="sm" type="none"/>
           </a:ln>
         </p:spPr>
       </p:sp>
@@ -331,7 +338,7 @@
           <p:cNvPr id="4" name="Google Shape;4;n"/>
           <p:cNvSpPr txBox="1"/>
           <p:nvPr>
-            <p:ph type="body" idx="1"/>
+            <p:ph idx="1" type="body"/>
           </p:nvPr>
         </p:nvSpPr>
         <p:spPr>
@@ -348,11 +355,11 @@
           </a:ln>
         </p:spPr>
         <p:txBody>
-          <a:bodyPr spcFirstLastPara="1" wrap="square" lIns="91425" tIns="91425" rIns="91425" bIns="91425" anchor="t" anchorCtr="0">
+          <a:bodyPr anchorCtr="0" anchor="t" bIns="91425" lIns="91425" spcFirstLastPara="1" rIns="91425" wrap="square" tIns="91425">
             <a:noAutofit/>
           </a:bodyPr>
           <a:lstStyle>
-            <a:lvl1pPr marL="457200" lvl="0" indent="-298450">
+            <a:lvl1pPr indent="-298450" lvl="0" marL="457200">
               <a:spcBef>
                 <a:spcPts val="0"/>
               </a:spcBef>
@@ -363,7 +370,7 @@
               <a:buChar char="●"/>
               <a:defRPr sz="1100"/>
             </a:lvl1pPr>
-            <a:lvl2pPr marL="914400" lvl="1" indent="-298450">
+            <a:lvl2pPr indent="-298450" lvl="1" marL="914400">
               <a:spcBef>
                 <a:spcPts val="0"/>
               </a:spcBef>
@@ -374,7 +381,7 @@
               <a:buChar char="○"/>
               <a:defRPr sz="1100"/>
             </a:lvl2pPr>
-            <a:lvl3pPr marL="1371600" lvl="2" indent="-298450">
+            <a:lvl3pPr indent="-298450" lvl="2" marL="1371600">
               <a:spcBef>
                 <a:spcPts val="0"/>
               </a:spcBef>
@@ -385,7 +392,7 @@
               <a:buChar char="■"/>
               <a:defRPr sz="1100"/>
             </a:lvl3pPr>
-            <a:lvl4pPr marL="1828800" lvl="3" indent="-298450">
+            <a:lvl4pPr indent="-298450" lvl="3" marL="1828800">
               <a:spcBef>
                 <a:spcPts val="0"/>
               </a:spcBef>
@@ -396,7 +403,7 @@
               <a:buChar char="●"/>
               <a:defRPr sz="1100"/>
             </a:lvl4pPr>
-            <a:lvl5pPr marL="2286000" lvl="4" indent="-298450">
+            <a:lvl5pPr indent="-298450" lvl="4" marL="2286000">
               <a:spcBef>
                 <a:spcPts val="0"/>
               </a:spcBef>
@@ -407,7 +414,7 @@
               <a:buChar char="○"/>
               <a:defRPr sz="1100"/>
             </a:lvl5pPr>
-            <a:lvl6pPr marL="2743200" lvl="5" indent="-298450">
+            <a:lvl6pPr indent="-298450" lvl="5" marL="2743200">
               <a:spcBef>
                 <a:spcPts val="0"/>
               </a:spcBef>
@@ -418,7 +425,7 @@
               <a:buChar char="■"/>
               <a:defRPr sz="1100"/>
             </a:lvl6pPr>
-            <a:lvl7pPr marL="3200400" lvl="6" indent="-298450">
+            <a:lvl7pPr indent="-298450" lvl="6" marL="3200400">
               <a:spcBef>
                 <a:spcPts val="0"/>
               </a:spcBef>
@@ -429,7 +436,7 @@
               <a:buChar char="●"/>
               <a:defRPr sz="1100"/>
             </a:lvl7pPr>
-            <a:lvl8pPr marL="3657600" lvl="7" indent="-298450">
+            <a:lvl8pPr indent="-298450" lvl="7" marL="3657600">
               <a:spcBef>
                 <a:spcPts val="0"/>
               </a:spcBef>
@@ -440,7 +447,7 @@
               <a:buChar char="○"/>
               <a:defRPr sz="1100"/>
             </a:lvl8pPr>
-            <a:lvl9pPr marL="4114800" lvl="8" indent="-298450">
+            <a:lvl9pPr indent="-298450" lvl="8" marL="4114800">
               <a:spcBef>
                 <a:spcPts val="0"/>
               </a:spcBef>
@@ -457,9 +464,9 @@
       </p:sp>
     </p:spTree>
   </p:cSld>
-  <p:clrMap bg1="lt1" tx1="dk1" bg2="dk2" tx2="lt2" accent1="accent1" accent2="accent2" accent3="accent3" accent4="accent4" accent5="accent5" accent6="accent6" hlink="hlink" folHlink="folHlink"/>
+  <p:clrMap accent1="accent1" accent2="accent2" accent3="accent3" accent4="accent4" accent5="accent5" accent6="accent6" bg1="lt1" bg2="dk2" tx1="dk1" tx2="lt2" folHlink="folHlink" hlink="hlink"/>
   <p:notesStyle>
-    <a:defPPr marR="0" lvl="0" algn="l" rtl="0">
+    <a:defPPr lvl="0" marR="0" rtl="0" algn="l">
       <a:lnSpc>
         <a:spcPct val="100000"/>
       </a:lnSpc>
@@ -470,7 +477,7 @@
         <a:spcPts val="0"/>
       </a:spcAft>
     </a:defPPr>
-    <a:lvl1pPr marR="0" lvl="0" algn="l" rtl="0">
+    <a:lvl1pPr lvl="0" marR="0" rtl="0" algn="l">
       <a:lnSpc>
         <a:spcPct val="100000"/>
       </a:lnSpc>
@@ -484,7 +491,7 @@
         <a:srgbClr val="000000"/>
       </a:buClr>
       <a:buFont typeface="Arial"/>
-      <a:defRPr sz="1400" b="0" i="0" u="none" strike="noStrike" cap="none">
+      <a:defRPr b="0" i="0" sz="1400" u="none" cap="none" strike="noStrike">
         <a:solidFill>
           <a:srgbClr val="000000"/>
         </a:solidFill>
@@ -494,7 +501,7 @@
         <a:sym typeface="Arial"/>
       </a:defRPr>
     </a:lvl1pPr>
-    <a:lvl2pPr marR="0" lvl="1" algn="l" rtl="0">
+    <a:lvl2pPr lvl="1" marR="0" rtl="0" algn="l">
       <a:lnSpc>
         <a:spcPct val="100000"/>
       </a:lnSpc>
@@ -508,7 +515,7 @@
         <a:srgbClr val="000000"/>
       </a:buClr>
       <a:buFont typeface="Arial"/>
-      <a:defRPr sz="1400" b="0" i="0" u="none" strike="noStrike" cap="none">
+      <a:defRPr b="0" i="0" sz="1400" u="none" cap="none" strike="noStrike">
         <a:solidFill>
           <a:srgbClr val="000000"/>
         </a:solidFill>
@@ -518,7 +525,7 @@
         <a:sym typeface="Arial"/>
       </a:defRPr>
     </a:lvl2pPr>
-    <a:lvl3pPr marR="0" lvl="2" algn="l" rtl="0">
+    <a:lvl3pPr lvl="2" marR="0" rtl="0" algn="l">
       <a:lnSpc>
         <a:spcPct val="100000"/>
       </a:lnSpc>
@@ -532,7 +539,7 @@
         <a:srgbClr val="000000"/>
       </a:buClr>
       <a:buFont typeface="Arial"/>
-      <a:defRPr sz="1400" b="0" i="0" u="none" strike="noStrike" cap="none">
+      <a:defRPr b="0" i="0" sz="1400" u="none" cap="none" strike="noStrike">
         <a:solidFill>
           <a:srgbClr val="000000"/>
         </a:solidFill>
@@ -542,7 +549,7 @@
         <a:sym typeface="Arial"/>
       </a:defRPr>
     </a:lvl3pPr>
-    <a:lvl4pPr marR="0" lvl="3" algn="l" rtl="0">
+    <a:lvl4pPr lvl="3" marR="0" rtl="0" algn="l">
       <a:lnSpc>
         <a:spcPct val="100000"/>
       </a:lnSpc>
@@ -556,7 +563,7 @@
         <a:srgbClr val="000000"/>
       </a:buClr>
       <a:buFont typeface="Arial"/>
-      <a:defRPr sz="1400" b="0" i="0" u="none" strike="noStrike" cap="none">
+      <a:defRPr b="0" i="0" sz="1400" u="none" cap="none" strike="noStrike">
         <a:solidFill>
           <a:srgbClr val="000000"/>
         </a:solidFill>
@@ -566,7 +573,7 @@
         <a:sym typeface="Arial"/>
       </a:defRPr>
     </a:lvl4pPr>
-    <a:lvl5pPr marR="0" lvl="4" algn="l" rtl="0">
+    <a:lvl5pPr lvl="4" marR="0" rtl="0" algn="l">
       <a:lnSpc>
         <a:spcPct val="100000"/>
       </a:lnSpc>
@@ -580,7 +587,7 @@
         <a:srgbClr val="000000"/>
       </a:buClr>
       <a:buFont typeface="Arial"/>
-      <a:defRPr sz="1400" b="0" i="0" u="none" strike="noStrike" cap="none">
+      <a:defRPr b="0" i="0" sz="1400" u="none" cap="none" strike="noStrike">
         <a:solidFill>
           <a:srgbClr val="000000"/>
         </a:solidFill>
@@ -590,7 +597,7 @@
         <a:sym typeface="Arial"/>
       </a:defRPr>
     </a:lvl5pPr>
-    <a:lvl6pPr marR="0" lvl="5" algn="l" rtl="0">
+    <a:lvl6pPr lvl="5" marR="0" rtl="0" algn="l">
       <a:lnSpc>
         <a:spcPct val="100000"/>
       </a:lnSpc>
@@ -604,7 +611,7 @@
         <a:srgbClr val="000000"/>
       </a:buClr>
       <a:buFont typeface="Arial"/>
-      <a:defRPr sz="1400" b="0" i="0" u="none" strike="noStrike" cap="none">
+      <a:defRPr b="0" i="0" sz="1400" u="none" cap="none" strike="noStrike">
         <a:solidFill>
           <a:srgbClr val="000000"/>
         </a:solidFill>
@@ -614,7 +621,7 @@
         <a:sym typeface="Arial"/>
       </a:defRPr>
     </a:lvl6pPr>
-    <a:lvl7pPr marR="0" lvl="6" algn="l" rtl="0">
+    <a:lvl7pPr lvl="6" marR="0" rtl="0" algn="l">
       <a:lnSpc>
         <a:spcPct val="100000"/>
       </a:lnSpc>
@@ -628,7 +635,7 @@
         <a:srgbClr val="000000"/>
       </a:buClr>
       <a:buFont typeface="Arial"/>
-      <a:defRPr sz="1400" b="0" i="0" u="none" strike="noStrike" cap="none">
+      <a:defRPr b="0" i="0" sz="1400" u="none" cap="none" strike="noStrike">
         <a:solidFill>
           <a:srgbClr val="000000"/>
         </a:solidFill>
@@ -638,7 +645,7 @@
         <a:sym typeface="Arial"/>
       </a:defRPr>
     </a:lvl7pPr>
-    <a:lvl8pPr marR="0" lvl="7" algn="l" rtl="0">
+    <a:lvl8pPr lvl="7" marR="0" rtl="0" algn="l">
       <a:lnSpc>
         <a:spcPct val="100000"/>
       </a:lnSpc>
@@ -652,7 +659,7 @@
         <a:srgbClr val="000000"/>
       </a:buClr>
       <a:buFont typeface="Arial"/>
-      <a:defRPr sz="1400" b="0" i="0" u="none" strike="noStrike" cap="none">
+      <a:defRPr b="0" i="0" sz="1400" u="none" cap="none" strike="noStrike">
         <a:solidFill>
           <a:srgbClr val="000000"/>
         </a:solidFill>
@@ -662,7 +669,7 @@
         <a:sym typeface="Arial"/>
       </a:defRPr>
     </a:lvl8pPr>
-    <a:lvl9pPr marR="0" lvl="8" algn="l" rtl="0">
+    <a:lvl9pPr lvl="8" marR="0" rtl="0" algn="l">
       <a:lnSpc>
         <a:spcPct val="100000"/>
       </a:lnSpc>
@@ -676,7 +683,7 @@
         <a:srgbClr val="000000"/>
       </a:buClr>
       <a:buFont typeface="Arial"/>
-      <a:defRPr sz="1400" b="0" i="0" u="none" strike="noStrike" cap="none">
+      <a:defRPr b="0" i="0" sz="1400" u="none" cap="none" strike="noStrike">
         <a:solidFill>
           <a:srgbClr val="000000"/>
         </a:solidFill>
@@ -691,7 +698,7 @@
 </file>
 
 <file path=ppt/notesSlides/notesSlide1.xml><?xml version="1.0" encoding="utf-8"?>
-<p:notes xmlns:a="http://schemas.openxmlformats.org/drawingml/2006/main" xmlns:r="http://schemas.openxmlformats.org/officeDocument/2006/relationships" xmlns:p="http://schemas.openxmlformats.org/presentationml/2006/main" showMasterPhAnim="0" showMasterSp="0">
+<p:notes xmlns:a="http://schemas.openxmlformats.org/drawingml/2006/main" xmlns:r="http://schemas.openxmlformats.org/officeDocument/2006/relationships" xmlns:mc="http://schemas.openxmlformats.org/markup-compatibility/2006" xmlns:mv="urn:schemas-microsoft-com:mac:vml" xmlns:p="http://schemas.openxmlformats.org/presentationml/2006/main" xmlns:c="http://schemas.openxmlformats.org/drawingml/2006/chart" xmlns:dgm="http://schemas.openxmlformats.org/drawingml/2006/diagram" xmlns:o="urn:schemas-microsoft-com:office:office" xmlns:v="urn:schemas-microsoft-com:vml" xmlns:pvml="urn:schemas-microsoft-com:office:powerpoint" xmlns:com="http://schemas.openxmlformats.org/drawingml/2006/compatibility" xmlns:p14="http://schemas.microsoft.com/office/powerpoint/2010/main" xmlns:p15="http://schemas.microsoft.com/office/powerpoint/2012/main" xmlns:ahyp="http://schemas.microsoft.com/office/drawing/2018/hyperlinkcolor" showMasterPhAnim="0" showMasterSp="0">
   <p:cSld>
     <p:spTree>
       <p:nvGrpSpPr>
@@ -712,7 +719,7 @@
           <p:cNvPr id="51" name="Google Shape;51;p:notes"/>
           <p:cNvSpPr/>
           <p:nvPr>
-            <p:ph type="sldImg" idx="2"/>
+            <p:ph idx="2" type="sldImg"/>
           </p:nvPr>
         </p:nvSpPr>
         <p:spPr>
@@ -721,13 +728,9 @@
             <a:ext cx="6096075" cy="3429000"/>
           </a:xfrm>
           <a:custGeom>
-            <a:avLst/>
-            <a:gdLst/>
-            <a:ahLst/>
-            <a:cxnLst/>
-            <a:rect l="l" t="t" r="r" b="b"/>
+            <a:rect b="b" l="l" r="r" t="t"/>
             <a:pathLst>
-              <a:path w="120000" h="120000" extrusionOk="0">
+              <a:path extrusionOk="0" h="120000" w="120000">
                 <a:moveTo>
                   <a:pt x="0" y="0"/>
                 </a:moveTo>
@@ -751,7 +754,7 @@
           <p:cNvPr id="52" name="Google Shape;52;p:notes"/>
           <p:cNvSpPr txBox="1"/>
           <p:nvPr>
-            <p:ph type="body" idx="1"/>
+            <p:ph idx="1" type="body"/>
           </p:nvPr>
         </p:nvSpPr>
         <p:spPr>
@@ -764,12 +767,12 @@
           </a:prstGeom>
         </p:spPr>
         <p:txBody>
-          <a:bodyPr spcFirstLastPara="1" wrap="square" lIns="91425" tIns="91425" rIns="91425" bIns="91425" anchor="t" anchorCtr="0">
+          <a:bodyPr anchorCtr="0" anchor="t" bIns="91425" lIns="91425" spcFirstLastPara="1" rIns="91425" wrap="square" tIns="91425">
             <a:noAutofit/>
           </a:bodyPr>
           <a:lstStyle/>
           <a:p>
-            <a:pPr marL="0" lvl="0" indent="0" algn="l" rtl="0">
+            <a:pPr indent="0" lvl="0" marL="0" rtl="0" algn="l">
               <a:spcBef>
                 <a:spcPts val="0"/>
               </a:spcBef>
@@ -778,6 +781,10 @@
               </a:spcAft>
               <a:buNone/>
             </a:pPr>
+            <a:r>
+              <a:t/>
+            </a:r>
+            <a:endParaRPr/>
           </a:p>
         </p:txBody>
       </p:sp>
@@ -790,7 +797,7 @@
 </file>
 
 <file path=ppt/notesSlides/notesSlide10.xml><?xml version="1.0" encoding="utf-8"?>
-<p:notes xmlns:a="http://schemas.openxmlformats.org/drawingml/2006/main" xmlns:r="http://schemas.openxmlformats.org/officeDocument/2006/relationships" xmlns:p="http://schemas.openxmlformats.org/presentationml/2006/main" showMasterPhAnim="0" showMasterSp="0">
+<p:notes xmlns:a="http://schemas.openxmlformats.org/drawingml/2006/main" xmlns:r="http://schemas.openxmlformats.org/officeDocument/2006/relationships" xmlns:mc="http://schemas.openxmlformats.org/markup-compatibility/2006" xmlns:mv="urn:schemas-microsoft-com:mac:vml" xmlns:p="http://schemas.openxmlformats.org/presentationml/2006/main" xmlns:c="http://schemas.openxmlformats.org/drawingml/2006/chart" xmlns:dgm="http://schemas.openxmlformats.org/drawingml/2006/diagram" xmlns:o="urn:schemas-microsoft-com:office:office" xmlns:v="urn:schemas-microsoft-com:vml" xmlns:pvml="urn:schemas-microsoft-com:office:powerpoint" xmlns:com="http://schemas.openxmlformats.org/drawingml/2006/compatibility" xmlns:p14="http://schemas.microsoft.com/office/powerpoint/2010/main" xmlns:p15="http://schemas.microsoft.com/office/powerpoint/2012/main" xmlns:ahyp="http://schemas.microsoft.com/office/drawing/2018/hyperlinkcolor" showMasterPhAnim="0" showMasterSp="0">
   <p:cSld>
     <p:spTree>
       <p:nvGrpSpPr>
@@ -811,7 +818,7 @@
           <p:cNvPr id="113" name="Google Shape;113;gf55a792ade_0_0:notes"/>
           <p:cNvSpPr/>
           <p:nvPr>
-            <p:ph type="sldImg" idx="2"/>
+            <p:ph idx="2" type="sldImg"/>
           </p:nvPr>
         </p:nvSpPr>
         <p:spPr>
@@ -820,13 +827,9 @@
             <a:ext cx="6096000" cy="3429000"/>
           </a:xfrm>
           <a:custGeom>
-            <a:avLst/>
-            <a:gdLst/>
-            <a:ahLst/>
-            <a:cxnLst/>
-            <a:rect l="l" t="t" r="r" b="b"/>
+            <a:rect b="b" l="l" r="r" t="t"/>
             <a:pathLst>
-              <a:path w="120000" h="120000" extrusionOk="0">
+              <a:path extrusionOk="0" h="120000" w="120000">
                 <a:moveTo>
                   <a:pt x="0" y="0"/>
                 </a:moveTo>
@@ -850,7 +853,7 @@
           <p:cNvPr id="114" name="Google Shape;114;gf55a792ade_0_0:notes"/>
           <p:cNvSpPr txBox="1"/>
           <p:nvPr>
-            <p:ph type="body" idx="1"/>
+            <p:ph idx="1" type="body"/>
           </p:nvPr>
         </p:nvSpPr>
         <p:spPr>
@@ -863,12 +866,12 @@
           </a:prstGeom>
         </p:spPr>
         <p:txBody>
-          <a:bodyPr spcFirstLastPara="1" wrap="square" lIns="91425" tIns="91425" rIns="91425" bIns="91425" anchor="t" anchorCtr="0">
+          <a:bodyPr anchorCtr="0" anchor="t" bIns="91425" lIns="91425" spcFirstLastPara="1" rIns="91425" wrap="square" tIns="91425">
             <a:noAutofit/>
           </a:bodyPr>
           <a:lstStyle/>
           <a:p>
-            <a:pPr marL="0" lvl="0" indent="0" algn="l" rtl="0">
+            <a:pPr indent="0" lvl="0" marL="0" rtl="0" algn="l">
               <a:spcBef>
                 <a:spcPts val="0"/>
               </a:spcBef>
@@ -877,6 +880,10 @@
               </a:spcAft>
               <a:buNone/>
             </a:pPr>
+            <a:r>
+              <a:t/>
+            </a:r>
+            <a:endParaRPr/>
           </a:p>
         </p:txBody>
       </p:sp>
@@ -889,11 +896,11 @@
 </file>
 
 <file path=ppt/notesSlides/notesSlide11.xml><?xml version="1.0" encoding="utf-8"?>
-<p:notes xmlns:a="http://schemas.openxmlformats.org/drawingml/2006/main" xmlns:r="http://schemas.openxmlformats.org/officeDocument/2006/relationships" xmlns:p="http://schemas.openxmlformats.org/presentationml/2006/main" showMasterPhAnim="0" showMasterSp="0">
+<p:notes xmlns:a="http://schemas.openxmlformats.org/drawingml/2006/main" xmlns:r="http://schemas.openxmlformats.org/officeDocument/2006/relationships" xmlns:mc="http://schemas.openxmlformats.org/markup-compatibility/2006" xmlns:mv="urn:schemas-microsoft-com:mac:vml" xmlns:p="http://schemas.openxmlformats.org/presentationml/2006/main" xmlns:c="http://schemas.openxmlformats.org/drawingml/2006/chart" xmlns:dgm="http://schemas.openxmlformats.org/drawingml/2006/diagram" xmlns:o="urn:schemas-microsoft-com:office:office" xmlns:v="urn:schemas-microsoft-com:vml" xmlns:pvml="urn:schemas-microsoft-com:office:powerpoint" xmlns:com="http://schemas.openxmlformats.org/drawingml/2006/compatibility" xmlns:p14="http://schemas.microsoft.com/office/powerpoint/2010/main" xmlns:p15="http://schemas.microsoft.com/office/powerpoint/2012/main" xmlns:ahyp="http://schemas.microsoft.com/office/drawing/2018/hyperlinkcolor" showMasterPhAnim="0" showMasterSp="0">
   <p:cSld>
     <p:spTree>
       <p:nvGrpSpPr>
-        <p:cNvPr id="119" name="Shape 119"/>
+        <p:cNvPr id="120" name="Shape 120"/>
         <p:cNvGrpSpPr/>
         <p:nvPr/>
       </p:nvGrpSpPr>
@@ -907,10 +914,10 @@
       </p:grpSpPr>
       <p:sp>
         <p:nvSpPr>
-          <p:cNvPr id="120" name="Google Shape;120;gf59abf9191_0_0:notes"/>
+          <p:cNvPr id="121" name="Google Shape;121;gf59abf9191_0_0:notes"/>
           <p:cNvSpPr/>
           <p:nvPr>
-            <p:ph type="sldImg" idx="2"/>
+            <p:ph idx="2" type="sldImg"/>
           </p:nvPr>
         </p:nvSpPr>
         <p:spPr>
@@ -919,13 +926,9 @@
             <a:ext cx="6096000" cy="3429000"/>
           </a:xfrm>
           <a:custGeom>
-            <a:avLst/>
-            <a:gdLst/>
-            <a:ahLst/>
-            <a:cxnLst/>
-            <a:rect l="l" t="t" r="r" b="b"/>
+            <a:rect b="b" l="l" r="r" t="t"/>
             <a:pathLst>
-              <a:path w="120000" h="120000" extrusionOk="0">
+              <a:path extrusionOk="0" h="120000" w="120000">
                 <a:moveTo>
                   <a:pt x="0" y="0"/>
                 </a:moveTo>
@@ -946,10 +949,10 @@
       </p:sp>
       <p:sp>
         <p:nvSpPr>
-          <p:cNvPr id="121" name="Google Shape;121;gf59abf9191_0_0:notes"/>
+          <p:cNvPr id="122" name="Google Shape;122;gf59abf9191_0_0:notes"/>
           <p:cNvSpPr txBox="1"/>
           <p:nvPr>
-            <p:ph type="body" idx="1"/>
+            <p:ph idx="1" type="body"/>
           </p:nvPr>
         </p:nvSpPr>
         <p:spPr>
@@ -962,12 +965,12 @@
           </a:prstGeom>
         </p:spPr>
         <p:txBody>
-          <a:bodyPr spcFirstLastPara="1" wrap="square" lIns="91425" tIns="91425" rIns="91425" bIns="91425" anchor="t" anchorCtr="0">
+          <a:bodyPr anchorCtr="0" anchor="t" bIns="91425" lIns="91425" spcFirstLastPara="1" rIns="91425" wrap="square" tIns="91425">
             <a:noAutofit/>
           </a:bodyPr>
           <a:lstStyle/>
           <a:p>
-            <a:pPr marL="0" lvl="0" indent="0" algn="l" rtl="0">
+            <a:pPr indent="0" lvl="0" marL="0" rtl="0" algn="l">
               <a:spcBef>
                 <a:spcPts val="0"/>
               </a:spcBef>
@@ -976,6 +979,10 @@
               </a:spcAft>
               <a:buNone/>
             </a:pPr>
+            <a:r>
+              <a:t/>
+            </a:r>
+            <a:endParaRPr/>
           </a:p>
         </p:txBody>
       </p:sp>
@@ -988,11 +995,11 @@
 </file>
 
 <file path=ppt/notesSlides/notesSlide12.xml><?xml version="1.0" encoding="utf-8"?>
-<p:notes xmlns:a="http://schemas.openxmlformats.org/drawingml/2006/main" xmlns:r="http://schemas.openxmlformats.org/officeDocument/2006/relationships" xmlns:p="http://schemas.openxmlformats.org/presentationml/2006/main" showMasterPhAnim="0" showMasterSp="0">
+<p:notes xmlns:a="http://schemas.openxmlformats.org/drawingml/2006/main" xmlns:r="http://schemas.openxmlformats.org/officeDocument/2006/relationships" xmlns:mc="http://schemas.openxmlformats.org/markup-compatibility/2006" xmlns:mv="urn:schemas-microsoft-com:mac:vml" xmlns:p="http://schemas.openxmlformats.org/presentationml/2006/main" xmlns:c="http://schemas.openxmlformats.org/drawingml/2006/chart" xmlns:dgm="http://schemas.openxmlformats.org/drawingml/2006/diagram" xmlns:o="urn:schemas-microsoft-com:office:office" xmlns:v="urn:schemas-microsoft-com:vml" xmlns:pvml="urn:schemas-microsoft-com:office:powerpoint" xmlns:com="http://schemas.openxmlformats.org/drawingml/2006/compatibility" xmlns:p14="http://schemas.microsoft.com/office/powerpoint/2010/main" xmlns:p15="http://schemas.microsoft.com/office/powerpoint/2012/main" xmlns:ahyp="http://schemas.microsoft.com/office/drawing/2018/hyperlinkcolor" showMasterPhAnim="0" showMasterSp="0">
   <p:cSld>
     <p:spTree>
       <p:nvGrpSpPr>
-        <p:cNvPr id="127" name="Shape 127"/>
+        <p:cNvPr id="128" name="Shape 128"/>
         <p:cNvGrpSpPr/>
         <p:nvPr/>
       </p:nvGrpSpPr>
@@ -1006,10 +1013,10 @@
       </p:grpSpPr>
       <p:sp>
         <p:nvSpPr>
-          <p:cNvPr id="128" name="Google Shape;128;gf59abf9191_0_57:notes"/>
+          <p:cNvPr id="129" name="Google Shape;129;gf59abf9191_0_57:notes"/>
           <p:cNvSpPr/>
           <p:nvPr>
-            <p:ph type="sldImg" idx="2"/>
+            <p:ph idx="2" type="sldImg"/>
           </p:nvPr>
         </p:nvSpPr>
         <p:spPr>
@@ -1018,13 +1025,9 @@
             <a:ext cx="6096000" cy="3429000"/>
           </a:xfrm>
           <a:custGeom>
-            <a:avLst/>
-            <a:gdLst/>
-            <a:ahLst/>
-            <a:cxnLst/>
-            <a:rect l="l" t="t" r="r" b="b"/>
+            <a:rect b="b" l="l" r="r" t="t"/>
             <a:pathLst>
-              <a:path w="120000" h="120000" extrusionOk="0">
+              <a:path extrusionOk="0" h="120000" w="120000">
                 <a:moveTo>
                   <a:pt x="0" y="0"/>
                 </a:moveTo>
@@ -1045,10 +1048,10 @@
       </p:sp>
       <p:sp>
         <p:nvSpPr>
-          <p:cNvPr id="129" name="Google Shape;129;gf59abf9191_0_57:notes"/>
+          <p:cNvPr id="130" name="Google Shape;130;gf59abf9191_0_57:notes"/>
           <p:cNvSpPr txBox="1"/>
           <p:nvPr>
-            <p:ph type="body" idx="1"/>
+            <p:ph idx="1" type="body"/>
           </p:nvPr>
         </p:nvSpPr>
         <p:spPr>
@@ -1061,12 +1064,12 @@
           </a:prstGeom>
         </p:spPr>
         <p:txBody>
-          <a:bodyPr spcFirstLastPara="1" wrap="square" lIns="91425" tIns="91425" rIns="91425" bIns="91425" anchor="t" anchorCtr="0">
+          <a:bodyPr anchorCtr="0" anchor="t" bIns="91425" lIns="91425" spcFirstLastPara="1" rIns="91425" wrap="square" tIns="91425">
             <a:noAutofit/>
           </a:bodyPr>
           <a:lstStyle/>
           <a:p>
-            <a:pPr marL="0" lvl="0" indent="0" algn="l" rtl="0">
+            <a:pPr indent="0" lvl="0" marL="0" rtl="0" algn="l">
               <a:spcBef>
                 <a:spcPts val="0"/>
               </a:spcBef>
@@ -1075,6 +1078,10 @@
               </a:spcAft>
               <a:buNone/>
             </a:pPr>
+            <a:r>
+              <a:t/>
+            </a:r>
+            <a:endParaRPr/>
           </a:p>
         </p:txBody>
       </p:sp>
@@ -1087,7 +1094,7 @@
 </file>
 
 <file path=ppt/notesSlides/notesSlide2.xml><?xml version="1.0" encoding="utf-8"?>
-<p:notes xmlns:a="http://schemas.openxmlformats.org/drawingml/2006/main" xmlns:r="http://schemas.openxmlformats.org/officeDocument/2006/relationships" xmlns:p="http://schemas.openxmlformats.org/presentationml/2006/main" showMasterPhAnim="0" showMasterSp="0">
+<p:notes xmlns:a="http://schemas.openxmlformats.org/drawingml/2006/main" xmlns:r="http://schemas.openxmlformats.org/officeDocument/2006/relationships" xmlns:mc="http://schemas.openxmlformats.org/markup-compatibility/2006" xmlns:mv="urn:schemas-microsoft-com:mac:vml" xmlns:p="http://schemas.openxmlformats.org/presentationml/2006/main" xmlns:c="http://schemas.openxmlformats.org/drawingml/2006/chart" xmlns:dgm="http://schemas.openxmlformats.org/drawingml/2006/diagram" xmlns:o="urn:schemas-microsoft-com:office:office" xmlns:v="urn:schemas-microsoft-com:vml" xmlns:pvml="urn:schemas-microsoft-com:office:powerpoint" xmlns:com="http://schemas.openxmlformats.org/drawingml/2006/compatibility" xmlns:p14="http://schemas.microsoft.com/office/powerpoint/2010/main" xmlns:p15="http://schemas.microsoft.com/office/powerpoint/2012/main" xmlns:ahyp="http://schemas.microsoft.com/office/drawing/2018/hyperlinkcolor" showMasterPhAnim="0" showMasterSp="0">
   <p:cSld>
     <p:spTree>
       <p:nvGrpSpPr>
@@ -1108,7 +1115,7 @@
           <p:cNvPr id="57" name="Google Shape;57;gf556e9bd90_0_0:notes"/>
           <p:cNvSpPr/>
           <p:nvPr>
-            <p:ph type="sldImg" idx="2"/>
+            <p:ph idx="2" type="sldImg"/>
           </p:nvPr>
         </p:nvSpPr>
         <p:spPr>
@@ -1117,13 +1124,9 @@
             <a:ext cx="6096000" cy="3429000"/>
           </a:xfrm>
           <a:custGeom>
-            <a:avLst/>
-            <a:gdLst/>
-            <a:ahLst/>
-            <a:cxnLst/>
-            <a:rect l="l" t="t" r="r" b="b"/>
+            <a:rect b="b" l="l" r="r" t="t"/>
             <a:pathLst>
-              <a:path w="120000" h="120000" extrusionOk="0">
+              <a:path extrusionOk="0" h="120000" w="120000">
                 <a:moveTo>
                   <a:pt x="0" y="0"/>
                 </a:moveTo>
@@ -1147,7 +1150,7 @@
           <p:cNvPr id="58" name="Google Shape;58;gf556e9bd90_0_0:notes"/>
           <p:cNvSpPr txBox="1"/>
           <p:nvPr>
-            <p:ph type="body" idx="1"/>
+            <p:ph idx="1" type="body"/>
           </p:nvPr>
         </p:nvSpPr>
         <p:spPr>
@@ -1160,12 +1163,12 @@
           </a:prstGeom>
         </p:spPr>
         <p:txBody>
-          <a:bodyPr spcFirstLastPara="1" wrap="square" lIns="91425" tIns="91425" rIns="91425" bIns="91425" anchor="t" anchorCtr="0">
+          <a:bodyPr anchorCtr="0" anchor="t" bIns="91425" lIns="91425" spcFirstLastPara="1" rIns="91425" wrap="square" tIns="91425">
             <a:noAutofit/>
           </a:bodyPr>
           <a:lstStyle/>
           <a:p>
-            <a:pPr marL="0" lvl="0" indent="0" algn="l" rtl="0">
+            <a:pPr indent="0" lvl="0" marL="0" rtl="0" algn="l">
               <a:spcBef>
                 <a:spcPts val="0"/>
               </a:spcBef>
@@ -1174,6 +1177,10 @@
               </a:spcAft>
               <a:buNone/>
             </a:pPr>
+            <a:r>
+              <a:t/>
+            </a:r>
+            <a:endParaRPr/>
           </a:p>
         </p:txBody>
       </p:sp>
@@ -1186,7 +1193,7 @@
 </file>
 
 <file path=ppt/notesSlides/notesSlide3.xml><?xml version="1.0" encoding="utf-8"?>
-<p:notes xmlns:a="http://schemas.openxmlformats.org/drawingml/2006/main" xmlns:r="http://schemas.openxmlformats.org/officeDocument/2006/relationships" xmlns:p="http://schemas.openxmlformats.org/presentationml/2006/main" showMasterPhAnim="0" showMasterSp="0">
+<p:notes xmlns:a="http://schemas.openxmlformats.org/drawingml/2006/main" xmlns:r="http://schemas.openxmlformats.org/officeDocument/2006/relationships" xmlns:mc="http://schemas.openxmlformats.org/markup-compatibility/2006" xmlns:mv="urn:schemas-microsoft-com:mac:vml" xmlns:p="http://schemas.openxmlformats.org/presentationml/2006/main" xmlns:c="http://schemas.openxmlformats.org/drawingml/2006/chart" xmlns:dgm="http://schemas.openxmlformats.org/drawingml/2006/diagram" xmlns:o="urn:schemas-microsoft-com:office:office" xmlns:v="urn:schemas-microsoft-com:vml" xmlns:pvml="urn:schemas-microsoft-com:office:powerpoint" xmlns:com="http://schemas.openxmlformats.org/drawingml/2006/compatibility" xmlns:p14="http://schemas.microsoft.com/office/powerpoint/2010/main" xmlns:p15="http://schemas.microsoft.com/office/powerpoint/2012/main" xmlns:ahyp="http://schemas.microsoft.com/office/drawing/2018/hyperlinkcolor" showMasterPhAnim="0" showMasterSp="0">
   <p:cSld>
     <p:spTree>
       <p:nvGrpSpPr>
@@ -1207,7 +1214,7 @@
           <p:cNvPr id="64" name="Google Shape;64;gf59abf9191_0_12:notes"/>
           <p:cNvSpPr/>
           <p:nvPr>
-            <p:ph type="sldImg" idx="2"/>
+            <p:ph idx="2" type="sldImg"/>
           </p:nvPr>
         </p:nvSpPr>
         <p:spPr>
@@ -1216,13 +1223,9 @@
             <a:ext cx="6096000" cy="3429000"/>
           </a:xfrm>
           <a:custGeom>
-            <a:avLst/>
-            <a:gdLst/>
-            <a:ahLst/>
-            <a:cxnLst/>
-            <a:rect l="l" t="t" r="r" b="b"/>
+            <a:rect b="b" l="l" r="r" t="t"/>
             <a:pathLst>
-              <a:path w="120000" h="120000" extrusionOk="0">
+              <a:path extrusionOk="0" h="120000" w="120000">
                 <a:moveTo>
                   <a:pt x="0" y="0"/>
                 </a:moveTo>
@@ -1246,7 +1249,7 @@
           <p:cNvPr id="65" name="Google Shape;65;gf59abf9191_0_12:notes"/>
           <p:cNvSpPr txBox="1"/>
           <p:nvPr>
-            <p:ph type="body" idx="1"/>
+            <p:ph idx="1" type="body"/>
           </p:nvPr>
         </p:nvSpPr>
         <p:spPr>
@@ -1259,12 +1262,12 @@
           </a:prstGeom>
         </p:spPr>
         <p:txBody>
-          <a:bodyPr spcFirstLastPara="1" wrap="square" lIns="91425" tIns="91425" rIns="91425" bIns="91425" anchor="t" anchorCtr="0">
+          <a:bodyPr anchorCtr="0" anchor="t" bIns="91425" lIns="91425" spcFirstLastPara="1" rIns="91425" wrap="square" tIns="91425">
             <a:noAutofit/>
           </a:bodyPr>
           <a:lstStyle/>
           <a:p>
-            <a:pPr marL="0" lvl="0" indent="0" algn="l" rtl="0">
+            <a:pPr indent="0" lvl="0" marL="0" rtl="0" algn="l">
               <a:spcBef>
                 <a:spcPts val="0"/>
               </a:spcBef>
@@ -1273,6 +1276,10 @@
               </a:spcAft>
               <a:buNone/>
             </a:pPr>
+            <a:r>
+              <a:t/>
+            </a:r>
+            <a:endParaRPr/>
           </a:p>
         </p:txBody>
       </p:sp>
@@ -1285,7 +1292,7 @@
 </file>
 
 <file path=ppt/notesSlides/notesSlide4.xml><?xml version="1.0" encoding="utf-8"?>
-<p:notes xmlns:a="http://schemas.openxmlformats.org/drawingml/2006/main" xmlns:r="http://schemas.openxmlformats.org/officeDocument/2006/relationships" xmlns:p="http://schemas.openxmlformats.org/presentationml/2006/main" showMasterPhAnim="0" showMasterSp="0">
+<p:notes xmlns:a="http://schemas.openxmlformats.org/drawingml/2006/main" xmlns:r="http://schemas.openxmlformats.org/officeDocument/2006/relationships" xmlns:mc="http://schemas.openxmlformats.org/markup-compatibility/2006" xmlns:mv="urn:schemas-microsoft-com:mac:vml" xmlns:p="http://schemas.openxmlformats.org/presentationml/2006/main" xmlns:c="http://schemas.openxmlformats.org/drawingml/2006/chart" xmlns:dgm="http://schemas.openxmlformats.org/drawingml/2006/diagram" xmlns:o="urn:schemas-microsoft-com:office:office" xmlns:v="urn:schemas-microsoft-com:vml" xmlns:pvml="urn:schemas-microsoft-com:office:powerpoint" xmlns:com="http://schemas.openxmlformats.org/drawingml/2006/compatibility" xmlns:p14="http://schemas.microsoft.com/office/powerpoint/2010/main" xmlns:p15="http://schemas.microsoft.com/office/powerpoint/2012/main" xmlns:ahyp="http://schemas.microsoft.com/office/drawing/2018/hyperlinkcolor" showMasterPhAnim="0" showMasterSp="0">
   <p:cSld>
     <p:spTree>
       <p:nvGrpSpPr>
@@ -1306,7 +1313,7 @@
           <p:cNvPr id="71" name="Google Shape;71;gf59abf9191_0_19:notes"/>
           <p:cNvSpPr/>
           <p:nvPr>
-            <p:ph type="sldImg" idx="2"/>
+            <p:ph idx="2" type="sldImg"/>
           </p:nvPr>
         </p:nvSpPr>
         <p:spPr>
@@ -1315,13 +1322,9 @@
             <a:ext cx="6096000" cy="3429000"/>
           </a:xfrm>
           <a:custGeom>
-            <a:avLst/>
-            <a:gdLst/>
-            <a:ahLst/>
-            <a:cxnLst/>
-            <a:rect l="l" t="t" r="r" b="b"/>
+            <a:rect b="b" l="l" r="r" t="t"/>
             <a:pathLst>
-              <a:path w="120000" h="120000" extrusionOk="0">
+              <a:path extrusionOk="0" h="120000" w="120000">
                 <a:moveTo>
                   <a:pt x="0" y="0"/>
                 </a:moveTo>
@@ -1345,7 +1348,7 @@
           <p:cNvPr id="72" name="Google Shape;72;gf59abf9191_0_19:notes"/>
           <p:cNvSpPr txBox="1"/>
           <p:nvPr>
-            <p:ph type="body" idx="1"/>
+            <p:ph idx="1" type="body"/>
           </p:nvPr>
         </p:nvSpPr>
         <p:spPr>
@@ -1358,12 +1361,12 @@
           </a:prstGeom>
         </p:spPr>
         <p:txBody>
-          <a:bodyPr spcFirstLastPara="1" wrap="square" lIns="91425" tIns="91425" rIns="91425" bIns="91425" anchor="t" anchorCtr="0">
+          <a:bodyPr anchorCtr="0" anchor="t" bIns="91425" lIns="91425" spcFirstLastPara="1" rIns="91425" wrap="square" tIns="91425">
             <a:noAutofit/>
           </a:bodyPr>
           <a:lstStyle/>
           <a:p>
-            <a:pPr marL="0" lvl="0" indent="0" algn="l" rtl="0">
+            <a:pPr indent="0" lvl="0" marL="0" rtl="0" algn="l">
               <a:spcBef>
                 <a:spcPts val="0"/>
               </a:spcBef>
@@ -1372,6 +1375,10 @@
               </a:spcAft>
               <a:buNone/>
             </a:pPr>
+            <a:r>
+              <a:t/>
+            </a:r>
+            <a:endParaRPr/>
           </a:p>
         </p:txBody>
       </p:sp>
@@ -1384,7 +1391,7 @@
 </file>
 
 <file path=ppt/notesSlides/notesSlide5.xml><?xml version="1.0" encoding="utf-8"?>
-<p:notes xmlns:a="http://schemas.openxmlformats.org/drawingml/2006/main" xmlns:r="http://schemas.openxmlformats.org/officeDocument/2006/relationships" xmlns:p="http://schemas.openxmlformats.org/presentationml/2006/main" showMasterPhAnim="0" showMasterSp="0">
+<p:notes xmlns:a="http://schemas.openxmlformats.org/drawingml/2006/main" xmlns:r="http://schemas.openxmlformats.org/officeDocument/2006/relationships" xmlns:mc="http://schemas.openxmlformats.org/markup-compatibility/2006" xmlns:mv="urn:schemas-microsoft-com:mac:vml" xmlns:p="http://schemas.openxmlformats.org/presentationml/2006/main" xmlns:c="http://schemas.openxmlformats.org/drawingml/2006/chart" xmlns:dgm="http://schemas.openxmlformats.org/drawingml/2006/diagram" xmlns:o="urn:schemas-microsoft-com:office:office" xmlns:v="urn:schemas-microsoft-com:vml" xmlns:pvml="urn:schemas-microsoft-com:office:powerpoint" xmlns:com="http://schemas.openxmlformats.org/drawingml/2006/compatibility" xmlns:p14="http://schemas.microsoft.com/office/powerpoint/2010/main" xmlns:p15="http://schemas.microsoft.com/office/powerpoint/2012/main" xmlns:ahyp="http://schemas.microsoft.com/office/drawing/2018/hyperlinkcolor" showMasterPhAnim="0" showMasterSp="0">
   <p:cSld>
     <p:spTree>
       <p:nvGrpSpPr>
@@ -1405,7 +1412,7 @@
           <p:cNvPr id="78" name="Google Shape;78;gf59abf9191_0_25:notes"/>
           <p:cNvSpPr/>
           <p:nvPr>
-            <p:ph type="sldImg" idx="2"/>
+            <p:ph idx="2" type="sldImg"/>
           </p:nvPr>
         </p:nvSpPr>
         <p:spPr>
@@ -1414,13 +1421,9 @@
             <a:ext cx="6096000" cy="3429000"/>
           </a:xfrm>
           <a:custGeom>
-            <a:avLst/>
-            <a:gdLst/>
-            <a:ahLst/>
-            <a:cxnLst/>
-            <a:rect l="l" t="t" r="r" b="b"/>
+            <a:rect b="b" l="l" r="r" t="t"/>
             <a:pathLst>
-              <a:path w="120000" h="120000" extrusionOk="0">
+              <a:path extrusionOk="0" h="120000" w="120000">
                 <a:moveTo>
                   <a:pt x="0" y="0"/>
                 </a:moveTo>
@@ -1444,7 +1447,7 @@
           <p:cNvPr id="79" name="Google Shape;79;gf59abf9191_0_25:notes"/>
           <p:cNvSpPr txBox="1"/>
           <p:nvPr>
-            <p:ph type="body" idx="1"/>
+            <p:ph idx="1" type="body"/>
           </p:nvPr>
         </p:nvSpPr>
         <p:spPr>
@@ -1457,12 +1460,12 @@
           </a:prstGeom>
         </p:spPr>
         <p:txBody>
-          <a:bodyPr spcFirstLastPara="1" wrap="square" lIns="91425" tIns="91425" rIns="91425" bIns="91425" anchor="t" anchorCtr="0">
+          <a:bodyPr anchorCtr="0" anchor="t" bIns="91425" lIns="91425" spcFirstLastPara="1" rIns="91425" wrap="square" tIns="91425">
             <a:noAutofit/>
           </a:bodyPr>
           <a:lstStyle/>
           <a:p>
-            <a:pPr marL="0" lvl="0" indent="0" algn="l" rtl="0">
+            <a:pPr indent="0" lvl="0" marL="0" rtl="0" algn="l">
               <a:spcBef>
                 <a:spcPts val="0"/>
               </a:spcBef>
@@ -1471,6 +1474,10 @@
               </a:spcAft>
               <a:buNone/>
             </a:pPr>
+            <a:r>
+              <a:t/>
+            </a:r>
+            <a:endParaRPr/>
           </a:p>
         </p:txBody>
       </p:sp>
@@ -1483,7 +1490,7 @@
 </file>
 
 <file path=ppt/notesSlides/notesSlide6.xml><?xml version="1.0" encoding="utf-8"?>
-<p:notes xmlns:a="http://schemas.openxmlformats.org/drawingml/2006/main" xmlns:r="http://schemas.openxmlformats.org/officeDocument/2006/relationships" xmlns:p="http://schemas.openxmlformats.org/presentationml/2006/main" showMasterPhAnim="0" showMasterSp="0">
+<p:notes xmlns:a="http://schemas.openxmlformats.org/drawingml/2006/main" xmlns:r="http://schemas.openxmlformats.org/officeDocument/2006/relationships" xmlns:mc="http://schemas.openxmlformats.org/markup-compatibility/2006" xmlns:mv="urn:schemas-microsoft-com:mac:vml" xmlns:p="http://schemas.openxmlformats.org/presentationml/2006/main" xmlns:c="http://schemas.openxmlformats.org/drawingml/2006/chart" xmlns:dgm="http://schemas.openxmlformats.org/drawingml/2006/diagram" xmlns:o="urn:schemas-microsoft-com:office:office" xmlns:v="urn:schemas-microsoft-com:vml" xmlns:pvml="urn:schemas-microsoft-com:office:powerpoint" xmlns:com="http://schemas.openxmlformats.org/drawingml/2006/compatibility" xmlns:p14="http://schemas.microsoft.com/office/powerpoint/2010/main" xmlns:p15="http://schemas.microsoft.com/office/powerpoint/2012/main" xmlns:ahyp="http://schemas.microsoft.com/office/drawing/2018/hyperlinkcolor" showMasterPhAnim="0" showMasterSp="0">
   <p:cSld>
     <p:spTree>
       <p:nvGrpSpPr>
@@ -1504,7 +1511,7 @@
           <p:cNvPr id="86" name="Google Shape;86;gf59abf9191_0_34:notes"/>
           <p:cNvSpPr/>
           <p:nvPr>
-            <p:ph type="sldImg" idx="2"/>
+            <p:ph idx="2" type="sldImg"/>
           </p:nvPr>
         </p:nvSpPr>
         <p:spPr>
@@ -1513,13 +1520,9 @@
             <a:ext cx="6096000" cy="3429000"/>
           </a:xfrm>
           <a:custGeom>
-            <a:avLst/>
-            <a:gdLst/>
-            <a:ahLst/>
-            <a:cxnLst/>
-            <a:rect l="l" t="t" r="r" b="b"/>
+            <a:rect b="b" l="l" r="r" t="t"/>
             <a:pathLst>
-              <a:path w="120000" h="120000" extrusionOk="0">
+              <a:path extrusionOk="0" h="120000" w="120000">
                 <a:moveTo>
                   <a:pt x="0" y="0"/>
                 </a:moveTo>
@@ -1543,7 +1546,7 @@
           <p:cNvPr id="87" name="Google Shape;87;gf59abf9191_0_34:notes"/>
           <p:cNvSpPr txBox="1"/>
           <p:nvPr>
-            <p:ph type="body" idx="1"/>
+            <p:ph idx="1" type="body"/>
           </p:nvPr>
         </p:nvSpPr>
         <p:spPr>
@@ -1556,12 +1559,12 @@
           </a:prstGeom>
         </p:spPr>
         <p:txBody>
-          <a:bodyPr spcFirstLastPara="1" wrap="square" lIns="91425" tIns="91425" rIns="91425" bIns="91425" anchor="t" anchorCtr="0">
+          <a:bodyPr anchorCtr="0" anchor="t" bIns="91425" lIns="91425" spcFirstLastPara="1" rIns="91425" wrap="square" tIns="91425">
             <a:noAutofit/>
           </a:bodyPr>
           <a:lstStyle/>
           <a:p>
-            <a:pPr marL="0" lvl="0" indent="0" algn="l" rtl="0">
+            <a:pPr indent="0" lvl="0" marL="0" rtl="0" algn="l">
               <a:spcBef>
                 <a:spcPts val="0"/>
               </a:spcBef>
@@ -1570,6 +1573,10 @@
               </a:spcAft>
               <a:buNone/>
             </a:pPr>
+            <a:r>
+              <a:t/>
+            </a:r>
+            <a:endParaRPr/>
           </a:p>
         </p:txBody>
       </p:sp>
@@ -1582,7 +1589,7 @@
 </file>
 
 <file path=ppt/notesSlides/notesSlide7.xml><?xml version="1.0" encoding="utf-8"?>
-<p:notes xmlns:a="http://schemas.openxmlformats.org/drawingml/2006/main" xmlns:r="http://schemas.openxmlformats.org/officeDocument/2006/relationships" xmlns:p="http://schemas.openxmlformats.org/presentationml/2006/main" showMasterPhAnim="0" showMasterSp="0">
+<p:notes xmlns:a="http://schemas.openxmlformats.org/drawingml/2006/main" xmlns:r="http://schemas.openxmlformats.org/officeDocument/2006/relationships" xmlns:mc="http://schemas.openxmlformats.org/markup-compatibility/2006" xmlns:mv="urn:schemas-microsoft-com:mac:vml" xmlns:p="http://schemas.openxmlformats.org/presentationml/2006/main" xmlns:c="http://schemas.openxmlformats.org/drawingml/2006/chart" xmlns:dgm="http://schemas.openxmlformats.org/drawingml/2006/diagram" xmlns:o="urn:schemas-microsoft-com:office:office" xmlns:v="urn:schemas-microsoft-com:vml" xmlns:pvml="urn:schemas-microsoft-com:office:powerpoint" xmlns:com="http://schemas.openxmlformats.org/drawingml/2006/compatibility" xmlns:p14="http://schemas.microsoft.com/office/powerpoint/2010/main" xmlns:p15="http://schemas.microsoft.com/office/powerpoint/2012/main" xmlns:ahyp="http://schemas.microsoft.com/office/drawing/2018/hyperlinkcolor" showMasterPhAnim="0" showMasterSp="0">
   <p:cSld>
     <p:spTree>
       <p:nvGrpSpPr>
@@ -1603,7 +1610,7 @@
           <p:cNvPr id="93" name="Google Shape;93;gf59abf9191_0_42:notes"/>
           <p:cNvSpPr/>
           <p:nvPr>
-            <p:ph type="sldImg" idx="2"/>
+            <p:ph idx="2" type="sldImg"/>
           </p:nvPr>
         </p:nvSpPr>
         <p:spPr>
@@ -1612,13 +1619,9 @@
             <a:ext cx="6096000" cy="3429000"/>
           </a:xfrm>
           <a:custGeom>
-            <a:avLst/>
-            <a:gdLst/>
-            <a:ahLst/>
-            <a:cxnLst/>
-            <a:rect l="l" t="t" r="r" b="b"/>
+            <a:rect b="b" l="l" r="r" t="t"/>
             <a:pathLst>
-              <a:path w="120000" h="120000" extrusionOk="0">
+              <a:path extrusionOk="0" h="120000" w="120000">
                 <a:moveTo>
                   <a:pt x="0" y="0"/>
                 </a:moveTo>
@@ -1642,7 +1645,7 @@
           <p:cNvPr id="94" name="Google Shape;94;gf59abf9191_0_42:notes"/>
           <p:cNvSpPr txBox="1"/>
           <p:nvPr>
-            <p:ph type="body" idx="1"/>
+            <p:ph idx="1" type="body"/>
           </p:nvPr>
         </p:nvSpPr>
         <p:spPr>
@@ -1655,12 +1658,12 @@
           </a:prstGeom>
         </p:spPr>
         <p:txBody>
-          <a:bodyPr spcFirstLastPara="1" wrap="square" lIns="91425" tIns="91425" rIns="91425" bIns="91425" anchor="t" anchorCtr="0">
+          <a:bodyPr anchorCtr="0" anchor="t" bIns="91425" lIns="91425" spcFirstLastPara="1" rIns="91425" wrap="square" tIns="91425">
             <a:noAutofit/>
           </a:bodyPr>
           <a:lstStyle/>
           <a:p>
-            <a:pPr marL="0" lvl="0" indent="0" algn="l" rtl="0">
+            <a:pPr indent="0" lvl="0" marL="0" rtl="0" algn="l">
               <a:spcBef>
                 <a:spcPts val="0"/>
               </a:spcBef>
@@ -1669,6 +1672,10 @@
               </a:spcAft>
               <a:buNone/>
             </a:pPr>
+            <a:r>
+              <a:t/>
+            </a:r>
+            <a:endParaRPr/>
           </a:p>
         </p:txBody>
       </p:sp>
@@ -1681,7 +1688,7 @@
 </file>
 
 <file path=ppt/notesSlides/notesSlide8.xml><?xml version="1.0" encoding="utf-8"?>
-<p:notes xmlns:a="http://schemas.openxmlformats.org/drawingml/2006/main" xmlns:r="http://schemas.openxmlformats.org/officeDocument/2006/relationships" xmlns:p="http://schemas.openxmlformats.org/presentationml/2006/main" showMasterPhAnim="0" showMasterSp="0">
+<p:notes xmlns:a="http://schemas.openxmlformats.org/drawingml/2006/main" xmlns:r="http://schemas.openxmlformats.org/officeDocument/2006/relationships" xmlns:mc="http://schemas.openxmlformats.org/markup-compatibility/2006" xmlns:mv="urn:schemas-microsoft-com:mac:vml" xmlns:p="http://schemas.openxmlformats.org/presentationml/2006/main" xmlns:c="http://schemas.openxmlformats.org/drawingml/2006/chart" xmlns:dgm="http://schemas.openxmlformats.org/drawingml/2006/diagram" xmlns:o="urn:schemas-microsoft-com:office:office" xmlns:v="urn:schemas-microsoft-com:vml" xmlns:pvml="urn:schemas-microsoft-com:office:powerpoint" xmlns:com="http://schemas.openxmlformats.org/drawingml/2006/compatibility" xmlns:p14="http://schemas.microsoft.com/office/powerpoint/2010/main" xmlns:p15="http://schemas.microsoft.com/office/powerpoint/2012/main" xmlns:ahyp="http://schemas.microsoft.com/office/drawing/2018/hyperlinkcolor" showMasterPhAnim="0" showMasterSp="0">
   <p:cSld>
     <p:spTree>
       <p:nvGrpSpPr>
@@ -1702,7 +1709,7 @@
           <p:cNvPr id="100" name="Google Shape;100;gf556e9bd90_0_5:notes"/>
           <p:cNvSpPr/>
           <p:nvPr>
-            <p:ph type="sldImg" idx="2"/>
+            <p:ph idx="2" type="sldImg"/>
           </p:nvPr>
         </p:nvSpPr>
         <p:spPr>
@@ -1711,13 +1718,9 @@
             <a:ext cx="6096000" cy="3429000"/>
           </a:xfrm>
           <a:custGeom>
-            <a:avLst/>
-            <a:gdLst/>
-            <a:ahLst/>
-            <a:cxnLst/>
-            <a:rect l="l" t="t" r="r" b="b"/>
+            <a:rect b="b" l="l" r="r" t="t"/>
             <a:pathLst>
-              <a:path w="120000" h="120000" extrusionOk="0">
+              <a:path extrusionOk="0" h="120000" w="120000">
                 <a:moveTo>
                   <a:pt x="0" y="0"/>
                 </a:moveTo>
@@ -1741,7 +1744,7 @@
           <p:cNvPr id="101" name="Google Shape;101;gf556e9bd90_0_5:notes"/>
           <p:cNvSpPr txBox="1"/>
           <p:nvPr>
-            <p:ph type="body" idx="1"/>
+            <p:ph idx="1" type="body"/>
           </p:nvPr>
         </p:nvSpPr>
         <p:spPr>
@@ -1754,12 +1757,12 @@
           </a:prstGeom>
         </p:spPr>
         <p:txBody>
-          <a:bodyPr spcFirstLastPara="1" wrap="square" lIns="91425" tIns="91425" rIns="91425" bIns="91425" anchor="t" anchorCtr="0">
+          <a:bodyPr anchorCtr="0" anchor="t" bIns="91425" lIns="91425" spcFirstLastPara="1" rIns="91425" wrap="square" tIns="91425">
             <a:noAutofit/>
           </a:bodyPr>
           <a:lstStyle/>
           <a:p>
-            <a:pPr marL="0" lvl="0" indent="0" algn="l" rtl="0">
+            <a:pPr indent="0" lvl="0" marL="0" rtl="0" algn="l">
               <a:spcBef>
                 <a:spcPts val="0"/>
               </a:spcBef>
@@ -1768,6 +1771,10 @@
               </a:spcAft>
               <a:buNone/>
             </a:pPr>
+            <a:r>
+              <a:t/>
+            </a:r>
+            <a:endParaRPr/>
           </a:p>
         </p:txBody>
       </p:sp>
@@ -1780,7 +1787,7 @@
 </file>
 
 <file path=ppt/notesSlides/notesSlide9.xml><?xml version="1.0" encoding="utf-8"?>
-<p:notes xmlns:a="http://schemas.openxmlformats.org/drawingml/2006/main" xmlns:r="http://schemas.openxmlformats.org/officeDocument/2006/relationships" xmlns:p="http://schemas.openxmlformats.org/presentationml/2006/main" showMasterPhAnim="0" showMasterSp="0">
+<p:notes xmlns:a="http://schemas.openxmlformats.org/drawingml/2006/main" xmlns:r="http://schemas.openxmlformats.org/officeDocument/2006/relationships" xmlns:mc="http://schemas.openxmlformats.org/markup-compatibility/2006" xmlns:mv="urn:schemas-microsoft-com:mac:vml" xmlns:p="http://schemas.openxmlformats.org/presentationml/2006/main" xmlns:c="http://schemas.openxmlformats.org/drawingml/2006/chart" xmlns:dgm="http://schemas.openxmlformats.org/drawingml/2006/diagram" xmlns:o="urn:schemas-microsoft-com:office:office" xmlns:v="urn:schemas-microsoft-com:vml" xmlns:pvml="urn:schemas-microsoft-com:office:powerpoint" xmlns:com="http://schemas.openxmlformats.org/drawingml/2006/compatibility" xmlns:p14="http://schemas.microsoft.com/office/powerpoint/2010/main" xmlns:p15="http://schemas.microsoft.com/office/powerpoint/2012/main" xmlns:ahyp="http://schemas.microsoft.com/office/drawing/2018/hyperlinkcolor" showMasterPhAnim="0" showMasterSp="0">
   <p:cSld>
     <p:spTree>
       <p:nvGrpSpPr>
@@ -1801,7 +1808,7 @@
           <p:cNvPr id="106" name="Google Shape;106;gf556e9bd90_0_13:notes"/>
           <p:cNvSpPr/>
           <p:nvPr>
-            <p:ph type="sldImg" idx="2"/>
+            <p:ph idx="2" type="sldImg"/>
           </p:nvPr>
         </p:nvSpPr>
         <p:spPr>
@@ -1810,13 +1817,9 @@
             <a:ext cx="6096000" cy="3429000"/>
           </a:xfrm>
           <a:custGeom>
-            <a:avLst/>
-            <a:gdLst/>
-            <a:ahLst/>
-            <a:cxnLst/>
-            <a:rect l="l" t="t" r="r" b="b"/>
+            <a:rect b="b" l="l" r="r" t="t"/>
             <a:pathLst>
-              <a:path w="120000" h="120000" extrusionOk="0">
+              <a:path extrusionOk="0" h="120000" w="120000">
                 <a:moveTo>
                   <a:pt x="0" y="0"/>
                 </a:moveTo>
@@ -1840,7 +1843,7 @@
           <p:cNvPr id="107" name="Google Shape;107;gf556e9bd90_0_13:notes"/>
           <p:cNvSpPr txBox="1"/>
           <p:nvPr>
-            <p:ph type="body" idx="1"/>
+            <p:ph idx="1" type="body"/>
           </p:nvPr>
         </p:nvSpPr>
         <p:spPr>
@@ -1853,12 +1856,12 @@
           </a:prstGeom>
         </p:spPr>
         <p:txBody>
-          <a:bodyPr spcFirstLastPara="1" wrap="square" lIns="91425" tIns="91425" rIns="91425" bIns="91425" anchor="t" anchorCtr="0">
+          <a:bodyPr anchorCtr="0" anchor="t" bIns="91425" lIns="91425" spcFirstLastPara="1" rIns="91425" wrap="square" tIns="91425">
             <a:noAutofit/>
           </a:bodyPr>
           <a:lstStyle/>
           <a:p>
-            <a:pPr marL="0" lvl="0" indent="0" algn="l" rtl="0">
+            <a:pPr indent="0" lvl="0" marL="0" rtl="0" algn="l">
               <a:spcBef>
                 <a:spcPts val="0"/>
               </a:spcBef>
@@ -1867,6 +1870,10 @@
               </a:spcAft>
               <a:buNone/>
             </a:pPr>
+            <a:r>
+              <a:t/>
+            </a:r>
+            <a:endParaRPr/>
           </a:p>
         </p:txBody>
       </p:sp>
@@ -1879,7 +1886,7 @@
 </file>
 
 <file path=ppt/slideLayouts/slideLayout1.xml><?xml version="1.0" encoding="utf-8"?>
-<p:sldLayout xmlns:a="http://schemas.openxmlformats.org/drawingml/2006/main" xmlns:r="http://schemas.openxmlformats.org/officeDocument/2006/relationships" xmlns:p="http://schemas.openxmlformats.org/presentationml/2006/main" type="title" matchingName="Title slide">
+<p:sldLayout xmlns:a="http://schemas.openxmlformats.org/drawingml/2006/main" xmlns:r="http://schemas.openxmlformats.org/officeDocument/2006/relationships" xmlns:mc="http://schemas.openxmlformats.org/markup-compatibility/2006" xmlns:mv="urn:schemas-microsoft-com:mac:vml" xmlns:p="http://schemas.openxmlformats.org/presentationml/2006/main" xmlns:c="http://schemas.openxmlformats.org/drawingml/2006/chart" xmlns:dgm="http://schemas.openxmlformats.org/drawingml/2006/diagram" xmlns:o="urn:schemas-microsoft-com:office:office" xmlns:v="urn:schemas-microsoft-com:vml" xmlns:pvml="urn:schemas-microsoft-com:office:powerpoint" xmlns:com="http://schemas.openxmlformats.org/drawingml/2006/compatibility" xmlns:p14="http://schemas.microsoft.com/office/powerpoint/2010/main" xmlns:p15="http://schemas.microsoft.com/office/powerpoint/2012/main" xmlns:ahyp="http://schemas.microsoft.com/office/drawing/2018/hyperlinkcolor" matchingName="Title slide" type="title">
   <p:cSld name="TITLE">
     <p:spTree>
       <p:nvGrpSpPr>
@@ -1913,7 +1920,7 @@
           </a:prstGeom>
         </p:spPr>
         <p:txBody>
-          <a:bodyPr spcFirstLastPara="1" wrap="square" lIns="91425" tIns="91425" rIns="91425" bIns="91425" anchor="b" anchorCtr="0">
+          <a:bodyPr anchorCtr="0" anchor="b" bIns="91425" lIns="91425" spcFirstLastPara="1" rIns="91425" wrap="square" tIns="91425">
             <a:normAutofit/>
           </a:bodyPr>
           <a:lstStyle>
@@ -2025,7 +2032,7 @@
           <p:cNvPr id="11" name="Google Shape;11;p2"/>
           <p:cNvSpPr txBox="1"/>
           <p:nvPr>
-            <p:ph type="subTitle" idx="1"/>
+            <p:ph idx="1" type="subTitle"/>
           </p:nvPr>
         </p:nvSpPr>
         <p:spPr>
@@ -2038,7 +2045,7 @@
           </a:prstGeom>
         </p:spPr>
         <p:txBody>
-          <a:bodyPr spcFirstLastPara="1" wrap="square" lIns="91425" tIns="91425" rIns="91425" bIns="91425" anchor="t" anchorCtr="0">
+          <a:bodyPr anchorCtr="0" anchor="t" bIns="91425" lIns="91425" spcFirstLastPara="1" rIns="91425" wrap="square" tIns="91425">
             <a:normAutofit/>
           </a:bodyPr>
           <a:lstStyle>
@@ -2177,7 +2184,7 @@
           <p:cNvPr id="12" name="Google Shape;12;p2"/>
           <p:cNvSpPr txBox="1"/>
           <p:nvPr>
-            <p:ph type="sldNum" idx="12"/>
+            <p:ph idx="12" type="sldNum"/>
           </p:nvPr>
         </p:nvSpPr>
         <p:spPr>
@@ -2190,7 +2197,7 @@
           </a:prstGeom>
         </p:spPr>
         <p:txBody>
-          <a:bodyPr spcFirstLastPara="1" wrap="square" lIns="91425" tIns="91425" rIns="91425" bIns="91425" anchor="ctr" anchorCtr="0">
+          <a:bodyPr anchorCtr="0" anchor="ctr" bIns="91425" lIns="91425" spcFirstLastPara="1" rIns="91425" wrap="square" tIns="91425">
             <a:normAutofit/>
           </a:bodyPr>
           <a:lstStyle>
@@ -2232,7 +2239,7 @@
             </a:lvl9pPr>
           </a:lstStyle>
           <a:p>
-            <a:pPr marL="0" lvl="0" indent="0" algn="r" rtl="0">
+            <a:pPr indent="0" lvl="0" marL="0" rtl="0" algn="r">
               <a:spcBef>
                 <a:spcPts val="0"/>
               </a:spcBef>
@@ -2243,8 +2250,9 @@
             </a:pPr>
             <a:fld id="{00000000-1234-1234-1234-123412341234}" type="slidenum">
               <a:rPr lang="zh-CN"/>
+              <a:t>‹#›</a:t>
             </a:fld>
-            <a:endParaRPr lang="zh-CN"/>
+            <a:endParaRPr/>
           </a:p>
         </p:txBody>
       </p:sp>
@@ -2257,7 +2265,7 @@
 </file>
 
 <file path=ppt/slideLayouts/slideLayout10.xml><?xml version="1.0" encoding="utf-8"?>
-<p:sldLayout xmlns:a="http://schemas.openxmlformats.org/drawingml/2006/main" xmlns:r="http://schemas.openxmlformats.org/officeDocument/2006/relationships" xmlns:p="http://schemas.openxmlformats.org/presentationml/2006/main" matchingName="Big number">
+<p:sldLayout xmlns:a="http://schemas.openxmlformats.org/drawingml/2006/main" xmlns:r="http://schemas.openxmlformats.org/officeDocument/2006/relationships" xmlns:mc="http://schemas.openxmlformats.org/markup-compatibility/2006" xmlns:mv="urn:schemas-microsoft-com:mac:vml" xmlns:p="http://schemas.openxmlformats.org/presentationml/2006/main" xmlns:c="http://schemas.openxmlformats.org/drawingml/2006/chart" xmlns:dgm="http://schemas.openxmlformats.org/drawingml/2006/diagram" xmlns:o="urn:schemas-microsoft-com:office:office" xmlns:v="urn:schemas-microsoft-com:vml" xmlns:pvml="urn:schemas-microsoft-com:office:powerpoint" xmlns:com="http://schemas.openxmlformats.org/drawingml/2006/compatibility" xmlns:p14="http://schemas.microsoft.com/office/powerpoint/2010/main" xmlns:p15="http://schemas.microsoft.com/office/powerpoint/2012/main" xmlns:ahyp="http://schemas.microsoft.com/office/drawing/2018/hyperlinkcolor" matchingName="Big number">
   <p:cSld name="BIG_NUMBER">
     <p:spTree>
       <p:nvGrpSpPr>
@@ -2278,7 +2286,7 @@
           <p:cNvPr id="45" name="Google Shape;45;p11"/>
           <p:cNvSpPr txBox="1"/>
           <p:nvPr>
-            <p:ph type="title" hasCustomPrompt="1"/>
+            <p:ph hasCustomPrompt="1" type="title"/>
           </p:nvPr>
         </p:nvSpPr>
         <p:spPr>
@@ -2291,7 +2299,7 @@
           </a:prstGeom>
         </p:spPr>
         <p:txBody>
-          <a:bodyPr spcFirstLastPara="1" wrap="square" lIns="91425" tIns="91425" rIns="91425" bIns="91425" anchor="b" anchorCtr="0">
+          <a:bodyPr anchorCtr="0" anchor="b" bIns="91425" lIns="91425" spcFirstLastPara="1" rIns="91425" wrap="square" tIns="91425">
             <a:normAutofit/>
           </a:bodyPr>
           <a:lstStyle>
@@ -2407,7 +2415,7 @@
           <p:cNvPr id="46" name="Google Shape;46;p11"/>
           <p:cNvSpPr txBox="1"/>
           <p:nvPr>
-            <p:ph type="body" idx="1"/>
+            <p:ph idx="1" type="body"/>
           </p:nvPr>
         </p:nvSpPr>
         <p:spPr>
@@ -2420,11 +2428,11 @@
           </a:prstGeom>
         </p:spPr>
         <p:txBody>
-          <a:bodyPr spcFirstLastPara="1" wrap="square" lIns="91425" tIns="91425" rIns="91425" bIns="91425" anchor="t" anchorCtr="0">
+          <a:bodyPr anchorCtr="0" anchor="t" bIns="91425" lIns="91425" spcFirstLastPara="1" rIns="91425" wrap="square" tIns="91425">
             <a:normAutofit/>
           </a:bodyPr>
           <a:lstStyle>
-            <a:lvl1pPr marL="457200" lvl="0" indent="-342900" algn="ctr">
+            <a:lvl1pPr indent="-342900" lvl="0" marL="457200" algn="ctr">
               <a:spcBef>
                 <a:spcPts val="0"/>
               </a:spcBef>
@@ -2435,7 +2443,7 @@
               <a:buChar char="●"/>
               <a:defRPr/>
             </a:lvl1pPr>
-            <a:lvl2pPr marL="914400" lvl="1" indent="-317500" algn="ctr">
+            <a:lvl2pPr indent="-317500" lvl="1" marL="914400" algn="ctr">
               <a:spcBef>
                 <a:spcPts val="0"/>
               </a:spcBef>
@@ -2446,7 +2454,7 @@
               <a:buChar char="○"/>
               <a:defRPr/>
             </a:lvl2pPr>
-            <a:lvl3pPr marL="1371600" lvl="2" indent="-317500" algn="ctr">
+            <a:lvl3pPr indent="-317500" lvl="2" marL="1371600" algn="ctr">
               <a:spcBef>
                 <a:spcPts val="0"/>
               </a:spcBef>
@@ -2457,7 +2465,7 @@
               <a:buChar char="■"/>
               <a:defRPr/>
             </a:lvl3pPr>
-            <a:lvl4pPr marL="1828800" lvl="3" indent="-317500" algn="ctr">
+            <a:lvl4pPr indent="-317500" lvl="3" marL="1828800" algn="ctr">
               <a:spcBef>
                 <a:spcPts val="0"/>
               </a:spcBef>
@@ -2468,7 +2476,7 @@
               <a:buChar char="●"/>
               <a:defRPr/>
             </a:lvl4pPr>
-            <a:lvl5pPr marL="2286000" lvl="4" indent="-317500" algn="ctr">
+            <a:lvl5pPr indent="-317500" lvl="4" marL="2286000" algn="ctr">
               <a:spcBef>
                 <a:spcPts val="0"/>
               </a:spcBef>
@@ -2479,7 +2487,7 @@
               <a:buChar char="○"/>
               <a:defRPr/>
             </a:lvl5pPr>
-            <a:lvl6pPr marL="2743200" lvl="5" indent="-317500" algn="ctr">
+            <a:lvl6pPr indent="-317500" lvl="5" marL="2743200" algn="ctr">
               <a:spcBef>
                 <a:spcPts val="0"/>
               </a:spcBef>
@@ -2490,7 +2498,7 @@
               <a:buChar char="■"/>
               <a:defRPr/>
             </a:lvl6pPr>
-            <a:lvl7pPr marL="3200400" lvl="6" indent="-317500" algn="ctr">
+            <a:lvl7pPr indent="-317500" lvl="6" marL="3200400" algn="ctr">
               <a:spcBef>
                 <a:spcPts val="0"/>
               </a:spcBef>
@@ -2501,7 +2509,7 @@
               <a:buChar char="●"/>
               <a:defRPr/>
             </a:lvl7pPr>
-            <a:lvl8pPr marL="3657600" lvl="7" indent="-317500" algn="ctr">
+            <a:lvl8pPr indent="-317500" lvl="7" marL="3657600" algn="ctr">
               <a:spcBef>
                 <a:spcPts val="0"/>
               </a:spcBef>
@@ -2512,7 +2520,7 @@
               <a:buChar char="○"/>
               <a:defRPr/>
             </a:lvl8pPr>
-            <a:lvl9pPr marL="4114800" lvl="8" indent="-317500" algn="ctr">
+            <a:lvl9pPr indent="-317500" lvl="8" marL="4114800" algn="ctr">
               <a:spcBef>
                 <a:spcPts val="0"/>
               </a:spcBef>
@@ -2532,7 +2540,7 @@
           <p:cNvPr id="47" name="Google Shape;47;p11"/>
           <p:cNvSpPr txBox="1"/>
           <p:nvPr>
-            <p:ph type="sldNum" idx="12"/>
+            <p:ph idx="12" type="sldNum"/>
           </p:nvPr>
         </p:nvSpPr>
         <p:spPr>
@@ -2545,7 +2553,7 @@
           </a:prstGeom>
         </p:spPr>
         <p:txBody>
-          <a:bodyPr spcFirstLastPara="1" wrap="square" lIns="91425" tIns="91425" rIns="91425" bIns="91425" anchor="ctr" anchorCtr="0">
+          <a:bodyPr anchorCtr="0" anchor="ctr" bIns="91425" lIns="91425" spcFirstLastPara="1" rIns="91425" wrap="square" tIns="91425">
             <a:normAutofit/>
           </a:bodyPr>
           <a:lstStyle>
@@ -2587,7 +2595,7 @@
             </a:lvl9pPr>
           </a:lstStyle>
           <a:p>
-            <a:pPr marL="0" lvl="0" indent="0" algn="r" rtl="0">
+            <a:pPr indent="0" lvl="0" marL="0" rtl="0" algn="r">
               <a:spcBef>
                 <a:spcPts val="0"/>
               </a:spcBef>
@@ -2598,8 +2606,9 @@
             </a:pPr>
             <a:fld id="{00000000-1234-1234-1234-123412341234}" type="slidenum">
               <a:rPr lang="zh-CN"/>
+              <a:t>‹#›</a:t>
             </a:fld>
-            <a:endParaRPr lang="zh-CN"/>
+            <a:endParaRPr/>
           </a:p>
         </p:txBody>
       </p:sp>
@@ -2612,7 +2621,7 @@
 </file>
 
 <file path=ppt/slideLayouts/slideLayout11.xml><?xml version="1.0" encoding="utf-8"?>
-<p:sldLayout xmlns:a="http://schemas.openxmlformats.org/drawingml/2006/main" xmlns:r="http://schemas.openxmlformats.org/officeDocument/2006/relationships" xmlns:p="http://schemas.openxmlformats.org/presentationml/2006/main" type="blank" matchingName="Blank">
+<p:sldLayout xmlns:a="http://schemas.openxmlformats.org/drawingml/2006/main" xmlns:r="http://schemas.openxmlformats.org/officeDocument/2006/relationships" xmlns:mc="http://schemas.openxmlformats.org/markup-compatibility/2006" xmlns:mv="urn:schemas-microsoft-com:mac:vml" xmlns:p="http://schemas.openxmlformats.org/presentationml/2006/main" xmlns:c="http://schemas.openxmlformats.org/drawingml/2006/chart" xmlns:dgm="http://schemas.openxmlformats.org/drawingml/2006/diagram" xmlns:o="urn:schemas-microsoft-com:office:office" xmlns:v="urn:schemas-microsoft-com:vml" xmlns:pvml="urn:schemas-microsoft-com:office:powerpoint" xmlns:com="http://schemas.openxmlformats.org/drawingml/2006/compatibility" xmlns:p14="http://schemas.microsoft.com/office/powerpoint/2010/main" xmlns:p15="http://schemas.microsoft.com/office/powerpoint/2012/main" xmlns:ahyp="http://schemas.microsoft.com/office/drawing/2018/hyperlinkcolor" matchingName="Blank" type="blank">
   <p:cSld name="BLANK">
     <p:spTree>
       <p:nvGrpSpPr>
@@ -2633,7 +2642,7 @@
           <p:cNvPr id="49" name="Google Shape;49;p12"/>
           <p:cNvSpPr txBox="1"/>
           <p:nvPr>
-            <p:ph type="sldNum" idx="12"/>
+            <p:ph idx="12" type="sldNum"/>
           </p:nvPr>
         </p:nvSpPr>
         <p:spPr>
@@ -2646,7 +2655,7 @@
           </a:prstGeom>
         </p:spPr>
         <p:txBody>
-          <a:bodyPr spcFirstLastPara="1" wrap="square" lIns="91425" tIns="91425" rIns="91425" bIns="91425" anchor="ctr" anchorCtr="0">
+          <a:bodyPr anchorCtr="0" anchor="ctr" bIns="91425" lIns="91425" spcFirstLastPara="1" rIns="91425" wrap="square" tIns="91425">
             <a:normAutofit/>
           </a:bodyPr>
           <a:lstStyle>
@@ -2688,7 +2697,7 @@
             </a:lvl9pPr>
           </a:lstStyle>
           <a:p>
-            <a:pPr marL="0" lvl="0" indent="0" algn="r" rtl="0">
+            <a:pPr indent="0" lvl="0" marL="0" rtl="0" algn="r">
               <a:spcBef>
                 <a:spcPts val="0"/>
               </a:spcBef>
@@ -2699,8 +2708,9 @@
             </a:pPr>
             <a:fld id="{00000000-1234-1234-1234-123412341234}" type="slidenum">
               <a:rPr lang="zh-CN"/>
+              <a:t>‹#›</a:t>
             </a:fld>
-            <a:endParaRPr lang="zh-CN"/>
+            <a:endParaRPr/>
           </a:p>
         </p:txBody>
       </p:sp>
@@ -2713,7 +2723,7 @@
 </file>
 
 <file path=ppt/slideLayouts/slideLayout2.xml><?xml version="1.0" encoding="utf-8"?>
-<p:sldLayout xmlns:a="http://schemas.openxmlformats.org/drawingml/2006/main" xmlns:r="http://schemas.openxmlformats.org/officeDocument/2006/relationships" xmlns:p="http://schemas.openxmlformats.org/presentationml/2006/main" type="secHead" matchingName="Section header">
+<p:sldLayout xmlns:a="http://schemas.openxmlformats.org/drawingml/2006/main" xmlns:r="http://schemas.openxmlformats.org/officeDocument/2006/relationships" xmlns:mc="http://schemas.openxmlformats.org/markup-compatibility/2006" xmlns:mv="urn:schemas-microsoft-com:mac:vml" xmlns:p="http://schemas.openxmlformats.org/presentationml/2006/main" xmlns:c="http://schemas.openxmlformats.org/drawingml/2006/chart" xmlns:dgm="http://schemas.openxmlformats.org/drawingml/2006/diagram" xmlns:o="urn:schemas-microsoft-com:office:office" xmlns:v="urn:schemas-microsoft-com:vml" xmlns:pvml="urn:schemas-microsoft-com:office:powerpoint" xmlns:com="http://schemas.openxmlformats.org/drawingml/2006/compatibility" xmlns:p14="http://schemas.microsoft.com/office/powerpoint/2010/main" xmlns:p15="http://schemas.microsoft.com/office/powerpoint/2012/main" xmlns:ahyp="http://schemas.microsoft.com/office/drawing/2018/hyperlinkcolor" matchingName="Section header" type="secHead">
   <p:cSld name="SECTION_HEADER">
     <p:spTree>
       <p:nvGrpSpPr>
@@ -2747,7 +2757,7 @@
           </a:prstGeom>
         </p:spPr>
         <p:txBody>
-          <a:bodyPr spcFirstLastPara="1" wrap="square" lIns="91425" tIns="91425" rIns="91425" bIns="91425" anchor="ctr" anchorCtr="0">
+          <a:bodyPr anchorCtr="0" anchor="ctr" bIns="91425" lIns="91425" spcFirstLastPara="1" rIns="91425" wrap="square" tIns="91425">
             <a:normAutofit/>
           </a:bodyPr>
           <a:lstStyle>
@@ -2859,7 +2869,7 @@
           <p:cNvPr id="15" name="Google Shape;15;p3"/>
           <p:cNvSpPr txBox="1"/>
           <p:nvPr>
-            <p:ph type="sldNum" idx="12"/>
+            <p:ph idx="12" type="sldNum"/>
           </p:nvPr>
         </p:nvSpPr>
         <p:spPr>
@@ -2872,7 +2882,7 @@
           </a:prstGeom>
         </p:spPr>
         <p:txBody>
-          <a:bodyPr spcFirstLastPara="1" wrap="square" lIns="91425" tIns="91425" rIns="91425" bIns="91425" anchor="ctr" anchorCtr="0">
+          <a:bodyPr anchorCtr="0" anchor="ctr" bIns="91425" lIns="91425" spcFirstLastPara="1" rIns="91425" wrap="square" tIns="91425">
             <a:normAutofit/>
           </a:bodyPr>
           <a:lstStyle>
@@ -2914,7 +2924,7 @@
             </a:lvl9pPr>
           </a:lstStyle>
           <a:p>
-            <a:pPr marL="0" lvl="0" indent="0" algn="r" rtl="0">
+            <a:pPr indent="0" lvl="0" marL="0" rtl="0" algn="r">
               <a:spcBef>
                 <a:spcPts val="0"/>
               </a:spcBef>
@@ -2925,8 +2935,9 @@
             </a:pPr>
             <a:fld id="{00000000-1234-1234-1234-123412341234}" type="slidenum">
               <a:rPr lang="zh-CN"/>
+              <a:t>‹#›</a:t>
             </a:fld>
-            <a:endParaRPr lang="zh-CN"/>
+            <a:endParaRPr/>
           </a:p>
         </p:txBody>
       </p:sp>
@@ -2939,7 +2950,7 @@
 </file>
 
 <file path=ppt/slideLayouts/slideLayout3.xml><?xml version="1.0" encoding="utf-8"?>
-<p:sldLayout xmlns:a="http://schemas.openxmlformats.org/drawingml/2006/main" xmlns:r="http://schemas.openxmlformats.org/officeDocument/2006/relationships" xmlns:p="http://schemas.openxmlformats.org/presentationml/2006/main" type="tx" matchingName="Title and body">
+<p:sldLayout xmlns:a="http://schemas.openxmlformats.org/drawingml/2006/main" xmlns:r="http://schemas.openxmlformats.org/officeDocument/2006/relationships" xmlns:mc="http://schemas.openxmlformats.org/markup-compatibility/2006" xmlns:mv="urn:schemas-microsoft-com:mac:vml" xmlns:p="http://schemas.openxmlformats.org/presentationml/2006/main" xmlns:c="http://schemas.openxmlformats.org/drawingml/2006/chart" xmlns:dgm="http://schemas.openxmlformats.org/drawingml/2006/diagram" xmlns:o="urn:schemas-microsoft-com:office:office" xmlns:v="urn:schemas-microsoft-com:vml" xmlns:pvml="urn:schemas-microsoft-com:office:powerpoint" xmlns:com="http://schemas.openxmlformats.org/drawingml/2006/compatibility" xmlns:p14="http://schemas.microsoft.com/office/powerpoint/2010/main" xmlns:p15="http://schemas.microsoft.com/office/powerpoint/2012/main" xmlns:ahyp="http://schemas.microsoft.com/office/drawing/2018/hyperlinkcolor" matchingName="Title and body" type="tx">
   <p:cSld name="TITLE_AND_BODY">
     <p:spTree>
       <p:nvGrpSpPr>
@@ -2973,7 +2984,7 @@
           </a:prstGeom>
         </p:spPr>
         <p:txBody>
-          <a:bodyPr spcFirstLastPara="1" wrap="square" lIns="91425" tIns="91425" rIns="91425" bIns="91425" anchor="t" anchorCtr="0">
+          <a:bodyPr anchorCtr="0" anchor="t" bIns="91425" lIns="91425" spcFirstLastPara="1" rIns="91425" wrap="square" tIns="91425">
             <a:normAutofit/>
           </a:bodyPr>
           <a:lstStyle>
@@ -3085,7 +3096,7 @@
           <p:cNvPr id="18" name="Google Shape;18;p4"/>
           <p:cNvSpPr txBox="1"/>
           <p:nvPr>
-            <p:ph type="body" idx="1"/>
+            <p:ph idx="1" type="body"/>
           </p:nvPr>
         </p:nvSpPr>
         <p:spPr>
@@ -3098,11 +3109,11 @@
           </a:prstGeom>
         </p:spPr>
         <p:txBody>
-          <a:bodyPr spcFirstLastPara="1" wrap="square" lIns="91425" tIns="91425" rIns="91425" bIns="91425" anchor="t" anchorCtr="0">
+          <a:bodyPr anchorCtr="0" anchor="t" bIns="91425" lIns="91425" spcFirstLastPara="1" rIns="91425" wrap="square" tIns="91425">
             <a:normAutofit/>
           </a:bodyPr>
           <a:lstStyle>
-            <a:lvl1pPr marL="457200" lvl="0" indent="-342900">
+            <a:lvl1pPr indent="-342900" lvl="0" marL="457200">
               <a:spcBef>
                 <a:spcPts val="0"/>
               </a:spcBef>
@@ -3113,7 +3124,7 @@
               <a:buChar char="●"/>
               <a:defRPr/>
             </a:lvl1pPr>
-            <a:lvl2pPr marL="914400" lvl="1" indent="-317500">
+            <a:lvl2pPr indent="-317500" lvl="1" marL="914400">
               <a:spcBef>
                 <a:spcPts val="0"/>
               </a:spcBef>
@@ -3124,7 +3135,7 @@
               <a:buChar char="○"/>
               <a:defRPr/>
             </a:lvl2pPr>
-            <a:lvl3pPr marL="1371600" lvl="2" indent="-317500">
+            <a:lvl3pPr indent="-317500" lvl="2" marL="1371600">
               <a:spcBef>
                 <a:spcPts val="0"/>
               </a:spcBef>
@@ -3135,7 +3146,7 @@
               <a:buChar char="■"/>
               <a:defRPr/>
             </a:lvl3pPr>
-            <a:lvl4pPr marL="1828800" lvl="3" indent="-317500">
+            <a:lvl4pPr indent="-317500" lvl="3" marL="1828800">
               <a:spcBef>
                 <a:spcPts val="0"/>
               </a:spcBef>
@@ -3146,7 +3157,7 @@
               <a:buChar char="●"/>
               <a:defRPr/>
             </a:lvl4pPr>
-            <a:lvl5pPr marL="2286000" lvl="4" indent="-317500">
+            <a:lvl5pPr indent="-317500" lvl="4" marL="2286000">
               <a:spcBef>
                 <a:spcPts val="0"/>
               </a:spcBef>
@@ -3157,7 +3168,7 @@
               <a:buChar char="○"/>
               <a:defRPr/>
             </a:lvl5pPr>
-            <a:lvl6pPr marL="2743200" lvl="5" indent="-317500">
+            <a:lvl6pPr indent="-317500" lvl="5" marL="2743200">
               <a:spcBef>
                 <a:spcPts val="0"/>
               </a:spcBef>
@@ -3168,7 +3179,7 @@
               <a:buChar char="■"/>
               <a:defRPr/>
             </a:lvl6pPr>
-            <a:lvl7pPr marL="3200400" lvl="6" indent="-317500">
+            <a:lvl7pPr indent="-317500" lvl="6" marL="3200400">
               <a:spcBef>
                 <a:spcPts val="0"/>
               </a:spcBef>
@@ -3179,7 +3190,7 @@
               <a:buChar char="●"/>
               <a:defRPr/>
             </a:lvl7pPr>
-            <a:lvl8pPr marL="3657600" lvl="7" indent="-317500">
+            <a:lvl8pPr indent="-317500" lvl="7" marL="3657600">
               <a:spcBef>
                 <a:spcPts val="0"/>
               </a:spcBef>
@@ -3190,7 +3201,7 @@
               <a:buChar char="○"/>
               <a:defRPr/>
             </a:lvl8pPr>
-            <a:lvl9pPr marL="4114800" lvl="8" indent="-317500">
+            <a:lvl9pPr indent="-317500" lvl="8" marL="4114800">
               <a:spcBef>
                 <a:spcPts val="0"/>
               </a:spcBef>
@@ -3210,7 +3221,7 @@
           <p:cNvPr id="19" name="Google Shape;19;p4"/>
           <p:cNvSpPr txBox="1"/>
           <p:nvPr>
-            <p:ph type="sldNum" idx="12"/>
+            <p:ph idx="12" type="sldNum"/>
           </p:nvPr>
         </p:nvSpPr>
         <p:spPr>
@@ -3223,7 +3234,7 @@
           </a:prstGeom>
         </p:spPr>
         <p:txBody>
-          <a:bodyPr spcFirstLastPara="1" wrap="square" lIns="91425" tIns="91425" rIns="91425" bIns="91425" anchor="ctr" anchorCtr="0">
+          <a:bodyPr anchorCtr="0" anchor="ctr" bIns="91425" lIns="91425" spcFirstLastPara="1" rIns="91425" wrap="square" tIns="91425">
             <a:normAutofit/>
           </a:bodyPr>
           <a:lstStyle>
@@ -3265,7 +3276,7 @@
             </a:lvl9pPr>
           </a:lstStyle>
           <a:p>
-            <a:pPr marL="0" lvl="0" indent="0" algn="r" rtl="0">
+            <a:pPr indent="0" lvl="0" marL="0" rtl="0" algn="r">
               <a:spcBef>
                 <a:spcPts val="0"/>
               </a:spcBef>
@@ -3276,8 +3287,9 @@
             </a:pPr>
             <a:fld id="{00000000-1234-1234-1234-123412341234}" type="slidenum">
               <a:rPr lang="zh-CN"/>
+              <a:t>‹#›</a:t>
             </a:fld>
-            <a:endParaRPr lang="zh-CN"/>
+            <a:endParaRPr/>
           </a:p>
         </p:txBody>
       </p:sp>
@@ -3290,7 +3302,7 @@
 </file>
 
 <file path=ppt/slideLayouts/slideLayout4.xml><?xml version="1.0" encoding="utf-8"?>
-<p:sldLayout xmlns:a="http://schemas.openxmlformats.org/drawingml/2006/main" xmlns:r="http://schemas.openxmlformats.org/officeDocument/2006/relationships" xmlns:p="http://schemas.openxmlformats.org/presentationml/2006/main" type="twoColTx" matchingName="Title and two columns">
+<p:sldLayout xmlns:a="http://schemas.openxmlformats.org/drawingml/2006/main" xmlns:r="http://schemas.openxmlformats.org/officeDocument/2006/relationships" xmlns:mc="http://schemas.openxmlformats.org/markup-compatibility/2006" xmlns:mv="urn:schemas-microsoft-com:mac:vml" xmlns:p="http://schemas.openxmlformats.org/presentationml/2006/main" xmlns:c="http://schemas.openxmlformats.org/drawingml/2006/chart" xmlns:dgm="http://schemas.openxmlformats.org/drawingml/2006/diagram" xmlns:o="urn:schemas-microsoft-com:office:office" xmlns:v="urn:schemas-microsoft-com:vml" xmlns:pvml="urn:schemas-microsoft-com:office:powerpoint" xmlns:com="http://schemas.openxmlformats.org/drawingml/2006/compatibility" xmlns:p14="http://schemas.microsoft.com/office/powerpoint/2010/main" xmlns:p15="http://schemas.microsoft.com/office/powerpoint/2012/main" xmlns:ahyp="http://schemas.microsoft.com/office/drawing/2018/hyperlinkcolor" matchingName="Title and two columns" type="twoColTx">
   <p:cSld name="TITLE_AND_TWO_COLUMNS">
     <p:spTree>
       <p:nvGrpSpPr>
@@ -3324,7 +3336,7 @@
           </a:prstGeom>
         </p:spPr>
         <p:txBody>
-          <a:bodyPr spcFirstLastPara="1" wrap="square" lIns="91425" tIns="91425" rIns="91425" bIns="91425" anchor="t" anchorCtr="0">
+          <a:bodyPr anchorCtr="0" anchor="t" bIns="91425" lIns="91425" spcFirstLastPara="1" rIns="91425" wrap="square" tIns="91425">
             <a:normAutofit/>
           </a:bodyPr>
           <a:lstStyle>
@@ -3436,7 +3448,7 @@
           <p:cNvPr id="22" name="Google Shape;22;p5"/>
           <p:cNvSpPr txBox="1"/>
           <p:nvPr>
-            <p:ph type="body" idx="1"/>
+            <p:ph idx="1" type="body"/>
           </p:nvPr>
         </p:nvSpPr>
         <p:spPr>
@@ -3449,11 +3461,11 @@
           </a:prstGeom>
         </p:spPr>
         <p:txBody>
-          <a:bodyPr spcFirstLastPara="1" wrap="square" lIns="91425" tIns="91425" rIns="91425" bIns="91425" anchor="t" anchorCtr="0">
+          <a:bodyPr anchorCtr="0" anchor="t" bIns="91425" lIns="91425" spcFirstLastPara="1" rIns="91425" wrap="square" tIns="91425">
             <a:normAutofit/>
           </a:bodyPr>
           <a:lstStyle>
-            <a:lvl1pPr marL="457200" lvl="0" indent="-317500">
+            <a:lvl1pPr indent="-317500" lvl="0" marL="457200">
               <a:spcBef>
                 <a:spcPts val="0"/>
               </a:spcBef>
@@ -3464,7 +3476,7 @@
               <a:buChar char="●"/>
               <a:defRPr sz="1400"/>
             </a:lvl1pPr>
-            <a:lvl2pPr marL="914400" lvl="1" indent="-304800">
+            <a:lvl2pPr indent="-304800" lvl="1" marL="914400">
               <a:spcBef>
                 <a:spcPts val="0"/>
               </a:spcBef>
@@ -3475,7 +3487,7 @@
               <a:buChar char="○"/>
               <a:defRPr sz="1200"/>
             </a:lvl2pPr>
-            <a:lvl3pPr marL="1371600" lvl="2" indent="-304800">
+            <a:lvl3pPr indent="-304800" lvl="2" marL="1371600">
               <a:spcBef>
                 <a:spcPts val="0"/>
               </a:spcBef>
@@ -3486,7 +3498,7 @@
               <a:buChar char="■"/>
               <a:defRPr sz="1200"/>
             </a:lvl3pPr>
-            <a:lvl4pPr marL="1828800" lvl="3" indent="-304800">
+            <a:lvl4pPr indent="-304800" lvl="3" marL="1828800">
               <a:spcBef>
                 <a:spcPts val="0"/>
               </a:spcBef>
@@ -3497,7 +3509,7 @@
               <a:buChar char="●"/>
               <a:defRPr sz="1200"/>
             </a:lvl4pPr>
-            <a:lvl5pPr marL="2286000" lvl="4" indent="-304800">
+            <a:lvl5pPr indent="-304800" lvl="4" marL="2286000">
               <a:spcBef>
                 <a:spcPts val="0"/>
               </a:spcBef>
@@ -3508,7 +3520,7 @@
               <a:buChar char="○"/>
               <a:defRPr sz="1200"/>
             </a:lvl5pPr>
-            <a:lvl6pPr marL="2743200" lvl="5" indent="-304800">
+            <a:lvl6pPr indent="-304800" lvl="5" marL="2743200">
               <a:spcBef>
                 <a:spcPts val="0"/>
               </a:spcBef>
@@ -3519,7 +3531,7 @@
               <a:buChar char="■"/>
               <a:defRPr sz="1200"/>
             </a:lvl6pPr>
-            <a:lvl7pPr marL="3200400" lvl="6" indent="-304800">
+            <a:lvl7pPr indent="-304800" lvl="6" marL="3200400">
               <a:spcBef>
                 <a:spcPts val="0"/>
               </a:spcBef>
@@ -3530,7 +3542,7 @@
               <a:buChar char="●"/>
               <a:defRPr sz="1200"/>
             </a:lvl7pPr>
-            <a:lvl8pPr marL="3657600" lvl="7" indent="-304800">
+            <a:lvl8pPr indent="-304800" lvl="7" marL="3657600">
               <a:spcBef>
                 <a:spcPts val="0"/>
               </a:spcBef>
@@ -3541,7 +3553,7 @@
               <a:buChar char="○"/>
               <a:defRPr sz="1200"/>
             </a:lvl8pPr>
-            <a:lvl9pPr marL="4114800" lvl="8" indent="-304800">
+            <a:lvl9pPr indent="-304800" lvl="8" marL="4114800">
               <a:spcBef>
                 <a:spcPts val="0"/>
               </a:spcBef>
@@ -3561,7 +3573,7 @@
           <p:cNvPr id="23" name="Google Shape;23;p5"/>
           <p:cNvSpPr txBox="1"/>
           <p:nvPr>
-            <p:ph type="body" idx="2"/>
+            <p:ph idx="2" type="body"/>
           </p:nvPr>
         </p:nvSpPr>
         <p:spPr>
@@ -3574,11 +3586,11 @@
           </a:prstGeom>
         </p:spPr>
         <p:txBody>
-          <a:bodyPr spcFirstLastPara="1" wrap="square" lIns="91425" tIns="91425" rIns="91425" bIns="91425" anchor="t" anchorCtr="0">
+          <a:bodyPr anchorCtr="0" anchor="t" bIns="91425" lIns="91425" spcFirstLastPara="1" rIns="91425" wrap="square" tIns="91425">
             <a:normAutofit/>
           </a:bodyPr>
           <a:lstStyle>
-            <a:lvl1pPr marL="457200" lvl="0" indent="-317500">
+            <a:lvl1pPr indent="-317500" lvl="0" marL="457200">
               <a:spcBef>
                 <a:spcPts val="0"/>
               </a:spcBef>
@@ -3589,7 +3601,7 @@
               <a:buChar char="●"/>
               <a:defRPr sz="1400"/>
             </a:lvl1pPr>
-            <a:lvl2pPr marL="914400" lvl="1" indent="-304800">
+            <a:lvl2pPr indent="-304800" lvl="1" marL="914400">
               <a:spcBef>
                 <a:spcPts val="0"/>
               </a:spcBef>
@@ -3600,7 +3612,7 @@
               <a:buChar char="○"/>
               <a:defRPr sz="1200"/>
             </a:lvl2pPr>
-            <a:lvl3pPr marL="1371600" lvl="2" indent="-304800">
+            <a:lvl3pPr indent="-304800" lvl="2" marL="1371600">
               <a:spcBef>
                 <a:spcPts val="0"/>
               </a:spcBef>
@@ -3611,7 +3623,7 @@
               <a:buChar char="■"/>
               <a:defRPr sz="1200"/>
             </a:lvl3pPr>
-            <a:lvl4pPr marL="1828800" lvl="3" indent="-304800">
+            <a:lvl4pPr indent="-304800" lvl="3" marL="1828800">
               <a:spcBef>
                 <a:spcPts val="0"/>
               </a:spcBef>
@@ -3622,7 +3634,7 @@
               <a:buChar char="●"/>
               <a:defRPr sz="1200"/>
             </a:lvl4pPr>
-            <a:lvl5pPr marL="2286000" lvl="4" indent="-304800">
+            <a:lvl5pPr indent="-304800" lvl="4" marL="2286000">
               <a:spcBef>
                 <a:spcPts val="0"/>
               </a:spcBef>
@@ -3633,7 +3645,7 @@
               <a:buChar char="○"/>
               <a:defRPr sz="1200"/>
             </a:lvl5pPr>
-            <a:lvl6pPr marL="2743200" lvl="5" indent="-304800">
+            <a:lvl6pPr indent="-304800" lvl="5" marL="2743200">
               <a:spcBef>
                 <a:spcPts val="0"/>
               </a:spcBef>
@@ -3644,7 +3656,7 @@
               <a:buChar char="■"/>
               <a:defRPr sz="1200"/>
             </a:lvl6pPr>
-            <a:lvl7pPr marL="3200400" lvl="6" indent="-304800">
+            <a:lvl7pPr indent="-304800" lvl="6" marL="3200400">
               <a:spcBef>
                 <a:spcPts val="0"/>
               </a:spcBef>
@@ -3655,7 +3667,7 @@
               <a:buChar char="●"/>
               <a:defRPr sz="1200"/>
             </a:lvl7pPr>
-            <a:lvl8pPr marL="3657600" lvl="7" indent="-304800">
+            <a:lvl8pPr indent="-304800" lvl="7" marL="3657600">
               <a:spcBef>
                 <a:spcPts val="0"/>
               </a:spcBef>
@@ -3666,7 +3678,7 @@
               <a:buChar char="○"/>
               <a:defRPr sz="1200"/>
             </a:lvl8pPr>
-            <a:lvl9pPr marL="4114800" lvl="8" indent="-304800">
+            <a:lvl9pPr indent="-304800" lvl="8" marL="4114800">
               <a:spcBef>
                 <a:spcPts val="0"/>
               </a:spcBef>
@@ -3686,7 +3698,7 @@
           <p:cNvPr id="24" name="Google Shape;24;p5"/>
           <p:cNvSpPr txBox="1"/>
           <p:nvPr>
-            <p:ph type="sldNum" idx="12"/>
+            <p:ph idx="12" type="sldNum"/>
           </p:nvPr>
         </p:nvSpPr>
         <p:spPr>
@@ -3699,7 +3711,7 @@
           </a:prstGeom>
         </p:spPr>
         <p:txBody>
-          <a:bodyPr spcFirstLastPara="1" wrap="square" lIns="91425" tIns="91425" rIns="91425" bIns="91425" anchor="ctr" anchorCtr="0">
+          <a:bodyPr anchorCtr="0" anchor="ctr" bIns="91425" lIns="91425" spcFirstLastPara="1" rIns="91425" wrap="square" tIns="91425">
             <a:normAutofit/>
           </a:bodyPr>
           <a:lstStyle>
@@ -3741,7 +3753,7 @@
             </a:lvl9pPr>
           </a:lstStyle>
           <a:p>
-            <a:pPr marL="0" lvl="0" indent="0" algn="r" rtl="0">
+            <a:pPr indent="0" lvl="0" marL="0" rtl="0" algn="r">
               <a:spcBef>
                 <a:spcPts val="0"/>
               </a:spcBef>
@@ -3752,8 +3764,9 @@
             </a:pPr>
             <a:fld id="{00000000-1234-1234-1234-123412341234}" type="slidenum">
               <a:rPr lang="zh-CN"/>
+              <a:t>‹#›</a:t>
             </a:fld>
-            <a:endParaRPr lang="zh-CN"/>
+            <a:endParaRPr/>
           </a:p>
         </p:txBody>
       </p:sp>
@@ -3766,7 +3779,7 @@
 </file>
 
 <file path=ppt/slideLayouts/slideLayout5.xml><?xml version="1.0" encoding="utf-8"?>
-<p:sldLayout xmlns:a="http://schemas.openxmlformats.org/drawingml/2006/main" xmlns:r="http://schemas.openxmlformats.org/officeDocument/2006/relationships" xmlns:p="http://schemas.openxmlformats.org/presentationml/2006/main" type="titleOnly" matchingName="Title only">
+<p:sldLayout xmlns:a="http://schemas.openxmlformats.org/drawingml/2006/main" xmlns:r="http://schemas.openxmlformats.org/officeDocument/2006/relationships" xmlns:mc="http://schemas.openxmlformats.org/markup-compatibility/2006" xmlns:mv="urn:schemas-microsoft-com:mac:vml" xmlns:p="http://schemas.openxmlformats.org/presentationml/2006/main" xmlns:c="http://schemas.openxmlformats.org/drawingml/2006/chart" xmlns:dgm="http://schemas.openxmlformats.org/drawingml/2006/diagram" xmlns:o="urn:schemas-microsoft-com:office:office" xmlns:v="urn:schemas-microsoft-com:vml" xmlns:pvml="urn:schemas-microsoft-com:office:powerpoint" xmlns:com="http://schemas.openxmlformats.org/drawingml/2006/compatibility" xmlns:p14="http://schemas.microsoft.com/office/powerpoint/2010/main" xmlns:p15="http://schemas.microsoft.com/office/powerpoint/2012/main" xmlns:ahyp="http://schemas.microsoft.com/office/drawing/2018/hyperlinkcolor" matchingName="Title only" type="titleOnly">
   <p:cSld name="TITLE_ONLY">
     <p:spTree>
       <p:nvGrpSpPr>
@@ -3800,7 +3813,7 @@
           </a:prstGeom>
         </p:spPr>
         <p:txBody>
-          <a:bodyPr spcFirstLastPara="1" wrap="square" lIns="91425" tIns="91425" rIns="91425" bIns="91425" anchor="t" anchorCtr="0">
+          <a:bodyPr anchorCtr="0" anchor="t" bIns="91425" lIns="91425" spcFirstLastPara="1" rIns="91425" wrap="square" tIns="91425">
             <a:normAutofit/>
           </a:bodyPr>
           <a:lstStyle>
@@ -3912,7 +3925,7 @@
           <p:cNvPr id="27" name="Google Shape;27;p6"/>
           <p:cNvSpPr txBox="1"/>
           <p:nvPr>
-            <p:ph type="sldNum" idx="12"/>
+            <p:ph idx="12" type="sldNum"/>
           </p:nvPr>
         </p:nvSpPr>
         <p:spPr>
@@ -3925,7 +3938,7 @@
           </a:prstGeom>
         </p:spPr>
         <p:txBody>
-          <a:bodyPr spcFirstLastPara="1" wrap="square" lIns="91425" tIns="91425" rIns="91425" bIns="91425" anchor="ctr" anchorCtr="0">
+          <a:bodyPr anchorCtr="0" anchor="ctr" bIns="91425" lIns="91425" spcFirstLastPara="1" rIns="91425" wrap="square" tIns="91425">
             <a:normAutofit/>
           </a:bodyPr>
           <a:lstStyle>
@@ -3967,7 +3980,7 @@
             </a:lvl9pPr>
           </a:lstStyle>
           <a:p>
-            <a:pPr marL="0" lvl="0" indent="0" algn="r" rtl="0">
+            <a:pPr indent="0" lvl="0" marL="0" rtl="0" algn="r">
               <a:spcBef>
                 <a:spcPts val="0"/>
               </a:spcBef>
@@ -3978,8 +3991,9 @@
             </a:pPr>
             <a:fld id="{00000000-1234-1234-1234-123412341234}" type="slidenum">
               <a:rPr lang="zh-CN"/>
+              <a:t>‹#›</a:t>
             </a:fld>
-            <a:endParaRPr lang="zh-CN"/>
+            <a:endParaRPr/>
           </a:p>
         </p:txBody>
       </p:sp>
@@ -3992,7 +4006,7 @@
 </file>
 
 <file path=ppt/slideLayouts/slideLayout6.xml><?xml version="1.0" encoding="utf-8"?>
-<p:sldLayout xmlns:a="http://schemas.openxmlformats.org/drawingml/2006/main" xmlns:r="http://schemas.openxmlformats.org/officeDocument/2006/relationships" xmlns:p="http://schemas.openxmlformats.org/presentationml/2006/main" matchingName="One column text">
+<p:sldLayout xmlns:a="http://schemas.openxmlformats.org/drawingml/2006/main" xmlns:r="http://schemas.openxmlformats.org/officeDocument/2006/relationships" xmlns:mc="http://schemas.openxmlformats.org/markup-compatibility/2006" xmlns:mv="urn:schemas-microsoft-com:mac:vml" xmlns:p="http://schemas.openxmlformats.org/presentationml/2006/main" xmlns:c="http://schemas.openxmlformats.org/drawingml/2006/chart" xmlns:dgm="http://schemas.openxmlformats.org/drawingml/2006/diagram" xmlns:o="urn:schemas-microsoft-com:office:office" xmlns:v="urn:schemas-microsoft-com:vml" xmlns:pvml="urn:schemas-microsoft-com:office:powerpoint" xmlns:com="http://schemas.openxmlformats.org/drawingml/2006/compatibility" xmlns:p14="http://schemas.microsoft.com/office/powerpoint/2010/main" xmlns:p15="http://schemas.microsoft.com/office/powerpoint/2012/main" xmlns:ahyp="http://schemas.microsoft.com/office/drawing/2018/hyperlinkcolor" matchingName="One column text">
   <p:cSld name="ONE_COLUMN_TEXT">
     <p:spTree>
       <p:nvGrpSpPr>
@@ -4026,7 +4040,7 @@
           </a:prstGeom>
         </p:spPr>
         <p:txBody>
-          <a:bodyPr spcFirstLastPara="1" wrap="square" lIns="91425" tIns="91425" rIns="91425" bIns="91425" anchor="b" anchorCtr="0">
+          <a:bodyPr anchorCtr="0" anchor="b" bIns="91425" lIns="91425" spcFirstLastPara="1" rIns="91425" wrap="square" tIns="91425">
             <a:normAutofit/>
           </a:bodyPr>
           <a:lstStyle>
@@ -4138,7 +4152,7 @@
           <p:cNvPr id="30" name="Google Shape;30;p7"/>
           <p:cNvSpPr txBox="1"/>
           <p:nvPr>
-            <p:ph type="body" idx="1"/>
+            <p:ph idx="1" type="body"/>
           </p:nvPr>
         </p:nvSpPr>
         <p:spPr>
@@ -4151,11 +4165,11 @@
           </a:prstGeom>
         </p:spPr>
         <p:txBody>
-          <a:bodyPr spcFirstLastPara="1" wrap="square" lIns="91425" tIns="91425" rIns="91425" bIns="91425" anchor="t" anchorCtr="0">
+          <a:bodyPr anchorCtr="0" anchor="t" bIns="91425" lIns="91425" spcFirstLastPara="1" rIns="91425" wrap="square" tIns="91425">
             <a:normAutofit/>
           </a:bodyPr>
           <a:lstStyle>
-            <a:lvl1pPr marL="457200" lvl="0" indent="-304800">
+            <a:lvl1pPr indent="-304800" lvl="0" marL="457200">
               <a:spcBef>
                 <a:spcPts val="0"/>
               </a:spcBef>
@@ -4166,7 +4180,7 @@
               <a:buChar char="●"/>
               <a:defRPr sz="1200"/>
             </a:lvl1pPr>
-            <a:lvl2pPr marL="914400" lvl="1" indent="-304800">
+            <a:lvl2pPr indent="-304800" lvl="1" marL="914400">
               <a:spcBef>
                 <a:spcPts val="0"/>
               </a:spcBef>
@@ -4177,7 +4191,7 @@
               <a:buChar char="○"/>
               <a:defRPr sz="1200"/>
             </a:lvl2pPr>
-            <a:lvl3pPr marL="1371600" lvl="2" indent="-304800">
+            <a:lvl3pPr indent="-304800" lvl="2" marL="1371600">
               <a:spcBef>
                 <a:spcPts val="0"/>
               </a:spcBef>
@@ -4188,7 +4202,7 @@
               <a:buChar char="■"/>
               <a:defRPr sz="1200"/>
             </a:lvl3pPr>
-            <a:lvl4pPr marL="1828800" lvl="3" indent="-304800">
+            <a:lvl4pPr indent="-304800" lvl="3" marL="1828800">
               <a:spcBef>
                 <a:spcPts val="0"/>
               </a:spcBef>
@@ -4199,7 +4213,7 @@
               <a:buChar char="●"/>
               <a:defRPr sz="1200"/>
             </a:lvl4pPr>
-            <a:lvl5pPr marL="2286000" lvl="4" indent="-304800">
+            <a:lvl5pPr indent="-304800" lvl="4" marL="2286000">
               <a:spcBef>
                 <a:spcPts val="0"/>
               </a:spcBef>
@@ -4210,7 +4224,7 @@
               <a:buChar char="○"/>
               <a:defRPr sz="1200"/>
             </a:lvl5pPr>
-            <a:lvl6pPr marL="2743200" lvl="5" indent="-304800">
+            <a:lvl6pPr indent="-304800" lvl="5" marL="2743200">
               <a:spcBef>
                 <a:spcPts val="0"/>
               </a:spcBef>
@@ -4221,7 +4235,7 @@
               <a:buChar char="■"/>
               <a:defRPr sz="1200"/>
             </a:lvl6pPr>
-            <a:lvl7pPr marL="3200400" lvl="6" indent="-304800">
+            <a:lvl7pPr indent="-304800" lvl="6" marL="3200400">
               <a:spcBef>
                 <a:spcPts val="0"/>
               </a:spcBef>
@@ -4232,7 +4246,7 @@
               <a:buChar char="●"/>
               <a:defRPr sz="1200"/>
             </a:lvl7pPr>
-            <a:lvl8pPr marL="3657600" lvl="7" indent="-304800">
+            <a:lvl8pPr indent="-304800" lvl="7" marL="3657600">
               <a:spcBef>
                 <a:spcPts val="0"/>
               </a:spcBef>
@@ -4243,7 +4257,7 @@
               <a:buChar char="○"/>
               <a:defRPr sz="1200"/>
             </a:lvl8pPr>
-            <a:lvl9pPr marL="4114800" lvl="8" indent="-304800">
+            <a:lvl9pPr indent="-304800" lvl="8" marL="4114800">
               <a:spcBef>
                 <a:spcPts val="0"/>
               </a:spcBef>
@@ -4263,7 +4277,7 @@
           <p:cNvPr id="31" name="Google Shape;31;p7"/>
           <p:cNvSpPr txBox="1"/>
           <p:nvPr>
-            <p:ph type="sldNum" idx="12"/>
+            <p:ph idx="12" type="sldNum"/>
           </p:nvPr>
         </p:nvSpPr>
         <p:spPr>
@@ -4276,7 +4290,7 @@
           </a:prstGeom>
         </p:spPr>
         <p:txBody>
-          <a:bodyPr spcFirstLastPara="1" wrap="square" lIns="91425" tIns="91425" rIns="91425" bIns="91425" anchor="ctr" anchorCtr="0">
+          <a:bodyPr anchorCtr="0" anchor="ctr" bIns="91425" lIns="91425" spcFirstLastPara="1" rIns="91425" wrap="square" tIns="91425">
             <a:normAutofit/>
           </a:bodyPr>
           <a:lstStyle>
@@ -4318,7 +4332,7 @@
             </a:lvl9pPr>
           </a:lstStyle>
           <a:p>
-            <a:pPr marL="0" lvl="0" indent="0" algn="r" rtl="0">
+            <a:pPr indent="0" lvl="0" marL="0" rtl="0" algn="r">
               <a:spcBef>
                 <a:spcPts val="0"/>
               </a:spcBef>
@@ -4329,8 +4343,9 @@
             </a:pPr>
             <a:fld id="{00000000-1234-1234-1234-123412341234}" type="slidenum">
               <a:rPr lang="zh-CN"/>
+              <a:t>‹#›</a:t>
             </a:fld>
-            <a:endParaRPr lang="zh-CN"/>
+            <a:endParaRPr/>
           </a:p>
         </p:txBody>
       </p:sp>
@@ -4343,7 +4358,7 @@
 </file>
 
 <file path=ppt/slideLayouts/slideLayout7.xml><?xml version="1.0" encoding="utf-8"?>
-<p:sldLayout xmlns:a="http://schemas.openxmlformats.org/drawingml/2006/main" xmlns:r="http://schemas.openxmlformats.org/officeDocument/2006/relationships" xmlns:p="http://schemas.openxmlformats.org/presentationml/2006/main" matchingName="Main point">
+<p:sldLayout xmlns:a="http://schemas.openxmlformats.org/drawingml/2006/main" xmlns:r="http://schemas.openxmlformats.org/officeDocument/2006/relationships" xmlns:mc="http://schemas.openxmlformats.org/markup-compatibility/2006" xmlns:mv="urn:schemas-microsoft-com:mac:vml" xmlns:p="http://schemas.openxmlformats.org/presentationml/2006/main" xmlns:c="http://schemas.openxmlformats.org/drawingml/2006/chart" xmlns:dgm="http://schemas.openxmlformats.org/drawingml/2006/diagram" xmlns:o="urn:schemas-microsoft-com:office:office" xmlns:v="urn:schemas-microsoft-com:vml" xmlns:pvml="urn:schemas-microsoft-com:office:powerpoint" xmlns:com="http://schemas.openxmlformats.org/drawingml/2006/compatibility" xmlns:p14="http://schemas.microsoft.com/office/powerpoint/2010/main" xmlns:p15="http://schemas.microsoft.com/office/powerpoint/2012/main" xmlns:ahyp="http://schemas.microsoft.com/office/drawing/2018/hyperlinkcolor" matchingName="Main point">
   <p:cSld name="MAIN_POINT">
     <p:spTree>
       <p:nvGrpSpPr>
@@ -4377,7 +4392,7 @@
           </a:prstGeom>
         </p:spPr>
         <p:txBody>
-          <a:bodyPr spcFirstLastPara="1" wrap="square" lIns="91425" tIns="91425" rIns="91425" bIns="91425" anchor="ctr" anchorCtr="0">
+          <a:bodyPr anchorCtr="0" anchor="ctr" bIns="91425" lIns="91425" spcFirstLastPara="1" rIns="91425" wrap="square" tIns="91425">
             <a:normAutofit/>
           </a:bodyPr>
           <a:lstStyle>
@@ -4489,7 +4504,7 @@
           <p:cNvPr id="34" name="Google Shape;34;p8"/>
           <p:cNvSpPr txBox="1"/>
           <p:nvPr>
-            <p:ph type="sldNum" idx="12"/>
+            <p:ph idx="12" type="sldNum"/>
           </p:nvPr>
         </p:nvSpPr>
         <p:spPr>
@@ -4502,7 +4517,7 @@
           </a:prstGeom>
         </p:spPr>
         <p:txBody>
-          <a:bodyPr spcFirstLastPara="1" wrap="square" lIns="91425" tIns="91425" rIns="91425" bIns="91425" anchor="ctr" anchorCtr="0">
+          <a:bodyPr anchorCtr="0" anchor="ctr" bIns="91425" lIns="91425" spcFirstLastPara="1" rIns="91425" wrap="square" tIns="91425">
             <a:normAutofit/>
           </a:bodyPr>
           <a:lstStyle>
@@ -4544,7 +4559,7 @@
             </a:lvl9pPr>
           </a:lstStyle>
           <a:p>
-            <a:pPr marL="0" lvl="0" indent="0" algn="r" rtl="0">
+            <a:pPr indent="0" lvl="0" marL="0" rtl="0" algn="r">
               <a:spcBef>
                 <a:spcPts val="0"/>
               </a:spcBef>
@@ -4555,8 +4570,9 @@
             </a:pPr>
             <a:fld id="{00000000-1234-1234-1234-123412341234}" type="slidenum">
               <a:rPr lang="zh-CN"/>
+              <a:t>‹#›</a:t>
             </a:fld>
-            <a:endParaRPr lang="zh-CN"/>
+            <a:endParaRPr/>
           </a:p>
         </p:txBody>
       </p:sp>
@@ -4569,7 +4585,7 @@
 </file>
 
 <file path=ppt/slideLayouts/slideLayout8.xml><?xml version="1.0" encoding="utf-8"?>
-<p:sldLayout xmlns:a="http://schemas.openxmlformats.org/drawingml/2006/main" xmlns:r="http://schemas.openxmlformats.org/officeDocument/2006/relationships" xmlns:p="http://schemas.openxmlformats.org/presentationml/2006/main" matchingName="Section title and description">
+<p:sldLayout xmlns:a="http://schemas.openxmlformats.org/drawingml/2006/main" xmlns:r="http://schemas.openxmlformats.org/officeDocument/2006/relationships" xmlns:mc="http://schemas.openxmlformats.org/markup-compatibility/2006" xmlns:mv="urn:schemas-microsoft-com:mac:vml" xmlns:p="http://schemas.openxmlformats.org/presentationml/2006/main" xmlns:c="http://schemas.openxmlformats.org/drawingml/2006/chart" xmlns:dgm="http://schemas.openxmlformats.org/drawingml/2006/diagram" xmlns:o="urn:schemas-microsoft-com:office:office" xmlns:v="urn:schemas-microsoft-com:vml" xmlns:pvml="urn:schemas-microsoft-com:office:powerpoint" xmlns:com="http://schemas.openxmlformats.org/drawingml/2006/compatibility" xmlns:p14="http://schemas.microsoft.com/office/powerpoint/2010/main" xmlns:p15="http://schemas.microsoft.com/office/powerpoint/2012/main" xmlns:ahyp="http://schemas.microsoft.com/office/drawing/2018/hyperlinkcolor" matchingName="Section title and description">
   <p:cSld name="SECTION_TITLE_AND_DESCRIPTION">
     <p:spTree>
       <p:nvGrpSpPr>
@@ -4607,12 +4623,12 @@
           </a:ln>
         </p:spPr>
         <p:txBody>
-          <a:bodyPr spcFirstLastPara="1" wrap="square" lIns="91425" tIns="91425" rIns="91425" bIns="91425" anchor="ctr" anchorCtr="0">
+          <a:bodyPr anchorCtr="0" anchor="ctr" bIns="91425" lIns="91425" spcFirstLastPara="1" rIns="91425" wrap="square" tIns="91425">
             <a:noAutofit/>
           </a:bodyPr>
           <a:lstStyle/>
           <a:p>
-            <a:pPr marL="0" lvl="0" indent="0" algn="l" rtl="0">
+            <a:pPr indent="0" lvl="0" marL="0" rtl="0" algn="l">
               <a:spcBef>
                 <a:spcPts val="0"/>
               </a:spcBef>
@@ -4621,6 +4637,10 @@
               </a:spcAft>
               <a:buNone/>
             </a:pPr>
+            <a:r>
+              <a:t/>
+            </a:r>
+            <a:endParaRPr/>
           </a:p>
         </p:txBody>
       </p:sp>
@@ -4642,7 +4662,7 @@
           </a:prstGeom>
         </p:spPr>
         <p:txBody>
-          <a:bodyPr spcFirstLastPara="1" wrap="square" lIns="91425" tIns="91425" rIns="91425" bIns="91425" anchor="b" anchorCtr="0">
+          <a:bodyPr anchorCtr="0" anchor="b" bIns="91425" lIns="91425" spcFirstLastPara="1" rIns="91425" wrap="square" tIns="91425">
             <a:normAutofit/>
           </a:bodyPr>
           <a:lstStyle>
@@ -4754,7 +4774,7 @@
           <p:cNvPr id="38" name="Google Shape;38;p9"/>
           <p:cNvSpPr txBox="1"/>
           <p:nvPr>
-            <p:ph type="subTitle" idx="1"/>
+            <p:ph idx="1" type="subTitle"/>
           </p:nvPr>
         </p:nvSpPr>
         <p:spPr>
@@ -4767,7 +4787,7 @@
           </a:prstGeom>
         </p:spPr>
         <p:txBody>
-          <a:bodyPr spcFirstLastPara="1" wrap="square" lIns="91425" tIns="91425" rIns="91425" bIns="91425" anchor="t" anchorCtr="0">
+          <a:bodyPr anchorCtr="0" anchor="t" bIns="91425" lIns="91425" spcFirstLastPara="1" rIns="91425" wrap="square" tIns="91425">
             <a:normAutofit/>
           </a:bodyPr>
           <a:lstStyle>
@@ -4906,7 +4926,7 @@
           <p:cNvPr id="39" name="Google Shape;39;p9"/>
           <p:cNvSpPr txBox="1"/>
           <p:nvPr>
-            <p:ph type="body" idx="2"/>
+            <p:ph idx="2" type="body"/>
           </p:nvPr>
         </p:nvSpPr>
         <p:spPr>
@@ -4919,11 +4939,11 @@
           </a:prstGeom>
         </p:spPr>
         <p:txBody>
-          <a:bodyPr spcFirstLastPara="1" wrap="square" lIns="91425" tIns="91425" rIns="91425" bIns="91425" anchor="ctr" anchorCtr="0">
+          <a:bodyPr anchorCtr="0" anchor="ctr" bIns="91425" lIns="91425" spcFirstLastPara="1" rIns="91425" wrap="square" tIns="91425">
             <a:normAutofit/>
           </a:bodyPr>
           <a:lstStyle>
-            <a:lvl1pPr marL="457200" lvl="0" indent="-342900">
+            <a:lvl1pPr indent="-342900" lvl="0" marL="457200">
               <a:spcBef>
                 <a:spcPts val="0"/>
               </a:spcBef>
@@ -4934,7 +4954,7 @@
               <a:buChar char="●"/>
               <a:defRPr/>
             </a:lvl1pPr>
-            <a:lvl2pPr marL="914400" lvl="1" indent="-317500">
+            <a:lvl2pPr indent="-317500" lvl="1" marL="914400">
               <a:spcBef>
                 <a:spcPts val="0"/>
               </a:spcBef>
@@ -4945,7 +4965,7 @@
               <a:buChar char="○"/>
               <a:defRPr/>
             </a:lvl2pPr>
-            <a:lvl3pPr marL="1371600" lvl="2" indent="-317500">
+            <a:lvl3pPr indent="-317500" lvl="2" marL="1371600">
               <a:spcBef>
                 <a:spcPts val="0"/>
               </a:spcBef>
@@ -4956,7 +4976,7 @@
               <a:buChar char="■"/>
               <a:defRPr/>
             </a:lvl3pPr>
-            <a:lvl4pPr marL="1828800" lvl="3" indent="-317500">
+            <a:lvl4pPr indent="-317500" lvl="3" marL="1828800">
               <a:spcBef>
                 <a:spcPts val="0"/>
               </a:spcBef>
@@ -4967,7 +4987,7 @@
               <a:buChar char="●"/>
               <a:defRPr/>
             </a:lvl4pPr>
-            <a:lvl5pPr marL="2286000" lvl="4" indent="-317500">
+            <a:lvl5pPr indent="-317500" lvl="4" marL="2286000">
               <a:spcBef>
                 <a:spcPts val="0"/>
               </a:spcBef>
@@ -4978,7 +4998,7 @@
               <a:buChar char="○"/>
               <a:defRPr/>
             </a:lvl5pPr>
-            <a:lvl6pPr marL="2743200" lvl="5" indent="-317500">
+            <a:lvl6pPr indent="-317500" lvl="5" marL="2743200">
               <a:spcBef>
                 <a:spcPts val="0"/>
               </a:spcBef>
@@ -4989,7 +5009,7 @@
               <a:buChar char="■"/>
               <a:defRPr/>
             </a:lvl6pPr>
-            <a:lvl7pPr marL="3200400" lvl="6" indent="-317500">
+            <a:lvl7pPr indent="-317500" lvl="6" marL="3200400">
               <a:spcBef>
                 <a:spcPts val="0"/>
               </a:spcBef>
@@ -5000,7 +5020,7 @@
               <a:buChar char="●"/>
               <a:defRPr/>
             </a:lvl7pPr>
-            <a:lvl8pPr marL="3657600" lvl="7" indent="-317500">
+            <a:lvl8pPr indent="-317500" lvl="7" marL="3657600">
               <a:spcBef>
                 <a:spcPts val="0"/>
               </a:spcBef>
@@ -5011,7 +5031,7 @@
               <a:buChar char="○"/>
               <a:defRPr/>
             </a:lvl8pPr>
-            <a:lvl9pPr marL="4114800" lvl="8" indent="-317500">
+            <a:lvl9pPr indent="-317500" lvl="8" marL="4114800">
               <a:spcBef>
                 <a:spcPts val="0"/>
               </a:spcBef>
@@ -5031,7 +5051,7 @@
           <p:cNvPr id="40" name="Google Shape;40;p9"/>
           <p:cNvSpPr txBox="1"/>
           <p:nvPr>
-            <p:ph type="sldNum" idx="12"/>
+            <p:ph idx="12" type="sldNum"/>
           </p:nvPr>
         </p:nvSpPr>
         <p:spPr>
@@ -5044,7 +5064,7 @@
           </a:prstGeom>
         </p:spPr>
         <p:txBody>
-          <a:bodyPr spcFirstLastPara="1" wrap="square" lIns="91425" tIns="91425" rIns="91425" bIns="91425" anchor="ctr" anchorCtr="0">
+          <a:bodyPr anchorCtr="0" anchor="ctr" bIns="91425" lIns="91425" spcFirstLastPara="1" rIns="91425" wrap="square" tIns="91425">
             <a:normAutofit/>
           </a:bodyPr>
           <a:lstStyle>
@@ -5086,7 +5106,7 @@
             </a:lvl9pPr>
           </a:lstStyle>
           <a:p>
-            <a:pPr marL="0" lvl="0" indent="0" algn="r" rtl="0">
+            <a:pPr indent="0" lvl="0" marL="0" rtl="0" algn="r">
               <a:spcBef>
                 <a:spcPts val="0"/>
               </a:spcBef>
@@ -5097,8 +5117,9 @@
             </a:pPr>
             <a:fld id="{00000000-1234-1234-1234-123412341234}" type="slidenum">
               <a:rPr lang="zh-CN"/>
+              <a:t>‹#›</a:t>
             </a:fld>
-            <a:endParaRPr lang="zh-CN"/>
+            <a:endParaRPr/>
           </a:p>
         </p:txBody>
       </p:sp>
@@ -5111,7 +5132,7 @@
 </file>
 
 <file path=ppt/slideLayouts/slideLayout9.xml><?xml version="1.0" encoding="utf-8"?>
-<p:sldLayout xmlns:a="http://schemas.openxmlformats.org/drawingml/2006/main" xmlns:r="http://schemas.openxmlformats.org/officeDocument/2006/relationships" xmlns:p="http://schemas.openxmlformats.org/presentationml/2006/main" matchingName="Caption">
+<p:sldLayout xmlns:a="http://schemas.openxmlformats.org/drawingml/2006/main" xmlns:r="http://schemas.openxmlformats.org/officeDocument/2006/relationships" xmlns:mc="http://schemas.openxmlformats.org/markup-compatibility/2006" xmlns:mv="urn:schemas-microsoft-com:mac:vml" xmlns:p="http://schemas.openxmlformats.org/presentationml/2006/main" xmlns:c="http://schemas.openxmlformats.org/drawingml/2006/chart" xmlns:dgm="http://schemas.openxmlformats.org/drawingml/2006/diagram" xmlns:o="urn:schemas-microsoft-com:office:office" xmlns:v="urn:schemas-microsoft-com:vml" xmlns:pvml="urn:schemas-microsoft-com:office:powerpoint" xmlns:com="http://schemas.openxmlformats.org/drawingml/2006/compatibility" xmlns:p14="http://schemas.microsoft.com/office/powerpoint/2010/main" xmlns:p15="http://schemas.microsoft.com/office/powerpoint/2012/main" xmlns:ahyp="http://schemas.microsoft.com/office/drawing/2018/hyperlinkcolor" matchingName="Caption">
   <p:cSld name="CAPTION_ONLY">
     <p:spTree>
       <p:nvGrpSpPr>
@@ -5132,7 +5153,7 @@
           <p:cNvPr id="42" name="Google Shape;42;p10"/>
           <p:cNvSpPr txBox="1"/>
           <p:nvPr>
-            <p:ph type="body" idx="1"/>
+            <p:ph idx="1" type="body"/>
           </p:nvPr>
         </p:nvSpPr>
         <p:spPr>
@@ -5145,11 +5166,11 @@
           </a:prstGeom>
         </p:spPr>
         <p:txBody>
-          <a:bodyPr spcFirstLastPara="1" wrap="square" lIns="91425" tIns="91425" rIns="91425" bIns="91425" anchor="ctr" anchorCtr="0">
+          <a:bodyPr anchorCtr="0" anchor="ctr" bIns="91425" lIns="91425" spcFirstLastPara="1" rIns="91425" wrap="square" tIns="91425">
             <a:normAutofit/>
           </a:bodyPr>
           <a:lstStyle>
-            <a:lvl1pPr marL="457200" lvl="0" indent="-228600">
+            <a:lvl1pPr indent="-228600" lvl="0" marL="457200">
               <a:lnSpc>
                 <a:spcPct val="100000"/>
               </a:lnSpc>
@@ -5172,7 +5193,7 @@
           <p:cNvPr id="43" name="Google Shape;43;p10"/>
           <p:cNvSpPr txBox="1"/>
           <p:nvPr>
-            <p:ph type="sldNum" idx="12"/>
+            <p:ph idx="12" type="sldNum"/>
           </p:nvPr>
         </p:nvSpPr>
         <p:spPr>
@@ -5185,7 +5206,7 @@
           </a:prstGeom>
         </p:spPr>
         <p:txBody>
-          <a:bodyPr spcFirstLastPara="1" wrap="square" lIns="91425" tIns="91425" rIns="91425" bIns="91425" anchor="ctr" anchorCtr="0">
+          <a:bodyPr anchorCtr="0" anchor="ctr" bIns="91425" lIns="91425" spcFirstLastPara="1" rIns="91425" wrap="square" tIns="91425">
             <a:normAutofit/>
           </a:bodyPr>
           <a:lstStyle>
@@ -5227,7 +5248,7 @@
             </a:lvl9pPr>
           </a:lstStyle>
           <a:p>
-            <a:pPr marL="0" lvl="0" indent="0" algn="r" rtl="0">
+            <a:pPr indent="0" lvl="0" marL="0" rtl="0" algn="r">
               <a:spcBef>
                 <a:spcPts val="0"/>
               </a:spcBef>
@@ -5238,8 +5259,9 @@
             </a:pPr>
             <a:fld id="{00000000-1234-1234-1234-123412341234}" type="slidenum">
               <a:rPr lang="zh-CN"/>
+              <a:t>‹#›</a:t>
             </a:fld>
-            <a:endParaRPr lang="zh-CN"/>
+            <a:endParaRPr/>
           </a:p>
         </p:txBody>
       </p:sp>
@@ -5252,14 +5274,13 @@
 </file>
 
 <file path=ppt/slideMasters/slideMaster1.xml><?xml version="1.0" encoding="utf-8"?>
-<p:sldMaster xmlns:a="http://schemas.openxmlformats.org/drawingml/2006/main" xmlns:r="http://schemas.openxmlformats.org/officeDocument/2006/relationships" xmlns:p="http://schemas.openxmlformats.org/presentationml/2006/main">
-  <p:cSld>
+<p:sldMaster xmlns:a="http://schemas.openxmlformats.org/drawingml/2006/main" xmlns:r="http://schemas.openxmlformats.org/officeDocument/2006/relationships" xmlns:mc="http://schemas.openxmlformats.org/markup-compatibility/2006" xmlns:mv="urn:schemas-microsoft-com:mac:vml" xmlns:p="http://schemas.openxmlformats.org/presentationml/2006/main" xmlns:c="http://schemas.openxmlformats.org/drawingml/2006/chart" xmlns:dgm="http://schemas.openxmlformats.org/drawingml/2006/diagram" xmlns:o="urn:schemas-microsoft-com:office:office" xmlns:v="urn:schemas-microsoft-com:vml" xmlns:pvml="urn:schemas-microsoft-com:office:powerpoint" xmlns:com="http://schemas.openxmlformats.org/drawingml/2006/compatibility" xmlns:p14="http://schemas.microsoft.com/office/powerpoint/2010/main" xmlns:p15="http://schemas.microsoft.com/office/powerpoint/2012/main" xmlns:ahyp="http://schemas.microsoft.com/office/drawing/2018/hyperlinkcolor">
+  <p:cSld name="simple-light-2">
     <p:bg>
       <p:bgPr>
         <a:solidFill>
           <a:schemeClr val="lt1"/>
         </a:solidFill>
-        <a:effectLst/>
       </p:bgPr>
     </p:bg>
     <p:spTree>
@@ -5298,7 +5319,7 @@
           </a:ln>
         </p:spPr>
         <p:txBody>
-          <a:bodyPr spcFirstLastPara="1" wrap="square" lIns="91425" tIns="91425" rIns="91425" bIns="91425" anchor="t" anchorCtr="0">
+          <a:bodyPr anchorCtr="0" anchor="t" bIns="91425" lIns="91425" spcFirstLastPara="1" rIns="91425" wrap="square" tIns="91425">
             <a:normAutofit/>
           </a:bodyPr>
           <a:lstStyle>
@@ -5473,7 +5494,7 @@
           <p:cNvPr id="7" name="Google Shape;7;p1"/>
           <p:cNvSpPr txBox="1"/>
           <p:nvPr>
-            <p:ph type="body" idx="1"/>
+            <p:ph idx="1" type="body"/>
           </p:nvPr>
         </p:nvSpPr>
         <p:spPr>
@@ -5490,11 +5511,11 @@
           </a:ln>
         </p:spPr>
         <p:txBody>
-          <a:bodyPr spcFirstLastPara="1" wrap="square" lIns="91425" tIns="91425" rIns="91425" bIns="91425" anchor="t" anchorCtr="0">
+          <a:bodyPr anchorCtr="0" anchor="t" bIns="91425" lIns="91425" spcFirstLastPara="1" rIns="91425" wrap="square" tIns="91425">
             <a:normAutofit/>
           </a:bodyPr>
           <a:lstStyle>
-            <a:lvl1pPr marL="457200" lvl="0" indent="-342900">
+            <a:lvl1pPr indent="-342900" lvl="0" marL="457200">
               <a:lnSpc>
                 <a:spcPct val="115000"/>
               </a:lnSpc>
@@ -5515,7 +5536,7 @@
                 </a:solidFill>
               </a:defRPr>
             </a:lvl1pPr>
-            <a:lvl2pPr marL="914400" lvl="1" indent="-317500">
+            <a:lvl2pPr indent="-317500" lvl="1" marL="914400">
               <a:lnSpc>
                 <a:spcPct val="115000"/>
               </a:lnSpc>
@@ -5536,7 +5557,7 @@
                 </a:solidFill>
               </a:defRPr>
             </a:lvl2pPr>
-            <a:lvl3pPr marL="1371600" lvl="2" indent="-317500">
+            <a:lvl3pPr indent="-317500" lvl="2" marL="1371600">
               <a:lnSpc>
                 <a:spcPct val="115000"/>
               </a:lnSpc>
@@ -5557,7 +5578,7 @@
                 </a:solidFill>
               </a:defRPr>
             </a:lvl3pPr>
-            <a:lvl4pPr marL="1828800" lvl="3" indent="-317500">
+            <a:lvl4pPr indent="-317500" lvl="3" marL="1828800">
               <a:lnSpc>
                 <a:spcPct val="115000"/>
               </a:lnSpc>
@@ -5578,7 +5599,7 @@
                 </a:solidFill>
               </a:defRPr>
             </a:lvl4pPr>
-            <a:lvl5pPr marL="2286000" lvl="4" indent="-317500">
+            <a:lvl5pPr indent="-317500" lvl="4" marL="2286000">
               <a:lnSpc>
                 <a:spcPct val="115000"/>
               </a:lnSpc>
@@ -5599,7 +5620,7 @@
                 </a:solidFill>
               </a:defRPr>
             </a:lvl5pPr>
-            <a:lvl6pPr marL="2743200" lvl="5" indent="-317500">
+            <a:lvl6pPr indent="-317500" lvl="5" marL="2743200">
               <a:lnSpc>
                 <a:spcPct val="115000"/>
               </a:lnSpc>
@@ -5620,7 +5641,7 @@
                 </a:solidFill>
               </a:defRPr>
             </a:lvl6pPr>
-            <a:lvl7pPr marL="3200400" lvl="6" indent="-317500">
+            <a:lvl7pPr indent="-317500" lvl="6" marL="3200400">
               <a:lnSpc>
                 <a:spcPct val="115000"/>
               </a:lnSpc>
@@ -5641,7 +5662,7 @@
                 </a:solidFill>
               </a:defRPr>
             </a:lvl7pPr>
-            <a:lvl8pPr marL="3657600" lvl="7" indent="-317500">
+            <a:lvl8pPr indent="-317500" lvl="7" marL="3657600">
               <a:lnSpc>
                 <a:spcPct val="115000"/>
               </a:lnSpc>
@@ -5662,7 +5683,7 @@
                 </a:solidFill>
               </a:defRPr>
             </a:lvl8pPr>
-            <a:lvl9pPr marL="4114800" lvl="8" indent="-317500">
+            <a:lvl9pPr indent="-317500" lvl="8" marL="4114800">
               <a:lnSpc>
                 <a:spcPct val="115000"/>
               </a:lnSpc>
@@ -5692,7 +5713,7 @@
           <p:cNvPr id="8" name="Google Shape;8;p1"/>
           <p:cNvSpPr txBox="1"/>
           <p:nvPr>
-            <p:ph type="sldNum" idx="12"/>
+            <p:ph idx="12" type="sldNum"/>
           </p:nvPr>
         </p:nvSpPr>
         <p:spPr>
@@ -5709,7 +5730,7 @@
           </a:ln>
         </p:spPr>
         <p:txBody>
-          <a:bodyPr spcFirstLastPara="1" wrap="square" lIns="91425" tIns="91425" rIns="91425" bIns="91425" anchor="ctr" anchorCtr="0">
+          <a:bodyPr anchorCtr="0" anchor="ctr" bIns="91425" lIns="91425" spcFirstLastPara="1" rIns="91425" wrap="square" tIns="91425">
             <a:normAutofit/>
           </a:bodyPr>
           <a:lstStyle>
@@ -5787,7 +5808,7 @@
             </a:lvl9pPr>
           </a:lstStyle>
           <a:p>
-            <a:pPr marL="0" lvl="0" indent="0" algn="r" rtl="0">
+            <a:pPr indent="0" lvl="0" marL="0" rtl="0" algn="r">
               <a:spcBef>
                 <a:spcPts val="0"/>
               </a:spcBef>
@@ -5798,31 +5819,32 @@
             </a:pPr>
             <a:fld id="{00000000-1234-1234-1234-123412341234}" type="slidenum">
               <a:rPr lang="zh-CN"/>
+              <a:t>‹#›</a:t>
             </a:fld>
-            <a:endParaRPr lang="zh-CN"/>
+            <a:endParaRPr/>
           </a:p>
         </p:txBody>
       </p:sp>
     </p:spTree>
   </p:cSld>
-  <p:clrMap bg1="lt1" tx1="dk1" bg2="dk2" tx2="lt2" accent1="accent1" accent2="accent2" accent3="accent3" accent4="accent4" accent5="accent5" accent6="accent6" hlink="hlink" folHlink="folHlink"/>
+  <p:clrMap accent1="accent1" accent2="accent2" accent3="accent3" accent4="accent4" accent5="accent5" accent6="accent6" bg1="lt1" bg2="dk2" tx1="dk1" tx2="lt2" folHlink="folHlink" hlink="hlink"/>
   <p:sldLayoutIdLst>
-    <p:sldLayoutId id="2147483649" r:id="rId1"/>
-    <p:sldLayoutId id="2147483650" r:id="rId2"/>
-    <p:sldLayoutId id="2147483651" r:id="rId3"/>
-    <p:sldLayoutId id="2147483652" r:id="rId4"/>
-    <p:sldLayoutId id="2147483653" r:id="rId5"/>
-    <p:sldLayoutId id="2147483654" r:id="rId6"/>
-    <p:sldLayoutId id="2147483655" r:id="rId7"/>
-    <p:sldLayoutId id="2147483656" r:id="rId8"/>
-    <p:sldLayoutId id="2147483657" r:id="rId9"/>
-    <p:sldLayoutId id="2147483658" r:id="rId10"/>
-    <p:sldLayoutId id="2147483659" r:id="rId11"/>
+    <p:sldLayoutId id="2147483648" r:id="rId1"/>
+    <p:sldLayoutId id="2147483649" r:id="rId2"/>
+    <p:sldLayoutId id="2147483650" r:id="rId3"/>
+    <p:sldLayoutId id="2147483651" r:id="rId4"/>
+    <p:sldLayoutId id="2147483652" r:id="rId5"/>
+    <p:sldLayoutId id="2147483653" r:id="rId6"/>
+    <p:sldLayoutId id="2147483654" r:id="rId7"/>
+    <p:sldLayoutId id="2147483655" r:id="rId8"/>
+    <p:sldLayoutId id="2147483656" r:id="rId9"/>
+    <p:sldLayoutId id="2147483657" r:id="rId10"/>
+    <p:sldLayoutId id="2147483658" r:id="rId11"/>
   </p:sldLayoutIdLst>
-  <p:hf sldNum="0" hdr="0" ftr="0" dt="0"/>
+  <p:hf dt="0" ftr="0" hdr="0" sldNum="0"/>
   <p:txStyles>
     <p:titleStyle>
-      <a:defPPr marR="0" lvl="0" algn="l" rtl="0">
+      <a:defPPr lvl="0" marR="0" rtl="0" algn="l">
         <a:lnSpc>
           <a:spcPct val="100000"/>
         </a:lnSpc>
@@ -5833,7 +5855,7 @@
           <a:spcPts val="0"/>
         </a:spcAft>
       </a:defPPr>
-      <a:lvl1pPr marR="0" lvl="0" algn="l" rtl="0">
+      <a:lvl1pPr lvl="0" marR="0" rtl="0" algn="l">
         <a:lnSpc>
           <a:spcPct val="100000"/>
         </a:lnSpc>
@@ -5847,7 +5869,7 @@
           <a:srgbClr val="000000"/>
         </a:buClr>
         <a:buFont typeface="Arial"/>
-        <a:defRPr sz="1400" b="0" i="0" u="none" strike="noStrike" cap="none">
+        <a:defRPr b="0" i="0" sz="1400" u="none" cap="none" strike="noStrike">
           <a:solidFill>
             <a:srgbClr val="000000"/>
           </a:solidFill>
@@ -5857,7 +5879,7 @@
           <a:sym typeface="Arial"/>
         </a:defRPr>
       </a:lvl1pPr>
-      <a:lvl2pPr marR="0" lvl="1" algn="l" rtl="0">
+      <a:lvl2pPr lvl="1" marR="0" rtl="0" algn="l">
         <a:lnSpc>
           <a:spcPct val="100000"/>
         </a:lnSpc>
@@ -5871,7 +5893,7 @@
           <a:srgbClr val="000000"/>
         </a:buClr>
         <a:buFont typeface="Arial"/>
-        <a:defRPr sz="1400" b="0" i="0" u="none" strike="noStrike" cap="none">
+        <a:defRPr b="0" i="0" sz="1400" u="none" cap="none" strike="noStrike">
           <a:solidFill>
             <a:srgbClr val="000000"/>
           </a:solidFill>
@@ -5881,7 +5903,7 @@
           <a:sym typeface="Arial"/>
         </a:defRPr>
       </a:lvl2pPr>
-      <a:lvl3pPr marR="0" lvl="2" algn="l" rtl="0">
+      <a:lvl3pPr lvl="2" marR="0" rtl="0" algn="l">
         <a:lnSpc>
           <a:spcPct val="100000"/>
         </a:lnSpc>
@@ -5895,7 +5917,7 @@
           <a:srgbClr val="000000"/>
         </a:buClr>
         <a:buFont typeface="Arial"/>
-        <a:defRPr sz="1400" b="0" i="0" u="none" strike="noStrike" cap="none">
+        <a:defRPr b="0" i="0" sz="1400" u="none" cap="none" strike="noStrike">
           <a:solidFill>
             <a:srgbClr val="000000"/>
           </a:solidFill>
@@ -5905,7 +5927,7 @@
           <a:sym typeface="Arial"/>
         </a:defRPr>
       </a:lvl3pPr>
-      <a:lvl4pPr marR="0" lvl="3" algn="l" rtl="0">
+      <a:lvl4pPr lvl="3" marR="0" rtl="0" algn="l">
         <a:lnSpc>
           <a:spcPct val="100000"/>
         </a:lnSpc>
@@ -5919,7 +5941,7 @@
           <a:srgbClr val="000000"/>
         </a:buClr>
         <a:buFont typeface="Arial"/>
-        <a:defRPr sz="1400" b="0" i="0" u="none" strike="noStrike" cap="none">
+        <a:defRPr b="0" i="0" sz="1400" u="none" cap="none" strike="noStrike">
           <a:solidFill>
             <a:srgbClr val="000000"/>
           </a:solidFill>
@@ -5929,7 +5951,7 @@
           <a:sym typeface="Arial"/>
         </a:defRPr>
       </a:lvl4pPr>
-      <a:lvl5pPr marR="0" lvl="4" algn="l" rtl="0">
+      <a:lvl5pPr lvl="4" marR="0" rtl="0" algn="l">
         <a:lnSpc>
           <a:spcPct val="100000"/>
         </a:lnSpc>
@@ -5943,7 +5965,7 @@
           <a:srgbClr val="000000"/>
         </a:buClr>
         <a:buFont typeface="Arial"/>
-        <a:defRPr sz="1400" b="0" i="0" u="none" strike="noStrike" cap="none">
+        <a:defRPr b="0" i="0" sz="1400" u="none" cap="none" strike="noStrike">
           <a:solidFill>
             <a:srgbClr val="000000"/>
           </a:solidFill>
@@ -5953,7 +5975,7 @@
           <a:sym typeface="Arial"/>
         </a:defRPr>
       </a:lvl5pPr>
-      <a:lvl6pPr marR="0" lvl="5" algn="l" rtl="0">
+      <a:lvl6pPr lvl="5" marR="0" rtl="0" algn="l">
         <a:lnSpc>
           <a:spcPct val="100000"/>
         </a:lnSpc>
@@ -5967,7 +5989,7 @@
           <a:srgbClr val="000000"/>
         </a:buClr>
         <a:buFont typeface="Arial"/>
-        <a:defRPr sz="1400" b="0" i="0" u="none" strike="noStrike" cap="none">
+        <a:defRPr b="0" i="0" sz="1400" u="none" cap="none" strike="noStrike">
           <a:solidFill>
             <a:srgbClr val="000000"/>
           </a:solidFill>
@@ -5977,7 +5999,7 @@
           <a:sym typeface="Arial"/>
         </a:defRPr>
       </a:lvl6pPr>
-      <a:lvl7pPr marR="0" lvl="6" algn="l" rtl="0">
+      <a:lvl7pPr lvl="6" marR="0" rtl="0" algn="l">
         <a:lnSpc>
           <a:spcPct val="100000"/>
         </a:lnSpc>
@@ -5991,7 +6013,7 @@
           <a:srgbClr val="000000"/>
         </a:buClr>
         <a:buFont typeface="Arial"/>
-        <a:defRPr sz="1400" b="0" i="0" u="none" strike="noStrike" cap="none">
+        <a:defRPr b="0" i="0" sz="1400" u="none" cap="none" strike="noStrike">
           <a:solidFill>
             <a:srgbClr val="000000"/>
           </a:solidFill>
@@ -6001,7 +6023,7 @@
           <a:sym typeface="Arial"/>
         </a:defRPr>
       </a:lvl7pPr>
-      <a:lvl8pPr marR="0" lvl="7" algn="l" rtl="0">
+      <a:lvl8pPr lvl="7" marR="0" rtl="0" algn="l">
         <a:lnSpc>
           <a:spcPct val="100000"/>
         </a:lnSpc>
@@ -6015,7 +6037,7 @@
           <a:srgbClr val="000000"/>
         </a:buClr>
         <a:buFont typeface="Arial"/>
-        <a:defRPr sz="1400" b="0" i="0" u="none" strike="noStrike" cap="none">
+        <a:defRPr b="0" i="0" sz="1400" u="none" cap="none" strike="noStrike">
           <a:solidFill>
             <a:srgbClr val="000000"/>
           </a:solidFill>
@@ -6025,7 +6047,7 @@
           <a:sym typeface="Arial"/>
         </a:defRPr>
       </a:lvl8pPr>
-      <a:lvl9pPr marR="0" lvl="8" algn="l" rtl="0">
+      <a:lvl9pPr lvl="8" marR="0" rtl="0" algn="l">
         <a:lnSpc>
           <a:spcPct val="100000"/>
         </a:lnSpc>
@@ -6039,7 +6061,7 @@
           <a:srgbClr val="000000"/>
         </a:buClr>
         <a:buFont typeface="Arial"/>
-        <a:defRPr sz="1400" b="0" i="0" u="none" strike="noStrike" cap="none">
+        <a:defRPr b="0" i="0" sz="1400" u="none" cap="none" strike="noStrike">
           <a:solidFill>
             <a:srgbClr val="000000"/>
           </a:solidFill>
@@ -6051,7 +6073,7 @@
       </a:lvl9pPr>
     </p:titleStyle>
     <p:bodyStyle>
-      <a:defPPr marR="0" lvl="0" algn="l" rtl="0">
+      <a:defPPr lvl="0" marR="0" rtl="0" algn="l">
         <a:lnSpc>
           <a:spcPct val="100000"/>
         </a:lnSpc>
@@ -6062,7 +6084,7 @@
           <a:spcPts val="0"/>
         </a:spcAft>
       </a:defPPr>
-      <a:lvl1pPr marR="0" lvl="0" algn="l" rtl="0">
+      <a:lvl1pPr lvl="0" marR="0" rtl="0" algn="l">
         <a:lnSpc>
           <a:spcPct val="100000"/>
         </a:lnSpc>
@@ -6076,7 +6098,7 @@
           <a:srgbClr val="000000"/>
         </a:buClr>
         <a:buFont typeface="Arial"/>
-        <a:defRPr sz="1400" b="0" i="0" u="none" strike="noStrike" cap="none">
+        <a:defRPr b="0" i="0" sz="1400" u="none" cap="none" strike="noStrike">
           <a:solidFill>
             <a:srgbClr val="000000"/>
           </a:solidFill>
@@ -6086,7 +6108,7 @@
           <a:sym typeface="Arial"/>
         </a:defRPr>
       </a:lvl1pPr>
-      <a:lvl2pPr marR="0" lvl="1" algn="l" rtl="0">
+      <a:lvl2pPr lvl="1" marR="0" rtl="0" algn="l">
         <a:lnSpc>
           <a:spcPct val="100000"/>
         </a:lnSpc>
@@ -6100,7 +6122,7 @@
           <a:srgbClr val="000000"/>
         </a:buClr>
         <a:buFont typeface="Arial"/>
-        <a:defRPr sz="1400" b="0" i="0" u="none" strike="noStrike" cap="none">
+        <a:defRPr b="0" i="0" sz="1400" u="none" cap="none" strike="noStrike">
           <a:solidFill>
             <a:srgbClr val="000000"/>
           </a:solidFill>
@@ -6110,7 +6132,7 @@
           <a:sym typeface="Arial"/>
         </a:defRPr>
       </a:lvl2pPr>
-      <a:lvl3pPr marR="0" lvl="2" algn="l" rtl="0">
+      <a:lvl3pPr lvl="2" marR="0" rtl="0" algn="l">
         <a:lnSpc>
           <a:spcPct val="100000"/>
         </a:lnSpc>
@@ -6124,7 +6146,7 @@
           <a:srgbClr val="000000"/>
         </a:buClr>
         <a:buFont typeface="Arial"/>
-        <a:defRPr sz="1400" b="0" i="0" u="none" strike="noStrike" cap="none">
+        <a:defRPr b="0" i="0" sz="1400" u="none" cap="none" strike="noStrike">
           <a:solidFill>
             <a:srgbClr val="000000"/>
           </a:solidFill>
@@ -6134,7 +6156,7 @@
           <a:sym typeface="Arial"/>
         </a:defRPr>
       </a:lvl3pPr>
-      <a:lvl4pPr marR="0" lvl="3" algn="l" rtl="0">
+      <a:lvl4pPr lvl="3" marR="0" rtl="0" algn="l">
         <a:lnSpc>
           <a:spcPct val="100000"/>
         </a:lnSpc>
@@ -6148,7 +6170,7 @@
           <a:srgbClr val="000000"/>
         </a:buClr>
         <a:buFont typeface="Arial"/>
-        <a:defRPr sz="1400" b="0" i="0" u="none" strike="noStrike" cap="none">
+        <a:defRPr b="0" i="0" sz="1400" u="none" cap="none" strike="noStrike">
           <a:solidFill>
             <a:srgbClr val="000000"/>
           </a:solidFill>
@@ -6158,7 +6180,7 @@
           <a:sym typeface="Arial"/>
         </a:defRPr>
       </a:lvl4pPr>
-      <a:lvl5pPr marR="0" lvl="4" algn="l" rtl="0">
+      <a:lvl5pPr lvl="4" marR="0" rtl="0" algn="l">
         <a:lnSpc>
           <a:spcPct val="100000"/>
         </a:lnSpc>
@@ -6172,7 +6194,7 @@
           <a:srgbClr val="000000"/>
         </a:buClr>
         <a:buFont typeface="Arial"/>
-        <a:defRPr sz="1400" b="0" i="0" u="none" strike="noStrike" cap="none">
+        <a:defRPr b="0" i="0" sz="1400" u="none" cap="none" strike="noStrike">
           <a:solidFill>
             <a:srgbClr val="000000"/>
           </a:solidFill>
@@ -6182,7 +6204,7 @@
           <a:sym typeface="Arial"/>
         </a:defRPr>
       </a:lvl5pPr>
-      <a:lvl6pPr marR="0" lvl="5" algn="l" rtl="0">
+      <a:lvl6pPr lvl="5" marR="0" rtl="0" algn="l">
         <a:lnSpc>
           <a:spcPct val="100000"/>
         </a:lnSpc>
@@ -6196,7 +6218,7 @@
           <a:srgbClr val="000000"/>
         </a:buClr>
         <a:buFont typeface="Arial"/>
-        <a:defRPr sz="1400" b="0" i="0" u="none" strike="noStrike" cap="none">
+        <a:defRPr b="0" i="0" sz="1400" u="none" cap="none" strike="noStrike">
           <a:solidFill>
             <a:srgbClr val="000000"/>
           </a:solidFill>
@@ -6206,7 +6228,7 @@
           <a:sym typeface="Arial"/>
         </a:defRPr>
       </a:lvl6pPr>
-      <a:lvl7pPr marR="0" lvl="6" algn="l" rtl="0">
+      <a:lvl7pPr lvl="6" marR="0" rtl="0" algn="l">
         <a:lnSpc>
           <a:spcPct val="100000"/>
         </a:lnSpc>
@@ -6220,7 +6242,7 @@
           <a:srgbClr val="000000"/>
         </a:buClr>
         <a:buFont typeface="Arial"/>
-        <a:defRPr sz="1400" b="0" i="0" u="none" strike="noStrike" cap="none">
+        <a:defRPr b="0" i="0" sz="1400" u="none" cap="none" strike="noStrike">
           <a:solidFill>
             <a:srgbClr val="000000"/>
           </a:solidFill>
@@ -6230,7 +6252,7 @@
           <a:sym typeface="Arial"/>
         </a:defRPr>
       </a:lvl7pPr>
-      <a:lvl8pPr marR="0" lvl="7" algn="l" rtl="0">
+      <a:lvl8pPr lvl="7" marR="0" rtl="0" algn="l">
         <a:lnSpc>
           <a:spcPct val="100000"/>
         </a:lnSpc>
@@ -6244,7 +6266,7 @@
           <a:srgbClr val="000000"/>
         </a:buClr>
         <a:buFont typeface="Arial"/>
-        <a:defRPr sz="1400" b="0" i="0" u="none" strike="noStrike" cap="none">
+        <a:defRPr b="0" i="0" sz="1400" u="none" cap="none" strike="noStrike">
           <a:solidFill>
             <a:srgbClr val="000000"/>
           </a:solidFill>
@@ -6254,7 +6276,7 @@
           <a:sym typeface="Arial"/>
         </a:defRPr>
       </a:lvl8pPr>
-      <a:lvl9pPr marR="0" lvl="8" algn="l" rtl="0">
+      <a:lvl9pPr lvl="8" marR="0" rtl="0" algn="l">
         <a:lnSpc>
           <a:spcPct val="100000"/>
         </a:lnSpc>
@@ -6268,7 +6290,7 @@
           <a:srgbClr val="000000"/>
         </a:buClr>
         <a:buFont typeface="Arial"/>
-        <a:defRPr sz="1400" b="0" i="0" u="none" strike="noStrike" cap="none">
+        <a:defRPr b="0" i="0" sz="1400" u="none" cap="none" strike="noStrike">
           <a:solidFill>
             <a:srgbClr val="000000"/>
           </a:solidFill>
@@ -6280,7 +6302,7 @@
       </a:lvl9pPr>
     </p:bodyStyle>
     <p:otherStyle>
-      <a:defPPr marR="0" lvl="0" algn="l" rtl="0">
+      <a:defPPr lvl="0" marR="0" rtl="0" algn="l">
         <a:lnSpc>
           <a:spcPct val="100000"/>
         </a:lnSpc>
@@ -6291,7 +6313,7 @@
           <a:spcPts val="0"/>
         </a:spcAft>
       </a:defPPr>
-      <a:lvl1pPr marR="0" lvl="0" algn="l" rtl="0">
+      <a:lvl1pPr lvl="0" marR="0" rtl="0" algn="l">
         <a:lnSpc>
           <a:spcPct val="100000"/>
         </a:lnSpc>
@@ -6305,7 +6327,7 @@
           <a:srgbClr val="000000"/>
         </a:buClr>
         <a:buFont typeface="Arial"/>
-        <a:defRPr sz="1400" b="0" i="0" u="none" strike="noStrike" cap="none">
+        <a:defRPr b="0" i="0" sz="1400" u="none" cap="none" strike="noStrike">
           <a:solidFill>
             <a:srgbClr val="000000"/>
           </a:solidFill>
@@ -6315,7 +6337,7 @@
           <a:sym typeface="Arial"/>
         </a:defRPr>
       </a:lvl1pPr>
-      <a:lvl2pPr marR="0" lvl="1" algn="l" rtl="0">
+      <a:lvl2pPr lvl="1" marR="0" rtl="0" algn="l">
         <a:lnSpc>
           <a:spcPct val="100000"/>
         </a:lnSpc>
@@ -6329,7 +6351,7 @@
           <a:srgbClr val="000000"/>
         </a:buClr>
         <a:buFont typeface="Arial"/>
-        <a:defRPr sz="1400" b="0" i="0" u="none" strike="noStrike" cap="none">
+        <a:defRPr b="0" i="0" sz="1400" u="none" cap="none" strike="noStrike">
           <a:solidFill>
             <a:srgbClr val="000000"/>
           </a:solidFill>
@@ -6339,7 +6361,7 @@
           <a:sym typeface="Arial"/>
         </a:defRPr>
       </a:lvl2pPr>
-      <a:lvl3pPr marR="0" lvl="2" algn="l" rtl="0">
+      <a:lvl3pPr lvl="2" marR="0" rtl="0" algn="l">
         <a:lnSpc>
           <a:spcPct val="100000"/>
         </a:lnSpc>
@@ -6353,7 +6375,7 @@
           <a:srgbClr val="000000"/>
         </a:buClr>
         <a:buFont typeface="Arial"/>
-        <a:defRPr sz="1400" b="0" i="0" u="none" strike="noStrike" cap="none">
+        <a:defRPr b="0" i="0" sz="1400" u="none" cap="none" strike="noStrike">
           <a:solidFill>
             <a:srgbClr val="000000"/>
           </a:solidFill>
@@ -6363,7 +6385,7 @@
           <a:sym typeface="Arial"/>
         </a:defRPr>
       </a:lvl3pPr>
-      <a:lvl4pPr marR="0" lvl="3" algn="l" rtl="0">
+      <a:lvl4pPr lvl="3" marR="0" rtl="0" algn="l">
         <a:lnSpc>
           <a:spcPct val="100000"/>
         </a:lnSpc>
@@ -6377,7 +6399,7 @@
           <a:srgbClr val="000000"/>
         </a:buClr>
         <a:buFont typeface="Arial"/>
-        <a:defRPr sz="1400" b="0" i="0" u="none" strike="noStrike" cap="none">
+        <a:defRPr b="0" i="0" sz="1400" u="none" cap="none" strike="noStrike">
           <a:solidFill>
             <a:srgbClr val="000000"/>
           </a:solidFill>
@@ -6387,7 +6409,7 @@
           <a:sym typeface="Arial"/>
         </a:defRPr>
       </a:lvl4pPr>
-      <a:lvl5pPr marR="0" lvl="4" algn="l" rtl="0">
+      <a:lvl5pPr lvl="4" marR="0" rtl="0" algn="l">
         <a:lnSpc>
           <a:spcPct val="100000"/>
         </a:lnSpc>
@@ -6401,7 +6423,7 @@
           <a:srgbClr val="000000"/>
         </a:buClr>
         <a:buFont typeface="Arial"/>
-        <a:defRPr sz="1400" b="0" i="0" u="none" strike="noStrike" cap="none">
+        <a:defRPr b="0" i="0" sz="1400" u="none" cap="none" strike="noStrike">
           <a:solidFill>
             <a:srgbClr val="000000"/>
           </a:solidFill>
@@ -6411,7 +6433,7 @@
           <a:sym typeface="Arial"/>
         </a:defRPr>
       </a:lvl5pPr>
-      <a:lvl6pPr marR="0" lvl="5" algn="l" rtl="0">
+      <a:lvl6pPr lvl="5" marR="0" rtl="0" algn="l">
         <a:lnSpc>
           <a:spcPct val="100000"/>
         </a:lnSpc>
@@ -6425,7 +6447,7 @@
           <a:srgbClr val="000000"/>
         </a:buClr>
         <a:buFont typeface="Arial"/>
-        <a:defRPr sz="1400" b="0" i="0" u="none" strike="noStrike" cap="none">
+        <a:defRPr b="0" i="0" sz="1400" u="none" cap="none" strike="noStrike">
           <a:solidFill>
             <a:srgbClr val="000000"/>
           </a:solidFill>
@@ -6435,7 +6457,7 @@
           <a:sym typeface="Arial"/>
         </a:defRPr>
       </a:lvl6pPr>
-      <a:lvl7pPr marR="0" lvl="6" algn="l" rtl="0">
+      <a:lvl7pPr lvl="6" marR="0" rtl="0" algn="l">
         <a:lnSpc>
           <a:spcPct val="100000"/>
         </a:lnSpc>
@@ -6449,7 +6471,7 @@
           <a:srgbClr val="000000"/>
         </a:buClr>
         <a:buFont typeface="Arial"/>
-        <a:defRPr sz="1400" b="0" i="0" u="none" strike="noStrike" cap="none">
+        <a:defRPr b="0" i="0" sz="1400" u="none" cap="none" strike="noStrike">
           <a:solidFill>
             <a:srgbClr val="000000"/>
           </a:solidFill>
@@ -6459,7 +6481,7 @@
           <a:sym typeface="Arial"/>
         </a:defRPr>
       </a:lvl7pPr>
-      <a:lvl8pPr marR="0" lvl="7" algn="l" rtl="0">
+      <a:lvl8pPr lvl="7" marR="0" rtl="0" algn="l">
         <a:lnSpc>
           <a:spcPct val="100000"/>
         </a:lnSpc>
@@ -6473,7 +6495,7 @@
           <a:srgbClr val="000000"/>
         </a:buClr>
         <a:buFont typeface="Arial"/>
-        <a:defRPr sz="1400" b="0" i="0" u="none" strike="noStrike" cap="none">
+        <a:defRPr b="0" i="0" sz="1400" u="none" cap="none" strike="noStrike">
           <a:solidFill>
             <a:srgbClr val="000000"/>
           </a:solidFill>
@@ -6483,7 +6505,7 @@
           <a:sym typeface="Arial"/>
         </a:defRPr>
       </a:lvl8pPr>
-      <a:lvl9pPr marR="0" lvl="8" algn="l" rtl="0">
+      <a:lvl9pPr lvl="8" marR="0" rtl="0" algn="l">
         <a:lnSpc>
           <a:spcPct val="100000"/>
         </a:lnSpc>
@@ -6497,7 +6519,7 @@
           <a:srgbClr val="000000"/>
         </a:buClr>
         <a:buFont typeface="Arial"/>
-        <a:defRPr sz="1400" b="0" i="0" u="none" strike="noStrike" cap="none">
+        <a:defRPr b="0" i="0" sz="1400" u="none" cap="none" strike="noStrike">
           <a:solidFill>
             <a:srgbClr val="000000"/>
           </a:solidFill>
@@ -6513,7 +6535,7 @@
 </file>
 
 <file path=ppt/slides/slide1.xml><?xml version="1.0" encoding="utf-8"?>
-<p:sld xmlns:a="http://schemas.openxmlformats.org/drawingml/2006/main" xmlns:r="http://schemas.openxmlformats.org/officeDocument/2006/relationships" xmlns:p="http://schemas.openxmlformats.org/presentationml/2006/main">
+<p:sld xmlns:a="http://schemas.openxmlformats.org/drawingml/2006/main" xmlns:r="http://schemas.openxmlformats.org/officeDocument/2006/relationships" xmlns:mc="http://schemas.openxmlformats.org/markup-compatibility/2006" xmlns:mv="urn:schemas-microsoft-com:mac:vml" xmlns:p="http://schemas.openxmlformats.org/presentationml/2006/main" xmlns:c="http://schemas.openxmlformats.org/drawingml/2006/chart" xmlns:dgm="http://schemas.openxmlformats.org/drawingml/2006/diagram" xmlns:o="urn:schemas-microsoft-com:office:office" xmlns:v="urn:schemas-microsoft-com:vml" xmlns:pvml="urn:schemas-microsoft-com:office:powerpoint" xmlns:com="http://schemas.openxmlformats.org/drawingml/2006/compatibility" xmlns:p14="http://schemas.microsoft.com/office/powerpoint/2010/main" xmlns:p15="http://schemas.microsoft.com/office/powerpoint/2012/main" xmlns:ahyp="http://schemas.microsoft.com/office/drawing/2018/hyperlinkcolor">
   <p:cSld>
     <p:spTree>
       <p:nvGrpSpPr>
@@ -6547,12 +6569,12 @@
           </a:prstGeom>
         </p:spPr>
         <p:txBody>
-          <a:bodyPr spcFirstLastPara="1" wrap="square" lIns="91425" tIns="91425" rIns="91425" bIns="91425" anchor="b" anchorCtr="0">
+          <a:bodyPr anchorCtr="0" anchor="b" bIns="91425" lIns="91425" spcFirstLastPara="1" rIns="91425" wrap="square" tIns="91425">
             <a:normAutofit/>
           </a:bodyPr>
           <a:lstStyle/>
           <a:p>
-            <a:pPr marL="0" lvl="0" indent="0" algn="ctr" rtl="0">
+            <a:pPr indent="0" lvl="0" marL="0" rtl="0" algn="ctr">
               <a:spcBef>
                 <a:spcPts val="0"/>
               </a:spcBef>
@@ -6578,7 +6600,7 @@
           <p:cNvPr id="55" name="Google Shape;55;p13"/>
           <p:cNvSpPr txBox="1"/>
           <p:nvPr>
-            <p:ph type="subTitle" idx="1"/>
+            <p:ph idx="1" type="subTitle"/>
           </p:nvPr>
         </p:nvSpPr>
         <p:spPr>
@@ -6591,12 +6613,12 @@
           </a:prstGeom>
         </p:spPr>
         <p:txBody>
-          <a:bodyPr spcFirstLastPara="1" wrap="square" lIns="91425" tIns="91425" rIns="91425" bIns="91425" anchor="t" anchorCtr="0">
+          <a:bodyPr anchorCtr="0" anchor="t" bIns="91425" lIns="91425" spcFirstLastPara="1" rIns="91425" wrap="square" tIns="91425">
             <a:normAutofit/>
           </a:bodyPr>
           <a:lstStyle/>
           <a:p>
-            <a:pPr marL="0" lvl="0" indent="0" algn="ctr" rtl="0">
+            <a:pPr indent="0" lvl="0" marL="0" rtl="0" algn="ctr">
               <a:spcBef>
                 <a:spcPts val="0"/>
               </a:spcBef>
@@ -6605,6 +6627,10 @@
               </a:spcAft>
               <a:buNone/>
             </a:pPr>
+            <a:r>
+              <a:t/>
+            </a:r>
+            <a:endParaRPr/>
           </a:p>
         </p:txBody>
       </p:sp>
@@ -6617,7 +6643,7 @@
 </file>
 
 <file path=ppt/slides/slide10.xml><?xml version="1.0" encoding="utf-8"?>
-<p:sld xmlns:a="http://schemas.openxmlformats.org/drawingml/2006/main" xmlns:r="http://schemas.openxmlformats.org/officeDocument/2006/relationships" xmlns:p="http://schemas.openxmlformats.org/presentationml/2006/main">
+<p:sld xmlns:a="http://schemas.openxmlformats.org/drawingml/2006/main" xmlns:r="http://schemas.openxmlformats.org/officeDocument/2006/relationships" xmlns:mc="http://schemas.openxmlformats.org/markup-compatibility/2006" xmlns:mv="urn:schemas-microsoft-com:mac:vml" xmlns:p="http://schemas.openxmlformats.org/presentationml/2006/main" xmlns:c="http://schemas.openxmlformats.org/drawingml/2006/chart" xmlns:dgm="http://schemas.openxmlformats.org/drawingml/2006/diagram" xmlns:o="urn:schemas-microsoft-com:office:office" xmlns:v="urn:schemas-microsoft-com:vml" xmlns:pvml="urn:schemas-microsoft-com:office:powerpoint" xmlns:com="http://schemas.openxmlformats.org/drawingml/2006/compatibility" xmlns:p14="http://schemas.microsoft.com/office/powerpoint/2010/main" xmlns:p15="http://schemas.microsoft.com/office/powerpoint/2012/main" xmlns:ahyp="http://schemas.microsoft.com/office/drawing/2018/hyperlinkcolor">
   <p:cSld>
     <p:spTree>
       <p:nvGrpSpPr>
@@ -6651,12 +6677,12 @@
           </a:prstGeom>
         </p:spPr>
         <p:txBody>
-          <a:bodyPr spcFirstLastPara="1" wrap="square" lIns="91425" tIns="91425" rIns="91425" bIns="91425" anchor="t" anchorCtr="0">
+          <a:bodyPr anchorCtr="0" anchor="t" bIns="91425" lIns="91425" spcFirstLastPara="1" rIns="91425" wrap="square" tIns="91425">
             <a:normAutofit fontScale="90000"/>
           </a:bodyPr>
           <a:lstStyle/>
           <a:p>
-            <a:pPr marL="0" lvl="0" indent="0" algn="l" rtl="0">
+            <a:pPr indent="0" lvl="0" marL="0" rtl="0" algn="l">
               <a:spcBef>
                 <a:spcPts val="0"/>
               </a:spcBef>
@@ -6669,7 +6695,7 @@
               <a:rPr lang="zh-CN"/>
               <a:t>Basic Implementation</a:t>
             </a:r>
-            <a:endParaRPr lang="zh-CN"/>
+            <a:endParaRPr/>
           </a:p>
         </p:txBody>
       </p:sp>
@@ -6680,14 +6706,16 @@
           <p:nvPr/>
         </p:nvPicPr>
         <p:blipFill>
-          <a:blip r:embed="rId1"/>
+          <a:blip r:embed="rId3">
+            <a:alphaModFix/>
+          </a:blip>
           <a:stretch>
             <a:fillRect/>
           </a:stretch>
         </p:blipFill>
         <p:spPr>
           <a:xfrm>
-            <a:off x="2465119" y="1152475"/>
+            <a:off x="2465119" y="1017725"/>
             <a:ext cx="6472681" cy="3935550"/>
           </a:xfrm>
           <a:prstGeom prst="rect">
@@ -6719,12 +6747,12 @@
           </a:ln>
         </p:spPr>
         <p:txBody>
-          <a:bodyPr spcFirstLastPara="1" wrap="square" lIns="91425" tIns="91425" rIns="91425" bIns="91425" anchor="t" anchorCtr="0">
+          <a:bodyPr anchorCtr="0" anchor="t" bIns="91425" lIns="91425" spcFirstLastPara="1" rIns="91425" wrap="square" tIns="91425">
             <a:spAutoFit/>
           </a:bodyPr>
           <a:lstStyle/>
           <a:p>
-            <a:pPr marL="0" lvl="0" indent="0" algn="l" rtl="0">
+            <a:pPr indent="0" lvl="0" marL="0" rtl="0" algn="l">
               <a:spcBef>
                 <a:spcPts val="0"/>
               </a:spcBef>
@@ -6752,7 +6780,7 @@
             <a:endParaRPr sz="1000"/>
           </a:p>
           <a:p>
-            <a:pPr marL="0" lvl="0" indent="0" algn="l" rtl="0">
+            <a:pPr indent="0" lvl="0" marL="0" rtl="0" algn="l">
               <a:spcBef>
                 <a:spcPts val="0"/>
               </a:spcBef>
@@ -6784,7 +6812,7 @@
             <a:endParaRPr sz="1000"/>
           </a:p>
           <a:p>
-            <a:pPr marL="0" lvl="0" indent="0" algn="l" rtl="0">
+            <a:pPr indent="0" lvl="0" marL="0" rtl="0" algn="l">
               <a:spcBef>
                 <a:spcPts val="0"/>
               </a:spcBef>
@@ -6800,7 +6828,7 @@
             <a:endParaRPr sz="1000"/>
           </a:p>
           <a:p>
-            <a:pPr marL="0" lvl="0" indent="0" algn="l" rtl="0">
+            <a:pPr indent="0" lvl="0" marL="0" rtl="0" algn="l">
               <a:spcBef>
                 <a:spcPts val="0"/>
               </a:spcBef>
@@ -6816,7 +6844,7 @@
             <a:endParaRPr sz="1000"/>
           </a:p>
           <a:p>
-            <a:pPr marL="0" lvl="0" indent="0" algn="l" rtl="0">
+            <a:pPr indent="0" lvl="0" marL="0" rtl="0" algn="l">
               <a:spcBef>
                 <a:spcPts val="0"/>
               </a:spcBef>
@@ -6832,7 +6860,7 @@
             <a:endParaRPr sz="1000"/>
           </a:p>
           <a:p>
-            <a:pPr marL="0" lvl="0" indent="0" algn="l" rtl="0">
+            <a:pPr indent="0" lvl="0" marL="0" rtl="0" algn="l">
               <a:spcBef>
                 <a:spcPts val="0"/>
               </a:spcBef>
@@ -6848,7 +6876,7 @@
             <a:endParaRPr sz="1000"/>
           </a:p>
           <a:p>
-            <a:pPr marL="0" lvl="0" indent="0" algn="l" rtl="0">
+            <a:pPr indent="0" lvl="0" marL="0" rtl="0" algn="l">
               <a:spcBef>
                 <a:spcPts val="0"/>
               </a:spcBef>
@@ -6864,7 +6892,7 @@
             <a:endParaRPr sz="1000"/>
           </a:p>
           <a:p>
-            <a:pPr marL="0" lvl="0" indent="0" algn="l" rtl="0">
+            <a:pPr indent="0" lvl="0" marL="0" rtl="0" algn="l">
               <a:spcBef>
                 <a:spcPts val="0"/>
               </a:spcBef>
@@ -6880,7 +6908,7 @@
             <a:endParaRPr sz="1000"/>
           </a:p>
           <a:p>
-            <a:pPr marL="0" lvl="0" indent="0" algn="l" rtl="0">
+            <a:pPr indent="0" lvl="0" marL="0" rtl="0" algn="l">
               <a:spcBef>
                 <a:spcPts val="0"/>
               </a:spcBef>
@@ -6896,7 +6924,7 @@
             <a:endParaRPr sz="1000"/>
           </a:p>
           <a:p>
-            <a:pPr marL="0" lvl="0" indent="0" algn="l" rtl="0">
+            <a:pPr indent="0" lvl="0" marL="0" rtl="0" algn="l">
               <a:spcBef>
                 <a:spcPts val="0"/>
               </a:spcBef>
@@ -6912,7 +6940,7 @@
             <a:endParaRPr sz="1000"/>
           </a:p>
           <a:p>
-            <a:pPr marL="0" lvl="0" indent="0" algn="l" rtl="0">
+            <a:pPr indent="0" lvl="0" marL="0" rtl="0" algn="l">
               <a:spcBef>
                 <a:spcPts val="0"/>
               </a:spcBef>
@@ -6928,7 +6956,7 @@
             <a:endParaRPr sz="1000"/>
           </a:p>
           <a:p>
-            <a:pPr marL="0" lvl="0" indent="0" algn="l" rtl="0">
+            <a:pPr indent="0" lvl="0" marL="0" rtl="0" algn="l">
               <a:spcBef>
                 <a:spcPts val="0"/>
               </a:spcBef>
@@ -6944,7 +6972,7 @@
             <a:endParaRPr sz="1000"/>
           </a:p>
           <a:p>
-            <a:pPr marL="0" lvl="0" indent="0" algn="l" rtl="0">
+            <a:pPr indent="0" lvl="0" marL="0" rtl="0" algn="l">
               <a:spcBef>
                 <a:spcPts val="0"/>
               </a:spcBef>
@@ -6960,7 +6988,7 @@
             <a:endParaRPr sz="1000"/>
           </a:p>
           <a:p>
-            <a:pPr marL="0" lvl="0" indent="0" algn="l" rtl="0">
+            <a:pPr indent="0" lvl="0" marL="0" rtl="0" algn="l">
               <a:spcBef>
                 <a:spcPts val="0"/>
               </a:spcBef>
@@ -6969,6 +6997,51 @@
               </a:spcAft>
               <a:buNone/>
             </a:pPr>
+            <a:r>
+              <a:t/>
+            </a:r>
+            <a:endParaRPr sz="1000"/>
+          </a:p>
+        </p:txBody>
+      </p:sp>
+      <p:sp>
+        <p:nvSpPr>
+          <p:cNvPr id="119" name="Google Shape;119;p22"/>
+          <p:cNvSpPr txBox="1"/>
+          <p:nvPr/>
+        </p:nvSpPr>
+        <p:spPr>
+          <a:xfrm>
+            <a:off x="208725" y="4591900"/>
+            <a:ext cx="3063600" cy="492600"/>
+          </a:xfrm>
+          <a:prstGeom prst="rect">
+            <a:avLst/>
+          </a:prstGeom>
+          <a:noFill/>
+          <a:ln>
+            <a:noFill/>
+          </a:ln>
+        </p:spPr>
+        <p:txBody>
+          <a:bodyPr anchorCtr="0" anchor="t" bIns="91425" lIns="91425" spcFirstLastPara="1" rIns="91425" wrap="square" tIns="91425">
+            <a:spAutoFit/>
+          </a:bodyPr>
+          <a:lstStyle/>
+          <a:p>
+            <a:pPr indent="0" lvl="0" marL="0" rtl="0" algn="l">
+              <a:spcBef>
+                <a:spcPts val="0"/>
+              </a:spcBef>
+              <a:spcAft>
+                <a:spcPts val="0"/>
+              </a:spcAft>
+              <a:buNone/>
+            </a:pPr>
+            <a:r>
+              <a:rPr lang="zh-CN" sz="1000"/>
+              <a:t>source code: https://github.com/quieoo/nft_fabric_ipfs</a:t>
+            </a:r>
             <a:endParaRPr sz="1000"/>
           </a:p>
         </p:txBody>
@@ -6982,11 +7055,11 @@
 </file>
 
 <file path=ppt/slides/slide11.xml><?xml version="1.0" encoding="utf-8"?>
-<p:sld xmlns:a="http://schemas.openxmlformats.org/drawingml/2006/main" xmlns:r="http://schemas.openxmlformats.org/officeDocument/2006/relationships" xmlns:p="http://schemas.openxmlformats.org/presentationml/2006/main">
+<p:sld xmlns:a="http://schemas.openxmlformats.org/drawingml/2006/main" xmlns:r="http://schemas.openxmlformats.org/officeDocument/2006/relationships" xmlns:mc="http://schemas.openxmlformats.org/markup-compatibility/2006" xmlns:mv="urn:schemas-microsoft-com:mac:vml" xmlns:p="http://schemas.openxmlformats.org/presentationml/2006/main" xmlns:c="http://schemas.openxmlformats.org/drawingml/2006/chart" xmlns:dgm="http://schemas.openxmlformats.org/drawingml/2006/diagram" xmlns:o="urn:schemas-microsoft-com:office:office" xmlns:v="urn:schemas-microsoft-com:vml" xmlns:pvml="urn:schemas-microsoft-com:office:powerpoint" xmlns:com="http://schemas.openxmlformats.org/drawingml/2006/compatibility" xmlns:p14="http://schemas.microsoft.com/office/powerpoint/2010/main" xmlns:p15="http://schemas.microsoft.com/office/powerpoint/2012/main" xmlns:ahyp="http://schemas.microsoft.com/office/drawing/2018/hyperlinkcolor">
   <p:cSld>
     <p:spTree>
       <p:nvGrpSpPr>
-        <p:cNvPr id="122" name="Shape 122"/>
+        <p:cNvPr id="123" name="Shape 123"/>
         <p:cNvGrpSpPr/>
         <p:nvPr/>
       </p:nvGrpSpPr>
@@ -7000,7 +7073,7 @@
       </p:grpSpPr>
       <p:sp>
         <p:nvSpPr>
-          <p:cNvPr id="123" name="Google Shape;123;p23"/>
+          <p:cNvPr id="124" name="Google Shape;124;p23"/>
           <p:cNvSpPr txBox="1"/>
           <p:nvPr>
             <p:ph type="title"/>
@@ -7016,12 +7089,12 @@
           </a:prstGeom>
         </p:spPr>
         <p:txBody>
-          <a:bodyPr spcFirstLastPara="1" wrap="square" lIns="91425" tIns="91425" rIns="91425" bIns="91425" anchor="t" anchorCtr="0">
+          <a:bodyPr anchorCtr="0" anchor="t" bIns="91425" lIns="91425" spcFirstLastPara="1" rIns="91425" wrap="square" tIns="91425">
             <a:normAutofit fontScale="90000"/>
           </a:bodyPr>
           <a:lstStyle/>
           <a:p>
-            <a:pPr marL="0" lvl="0" indent="0" algn="l" rtl="0">
+            <a:pPr indent="0" lvl="0" marL="0" rtl="0" algn="l">
               <a:spcBef>
                 <a:spcPts val="0"/>
               </a:spcBef>
@@ -7030,15 +7103,19 @@
               </a:spcAft>
               <a:buNone/>
             </a:pPr>
+            <a:r>
+              <a:t/>
+            </a:r>
+            <a:endParaRPr/>
           </a:p>
         </p:txBody>
       </p:sp>
       <p:sp>
         <p:nvSpPr>
-          <p:cNvPr id="124" name="Google Shape;124;p23"/>
+          <p:cNvPr id="125" name="Google Shape;125;p23"/>
           <p:cNvSpPr txBox="1"/>
           <p:nvPr>
-            <p:ph type="body" idx="1"/>
+            <p:ph idx="1" type="body"/>
           </p:nvPr>
         </p:nvSpPr>
         <p:spPr>
@@ -7051,12 +7128,12 @@
           </a:prstGeom>
         </p:spPr>
         <p:txBody>
-          <a:bodyPr spcFirstLastPara="1" wrap="square" lIns="91425" tIns="91425" rIns="91425" bIns="91425" anchor="t" anchorCtr="0">
+          <a:bodyPr anchorCtr="0" anchor="t" bIns="91425" lIns="91425" spcFirstLastPara="1" rIns="91425" wrap="square" tIns="91425">
             <a:normAutofit/>
           </a:bodyPr>
           <a:lstStyle/>
           <a:p>
-            <a:pPr marL="0" lvl="0" indent="0" algn="l" rtl="0">
+            <a:pPr indent="0" lvl="0" marL="0" rtl="0" algn="l">
               <a:spcBef>
                 <a:spcPts val="0"/>
               </a:spcBef>
@@ -7069,18 +7146,20 @@
               <a:rPr lang="zh-CN"/>
               <a:t>￼</a:t>
             </a:r>
-            <a:endParaRPr lang="zh-CN"/>
+            <a:endParaRPr/>
           </a:p>
         </p:txBody>
       </p:sp>
       <p:pic>
         <p:nvPicPr>
-          <p:cNvPr id="125" name="Google Shape;125;p23"/>
+          <p:cNvPr id="126" name="Google Shape;126;p23"/>
           <p:cNvPicPr preferRelativeResize="0"/>
           <p:nvPr/>
         </p:nvPicPr>
         <p:blipFill>
-          <a:blip r:embed="rId1"/>
+          <a:blip r:embed="rId3">
+            <a:alphaModFix/>
+          </a:blip>
           <a:stretch>
             <a:fillRect/>
           </a:stretch>
@@ -7101,12 +7180,14 @@
       </p:pic>
       <p:pic>
         <p:nvPicPr>
-          <p:cNvPr id="126" name="Google Shape;126;p23"/>
+          <p:cNvPr id="127" name="Google Shape;127;p23"/>
           <p:cNvPicPr preferRelativeResize="0"/>
           <p:nvPr/>
         </p:nvPicPr>
         <p:blipFill>
-          <a:blip r:embed="rId2"/>
+          <a:blip r:embed="rId4">
+            <a:alphaModFix/>
+          </a:blip>
           <a:stretch>
             <a:fillRect/>
           </a:stretch>
@@ -7134,11 +7215,11 @@
 </file>
 
 <file path=ppt/slides/slide12.xml><?xml version="1.0" encoding="utf-8"?>
-<p:sld xmlns:a="http://schemas.openxmlformats.org/drawingml/2006/main" xmlns:r="http://schemas.openxmlformats.org/officeDocument/2006/relationships" xmlns:p="http://schemas.openxmlformats.org/presentationml/2006/main">
+<p:sld xmlns:a="http://schemas.openxmlformats.org/drawingml/2006/main" xmlns:r="http://schemas.openxmlformats.org/officeDocument/2006/relationships" xmlns:mc="http://schemas.openxmlformats.org/markup-compatibility/2006" xmlns:mv="urn:schemas-microsoft-com:mac:vml" xmlns:p="http://schemas.openxmlformats.org/presentationml/2006/main" xmlns:c="http://schemas.openxmlformats.org/drawingml/2006/chart" xmlns:dgm="http://schemas.openxmlformats.org/drawingml/2006/diagram" xmlns:o="urn:schemas-microsoft-com:office:office" xmlns:v="urn:schemas-microsoft-com:vml" xmlns:pvml="urn:schemas-microsoft-com:office:powerpoint" xmlns:com="http://schemas.openxmlformats.org/drawingml/2006/compatibility" xmlns:p14="http://schemas.microsoft.com/office/powerpoint/2010/main" xmlns:p15="http://schemas.microsoft.com/office/powerpoint/2012/main" xmlns:ahyp="http://schemas.microsoft.com/office/drawing/2018/hyperlinkcolor">
   <p:cSld>
     <p:spTree>
       <p:nvGrpSpPr>
-        <p:cNvPr id="130" name="Shape 130"/>
+        <p:cNvPr id="131" name="Shape 131"/>
         <p:cNvGrpSpPr/>
         <p:nvPr/>
       </p:nvGrpSpPr>
@@ -7152,7 +7233,7 @@
       </p:grpSpPr>
       <p:sp>
         <p:nvSpPr>
-          <p:cNvPr id="131" name="Google Shape;131;p24"/>
+          <p:cNvPr id="132" name="Google Shape;132;p24"/>
           <p:cNvSpPr txBox="1"/>
           <p:nvPr>
             <p:ph type="title"/>
@@ -7168,12 +7249,12 @@
           </a:prstGeom>
         </p:spPr>
         <p:txBody>
-          <a:bodyPr spcFirstLastPara="1" wrap="square" lIns="91425" tIns="91425" rIns="91425" bIns="91425" anchor="t" anchorCtr="0">
+          <a:bodyPr anchorCtr="0" anchor="t" bIns="91425" lIns="91425" spcFirstLastPara="1" rIns="91425" wrap="square" tIns="91425">
             <a:normAutofit fontScale="90000"/>
           </a:bodyPr>
           <a:lstStyle/>
           <a:p>
-            <a:pPr marL="0" lvl="0" indent="0" algn="l" rtl="0">
+            <a:pPr indent="0" lvl="0" marL="0" rtl="0" algn="l">
               <a:spcBef>
                 <a:spcPts val="0"/>
               </a:spcBef>
@@ -7182,15 +7263,19 @@
               </a:spcAft>
               <a:buNone/>
             </a:pPr>
+            <a:r>
+              <a:t/>
+            </a:r>
+            <a:endParaRPr/>
           </a:p>
         </p:txBody>
       </p:sp>
       <p:sp>
         <p:nvSpPr>
-          <p:cNvPr id="132" name="Google Shape;132;p24"/>
+          <p:cNvPr id="133" name="Google Shape;133;p24"/>
           <p:cNvSpPr txBox="1"/>
           <p:nvPr>
-            <p:ph type="body" idx="1"/>
+            <p:ph idx="1" type="body"/>
           </p:nvPr>
         </p:nvSpPr>
         <p:spPr>
@@ -7203,12 +7288,12 @@
           </a:prstGeom>
         </p:spPr>
         <p:txBody>
-          <a:bodyPr spcFirstLastPara="1" wrap="square" lIns="91425" tIns="91425" rIns="91425" bIns="91425" anchor="t" anchorCtr="0">
+          <a:bodyPr anchorCtr="0" anchor="t" bIns="91425" lIns="91425" spcFirstLastPara="1" rIns="91425" wrap="square" tIns="91425">
             <a:normAutofit/>
           </a:bodyPr>
           <a:lstStyle/>
           <a:p>
-            <a:pPr marL="0" lvl="0" indent="0" algn="l" rtl="0">
+            <a:pPr indent="0" lvl="0" marL="0" rtl="0" algn="l">
               <a:spcBef>
                 <a:spcPts val="0"/>
               </a:spcBef>
@@ -7217,17 +7302,23 @@
               </a:spcAft>
               <a:buNone/>
             </a:pPr>
+            <a:r>
+              <a:t/>
+            </a:r>
+            <a:endParaRPr/>
           </a:p>
         </p:txBody>
       </p:sp>
       <p:pic>
         <p:nvPicPr>
-          <p:cNvPr id="133" name="Google Shape;133;p24"/>
+          <p:cNvPr id="134" name="Google Shape;134;p24"/>
           <p:cNvPicPr preferRelativeResize="0"/>
           <p:nvPr/>
         </p:nvPicPr>
         <p:blipFill>
-          <a:blip r:embed="rId1"/>
+          <a:blip r:embed="rId3">
+            <a:alphaModFix/>
+          </a:blip>
           <a:stretch>
             <a:fillRect/>
           </a:stretch>
@@ -7248,12 +7339,14 @@
       </p:pic>
       <p:pic>
         <p:nvPicPr>
-          <p:cNvPr id="134" name="Google Shape;134;p24"/>
+          <p:cNvPr id="135" name="Google Shape;135;p24"/>
           <p:cNvPicPr preferRelativeResize="0"/>
           <p:nvPr/>
         </p:nvPicPr>
         <p:blipFill>
-          <a:blip r:embed="rId2"/>
+          <a:blip r:embed="rId4">
+            <a:alphaModFix/>
+          </a:blip>
           <a:stretch>
             <a:fillRect/>
           </a:stretch>
@@ -7281,7 +7374,7 @@
 </file>
 
 <file path=ppt/slides/slide2.xml><?xml version="1.0" encoding="utf-8"?>
-<p:sld xmlns:a="http://schemas.openxmlformats.org/drawingml/2006/main" xmlns:r="http://schemas.openxmlformats.org/officeDocument/2006/relationships" xmlns:p="http://schemas.openxmlformats.org/presentationml/2006/main">
+<p:sld xmlns:a="http://schemas.openxmlformats.org/drawingml/2006/main" xmlns:r="http://schemas.openxmlformats.org/officeDocument/2006/relationships" xmlns:mc="http://schemas.openxmlformats.org/markup-compatibility/2006" xmlns:mv="urn:schemas-microsoft-com:mac:vml" xmlns:p="http://schemas.openxmlformats.org/presentationml/2006/main" xmlns:c="http://schemas.openxmlformats.org/drawingml/2006/chart" xmlns:dgm="http://schemas.openxmlformats.org/drawingml/2006/diagram" xmlns:o="urn:schemas-microsoft-com:office:office" xmlns:v="urn:schemas-microsoft-com:vml" xmlns:pvml="urn:schemas-microsoft-com:office:powerpoint" xmlns:com="http://schemas.openxmlformats.org/drawingml/2006/compatibility" xmlns:p14="http://schemas.microsoft.com/office/powerpoint/2010/main" xmlns:p15="http://schemas.microsoft.com/office/powerpoint/2012/main" xmlns:ahyp="http://schemas.microsoft.com/office/drawing/2018/hyperlinkcolor">
   <p:cSld>
     <p:spTree>
       <p:nvGrpSpPr>
@@ -7315,12 +7408,12 @@
           </a:prstGeom>
         </p:spPr>
         <p:txBody>
-          <a:bodyPr spcFirstLastPara="1" wrap="square" lIns="91425" tIns="91425" rIns="91425" bIns="91425" anchor="t" anchorCtr="0">
+          <a:bodyPr anchorCtr="0" anchor="t" bIns="91425" lIns="91425" spcFirstLastPara="1" rIns="91425" wrap="square" tIns="91425">
             <a:normAutofit fontScale="90000"/>
           </a:bodyPr>
           <a:lstStyle/>
           <a:p>
-            <a:pPr marL="0" lvl="0" indent="0" algn="l" rtl="0">
+            <a:pPr indent="0" lvl="0" marL="0" rtl="0" algn="l">
               <a:spcBef>
                 <a:spcPts val="0"/>
               </a:spcBef>
@@ -7333,7 +7426,7 @@
               <a:rPr lang="zh-CN"/>
               <a:t>NFT: Non-Fungible Token</a:t>
             </a:r>
-            <a:endParaRPr lang="zh-CN"/>
+            <a:endParaRPr/>
           </a:p>
         </p:txBody>
       </p:sp>
@@ -7342,7 +7435,7 @@
           <p:cNvPr id="61" name="Google Shape;61;p14"/>
           <p:cNvSpPr txBox="1"/>
           <p:nvPr>
-            <p:ph type="body" idx="1"/>
+            <p:ph idx="1" type="body"/>
           </p:nvPr>
         </p:nvSpPr>
         <p:spPr>
@@ -7355,12 +7448,12 @@
           </a:prstGeom>
         </p:spPr>
         <p:txBody>
-          <a:bodyPr spcFirstLastPara="1" wrap="square" lIns="91425" tIns="91425" rIns="91425" bIns="91425" anchor="t" anchorCtr="0">
+          <a:bodyPr anchorCtr="0" anchor="t" bIns="91425" lIns="91425" spcFirstLastPara="1" rIns="91425" wrap="square" tIns="91425">
             <a:normAutofit/>
           </a:bodyPr>
           <a:lstStyle/>
           <a:p>
-            <a:pPr marL="457200" lvl="0" indent="-342900" algn="l" rtl="0">
+            <a:pPr indent="-342900" lvl="0" marL="457200" rtl="0" algn="l">
               <a:spcBef>
                 <a:spcPts val="0"/>
               </a:spcBef>
@@ -7374,10 +7467,10 @@
               <a:rPr lang="zh-CN"/>
               <a:t>What is a Token？</a:t>
             </a:r>
-            <a:endParaRPr lang="zh-CN"/>
+            <a:endParaRPr/>
           </a:p>
           <a:p>
-            <a:pPr marL="914400" lvl="1" indent="-317500" algn="l" rtl="0">
+            <a:pPr indent="-317500" lvl="1" marL="914400" rtl="0" algn="l">
               <a:spcBef>
                 <a:spcPts val="0"/>
               </a:spcBef>
@@ -7391,10 +7484,10 @@
               <a:rPr lang="zh-CN"/>
               <a:t>a token represents ownership over digital or physical assets</a:t>
             </a:r>
-            <a:endParaRPr lang="zh-CN"/>
+            <a:endParaRPr/>
           </a:p>
           <a:p>
-            <a:pPr marL="914400" lvl="1" indent="-317500" algn="l" rtl="0">
+            <a:pPr indent="-317500" lvl="1" marL="914400" rtl="0" algn="l">
               <a:spcBef>
                 <a:spcPts val="0"/>
               </a:spcBef>
@@ -7408,10 +7501,10 @@
               <a:rPr lang="zh-CN"/>
               <a:t>such as：</a:t>
             </a:r>
-            <a:endParaRPr lang="zh-CN"/>
+            <a:endParaRPr/>
           </a:p>
           <a:p>
-            <a:pPr marL="0" lvl="0" indent="0" algn="l" rtl="0">
+            <a:pPr indent="0" lvl="0" marL="0" rtl="0" algn="l">
               <a:spcBef>
                 <a:spcPts val="1200"/>
               </a:spcBef>
@@ -7420,6 +7513,10 @@
               </a:spcAft>
               <a:buNone/>
             </a:pPr>
+            <a:r>
+              <a:t/>
+            </a:r>
+            <a:endParaRPr/>
           </a:p>
         </p:txBody>
       </p:sp>
@@ -7430,7 +7527,9 @@
           <p:nvPr/>
         </p:nvPicPr>
         <p:blipFill>
-          <a:blip r:embed="rId1"/>
+          <a:blip r:embed="rId3">
+            <a:alphaModFix/>
+          </a:blip>
           <a:stretch>
             <a:fillRect/>
           </a:stretch>
@@ -7458,7 +7557,7 @@
 </file>
 
 <file path=ppt/slides/slide3.xml><?xml version="1.0" encoding="utf-8"?>
-<p:sld xmlns:a="http://schemas.openxmlformats.org/drawingml/2006/main" xmlns:r="http://schemas.openxmlformats.org/officeDocument/2006/relationships" xmlns:p="http://schemas.openxmlformats.org/presentationml/2006/main">
+<p:sld xmlns:a="http://schemas.openxmlformats.org/drawingml/2006/main" xmlns:r="http://schemas.openxmlformats.org/officeDocument/2006/relationships" xmlns:mc="http://schemas.openxmlformats.org/markup-compatibility/2006" xmlns:mv="urn:schemas-microsoft-com:mac:vml" xmlns:p="http://schemas.openxmlformats.org/presentationml/2006/main" xmlns:c="http://schemas.openxmlformats.org/drawingml/2006/chart" xmlns:dgm="http://schemas.openxmlformats.org/drawingml/2006/diagram" xmlns:o="urn:schemas-microsoft-com:office:office" xmlns:v="urn:schemas-microsoft-com:vml" xmlns:pvml="urn:schemas-microsoft-com:office:powerpoint" xmlns:com="http://schemas.openxmlformats.org/drawingml/2006/compatibility" xmlns:p14="http://schemas.microsoft.com/office/powerpoint/2010/main" xmlns:p15="http://schemas.microsoft.com/office/powerpoint/2012/main" xmlns:ahyp="http://schemas.microsoft.com/office/drawing/2018/hyperlinkcolor">
   <p:cSld>
     <p:spTree>
       <p:nvGrpSpPr>
@@ -7492,12 +7591,12 @@
           </a:prstGeom>
         </p:spPr>
         <p:txBody>
-          <a:bodyPr spcFirstLastPara="1" wrap="square" lIns="91425" tIns="91425" rIns="91425" bIns="91425" anchor="t" anchorCtr="0">
+          <a:bodyPr anchorCtr="0" anchor="t" bIns="91425" lIns="91425" spcFirstLastPara="1" rIns="91425" wrap="square" tIns="91425">
             <a:normAutofit fontScale="90000"/>
           </a:bodyPr>
           <a:lstStyle/>
           <a:p>
-            <a:pPr marL="0" lvl="0" indent="0" algn="l" rtl="0">
+            <a:pPr indent="0" lvl="0" marL="0" rtl="0" algn="l">
               <a:spcBef>
                 <a:spcPts val="0"/>
               </a:spcBef>
@@ -7506,6 +7605,10 @@
               </a:spcAft>
               <a:buNone/>
             </a:pPr>
+            <a:r>
+              <a:t/>
+            </a:r>
+            <a:endParaRPr/>
           </a:p>
         </p:txBody>
       </p:sp>
@@ -7514,7 +7617,7 @@
           <p:cNvPr id="68" name="Google Shape;68;p15"/>
           <p:cNvSpPr txBox="1"/>
           <p:nvPr>
-            <p:ph type="body" idx="1"/>
+            <p:ph idx="1" type="body"/>
           </p:nvPr>
         </p:nvSpPr>
         <p:spPr>
@@ -7527,12 +7630,12 @@
           </a:prstGeom>
         </p:spPr>
         <p:txBody>
-          <a:bodyPr spcFirstLastPara="1" wrap="square" lIns="91425" tIns="91425" rIns="91425" bIns="91425" anchor="t" anchorCtr="0">
+          <a:bodyPr anchorCtr="0" anchor="t" bIns="91425" lIns="91425" spcFirstLastPara="1" rIns="91425" wrap="square" tIns="91425">
             <a:normAutofit/>
           </a:bodyPr>
           <a:lstStyle/>
           <a:p>
-            <a:pPr marL="457200" lvl="0" indent="-342900" algn="l" rtl="0">
+            <a:pPr indent="-342900" lvl="0" marL="457200" rtl="0" algn="l">
               <a:spcBef>
                 <a:spcPts val="0"/>
               </a:spcBef>
@@ -7550,10 +7653,10 @@
               <a:rPr lang="zh-CN"/>
               <a:t>okenization on Blockchain</a:t>
             </a:r>
-            <a:endParaRPr lang="zh-CN"/>
+            <a:endParaRPr/>
           </a:p>
           <a:p>
-            <a:pPr marL="0" lvl="0" indent="0" algn="l" rtl="0">
+            <a:pPr indent="0" lvl="0" marL="0" rtl="0" algn="l">
               <a:spcBef>
                 <a:spcPts val="1200"/>
               </a:spcBef>
@@ -7562,6 +7665,10 @@
               </a:spcAft>
               <a:buNone/>
             </a:pPr>
+            <a:r>
+              <a:t/>
+            </a:r>
+            <a:endParaRPr/>
           </a:p>
         </p:txBody>
       </p:sp>
@@ -7572,7 +7679,9 @@
           <p:nvPr/>
         </p:nvPicPr>
         <p:blipFill>
-          <a:blip r:embed="rId1"/>
+          <a:blip r:embed="rId3">
+            <a:alphaModFix/>
+          </a:blip>
           <a:stretch>
             <a:fillRect/>
           </a:stretch>
@@ -7600,7 +7709,7 @@
 </file>
 
 <file path=ppt/slides/slide4.xml><?xml version="1.0" encoding="utf-8"?>
-<p:sld xmlns:a="http://schemas.openxmlformats.org/drawingml/2006/main" xmlns:r="http://schemas.openxmlformats.org/officeDocument/2006/relationships" xmlns:p="http://schemas.openxmlformats.org/presentationml/2006/main">
+<p:sld xmlns:a="http://schemas.openxmlformats.org/drawingml/2006/main" xmlns:r="http://schemas.openxmlformats.org/officeDocument/2006/relationships" xmlns:mc="http://schemas.openxmlformats.org/markup-compatibility/2006" xmlns:mv="urn:schemas-microsoft-com:mac:vml" xmlns:p="http://schemas.openxmlformats.org/presentationml/2006/main" xmlns:c="http://schemas.openxmlformats.org/drawingml/2006/chart" xmlns:dgm="http://schemas.openxmlformats.org/drawingml/2006/diagram" xmlns:o="urn:schemas-microsoft-com:office:office" xmlns:v="urn:schemas-microsoft-com:vml" xmlns:pvml="urn:schemas-microsoft-com:office:powerpoint" xmlns:com="http://schemas.openxmlformats.org/drawingml/2006/compatibility" xmlns:p14="http://schemas.microsoft.com/office/powerpoint/2010/main" xmlns:p15="http://schemas.microsoft.com/office/powerpoint/2012/main" xmlns:ahyp="http://schemas.microsoft.com/office/drawing/2018/hyperlinkcolor">
   <p:cSld>
     <p:spTree>
       <p:nvGrpSpPr>
@@ -7634,12 +7743,12 @@
           </a:prstGeom>
         </p:spPr>
         <p:txBody>
-          <a:bodyPr spcFirstLastPara="1" wrap="square" lIns="91425" tIns="91425" rIns="91425" bIns="91425" anchor="t" anchorCtr="0">
+          <a:bodyPr anchorCtr="0" anchor="t" bIns="91425" lIns="91425" spcFirstLastPara="1" rIns="91425" wrap="square" tIns="91425">
             <a:normAutofit fontScale="90000"/>
           </a:bodyPr>
           <a:lstStyle/>
           <a:p>
-            <a:pPr marL="0" lvl="0" indent="0" algn="l" rtl="0">
+            <a:pPr indent="0" lvl="0" marL="0" rtl="0" algn="l">
               <a:spcBef>
                 <a:spcPts val="0"/>
               </a:spcBef>
@@ -7648,6 +7757,10 @@
               </a:spcAft>
               <a:buNone/>
             </a:pPr>
+            <a:r>
+              <a:t/>
+            </a:r>
+            <a:endParaRPr/>
           </a:p>
         </p:txBody>
       </p:sp>
@@ -7656,7 +7769,7 @@
           <p:cNvPr id="75" name="Google Shape;75;p16"/>
           <p:cNvSpPr txBox="1"/>
           <p:nvPr>
-            <p:ph type="body" idx="1"/>
+            <p:ph idx="1" type="body"/>
           </p:nvPr>
         </p:nvSpPr>
         <p:spPr>
@@ -7669,12 +7782,12 @@
           </a:prstGeom>
         </p:spPr>
         <p:txBody>
-          <a:bodyPr spcFirstLastPara="1" wrap="square" lIns="91425" tIns="91425" rIns="91425" bIns="91425" anchor="t" anchorCtr="0">
+          <a:bodyPr anchorCtr="0" anchor="t" bIns="91425" lIns="91425" spcFirstLastPara="1" rIns="91425" wrap="square" tIns="91425">
             <a:normAutofit/>
           </a:bodyPr>
           <a:lstStyle/>
           <a:p>
-            <a:pPr marL="457200" lvl="0" indent="-342900" algn="l" rtl="0">
+            <a:pPr indent="-342900" lvl="0" marL="457200" rtl="0" algn="l">
               <a:spcBef>
                 <a:spcPts val="0"/>
               </a:spcBef>
@@ -7692,7 +7805,7 @@
               <a:rPr lang="zh-CN"/>
               <a:t>oken</a:t>
             </a:r>
-            <a:endParaRPr lang="zh-CN"/>
+            <a:endParaRPr/>
           </a:p>
         </p:txBody>
       </p:sp>
@@ -7703,7 +7816,9 @@
           <p:nvPr/>
         </p:nvPicPr>
         <p:blipFill>
-          <a:blip r:embed="rId1"/>
+          <a:blip r:embed="rId3">
+            <a:alphaModFix/>
+          </a:blip>
           <a:stretch>
             <a:fillRect/>
           </a:stretch>
@@ -7731,7 +7846,7 @@
 </file>
 
 <file path=ppt/slides/slide5.xml><?xml version="1.0" encoding="utf-8"?>
-<p:sld xmlns:a="http://schemas.openxmlformats.org/drawingml/2006/main" xmlns:r="http://schemas.openxmlformats.org/officeDocument/2006/relationships" xmlns:p="http://schemas.openxmlformats.org/presentationml/2006/main">
+<p:sld xmlns:a="http://schemas.openxmlformats.org/drawingml/2006/main" xmlns:r="http://schemas.openxmlformats.org/officeDocument/2006/relationships" xmlns:mc="http://schemas.openxmlformats.org/markup-compatibility/2006" xmlns:mv="urn:schemas-microsoft-com:mac:vml" xmlns:p="http://schemas.openxmlformats.org/presentationml/2006/main" xmlns:c="http://schemas.openxmlformats.org/drawingml/2006/chart" xmlns:dgm="http://schemas.openxmlformats.org/drawingml/2006/diagram" xmlns:o="urn:schemas-microsoft-com:office:office" xmlns:v="urn:schemas-microsoft-com:vml" xmlns:pvml="urn:schemas-microsoft-com:office:powerpoint" xmlns:com="http://schemas.openxmlformats.org/drawingml/2006/compatibility" xmlns:p14="http://schemas.microsoft.com/office/powerpoint/2010/main" xmlns:p15="http://schemas.microsoft.com/office/powerpoint/2012/main" xmlns:ahyp="http://schemas.microsoft.com/office/drawing/2018/hyperlinkcolor">
   <p:cSld>
     <p:spTree>
       <p:nvGrpSpPr>
@@ -7765,12 +7880,12 @@
           </a:prstGeom>
         </p:spPr>
         <p:txBody>
-          <a:bodyPr spcFirstLastPara="1" wrap="square" lIns="91425" tIns="91425" rIns="91425" bIns="91425" anchor="t" anchorCtr="0">
+          <a:bodyPr anchorCtr="0" anchor="t" bIns="91425" lIns="91425" spcFirstLastPara="1" rIns="91425" wrap="square" tIns="91425">
             <a:normAutofit fontScale="90000"/>
           </a:bodyPr>
           <a:lstStyle/>
           <a:p>
-            <a:pPr marL="0" lvl="0" indent="0" algn="l" rtl="0">
+            <a:pPr indent="0" lvl="0" marL="0" rtl="0" algn="l">
               <a:spcBef>
                 <a:spcPts val="0"/>
               </a:spcBef>
@@ -7783,7 +7898,7 @@
               <a:rPr lang="zh-CN"/>
               <a:t>NFT Standard</a:t>
             </a:r>
-            <a:endParaRPr lang="zh-CN"/>
+            <a:endParaRPr/>
           </a:p>
         </p:txBody>
       </p:sp>
@@ -7792,7 +7907,7 @@
           <p:cNvPr id="82" name="Google Shape;82;p17"/>
           <p:cNvSpPr txBox="1"/>
           <p:nvPr>
-            <p:ph type="body" idx="1"/>
+            <p:ph idx="1" type="body"/>
           </p:nvPr>
         </p:nvSpPr>
         <p:spPr>
@@ -7805,12 +7920,12 @@
           </a:prstGeom>
         </p:spPr>
         <p:txBody>
-          <a:bodyPr spcFirstLastPara="1" wrap="square" lIns="91425" tIns="91425" rIns="91425" bIns="91425" anchor="t" anchorCtr="0">
+          <a:bodyPr anchorCtr="0" anchor="t" bIns="91425" lIns="91425" spcFirstLastPara="1" rIns="91425" wrap="square" tIns="91425">
             <a:normAutofit/>
           </a:bodyPr>
           <a:lstStyle/>
           <a:p>
-            <a:pPr marL="457200" lvl="0" indent="-342900" algn="l" rtl="0">
+            <a:pPr indent="-342900" lvl="0" marL="457200" rtl="0" algn="l">
               <a:spcBef>
                 <a:spcPts val="0"/>
               </a:spcBef>
@@ -7828,7 +7943,7 @@
               <a:rPr lang="zh-CN"/>
               <a:t>tandardized Token Specification</a:t>
             </a:r>
-            <a:endParaRPr lang="zh-CN"/>
+            <a:endParaRPr/>
           </a:p>
         </p:txBody>
       </p:sp>
@@ -7839,7 +7954,9 @@
           <p:nvPr/>
         </p:nvPicPr>
         <p:blipFill>
-          <a:blip r:embed="rId1"/>
+          <a:blip r:embed="rId3">
+            <a:alphaModFix/>
+          </a:blip>
           <a:stretch>
             <a:fillRect/>
           </a:stretch>
@@ -7878,12 +7995,12 @@
           </a:ln>
         </p:spPr>
         <p:txBody>
-          <a:bodyPr spcFirstLastPara="1" wrap="square" lIns="91425" tIns="91425" rIns="91425" bIns="91425" anchor="t" anchorCtr="0">
+          <a:bodyPr anchorCtr="0" anchor="t" bIns="91425" lIns="91425" spcFirstLastPara="1" rIns="91425" wrap="square" tIns="91425">
             <a:spAutoFit/>
           </a:bodyPr>
           <a:lstStyle/>
           <a:p>
-            <a:pPr marL="0" lvl="0" indent="0" algn="l" rtl="0">
+            <a:pPr indent="0" lvl="0" marL="0" rtl="0" algn="l">
               <a:spcBef>
                 <a:spcPts val="0"/>
               </a:spcBef>
@@ -7917,7 +8034,7 @@
 </file>
 
 <file path=ppt/slides/slide6.xml><?xml version="1.0" encoding="utf-8"?>
-<p:sld xmlns:a="http://schemas.openxmlformats.org/drawingml/2006/main" xmlns:r="http://schemas.openxmlformats.org/officeDocument/2006/relationships" xmlns:p="http://schemas.openxmlformats.org/presentationml/2006/main">
+<p:sld xmlns:a="http://schemas.openxmlformats.org/drawingml/2006/main" xmlns:r="http://schemas.openxmlformats.org/officeDocument/2006/relationships" xmlns:mc="http://schemas.openxmlformats.org/markup-compatibility/2006" xmlns:mv="urn:schemas-microsoft-com:mac:vml" xmlns:p="http://schemas.openxmlformats.org/presentationml/2006/main" xmlns:c="http://schemas.openxmlformats.org/drawingml/2006/chart" xmlns:dgm="http://schemas.openxmlformats.org/drawingml/2006/diagram" xmlns:o="urn:schemas-microsoft-com:office:office" xmlns:v="urn:schemas-microsoft-com:vml" xmlns:pvml="urn:schemas-microsoft-com:office:powerpoint" xmlns:com="http://schemas.openxmlformats.org/drawingml/2006/compatibility" xmlns:p14="http://schemas.microsoft.com/office/powerpoint/2010/main" xmlns:p15="http://schemas.microsoft.com/office/powerpoint/2012/main" xmlns:ahyp="http://schemas.microsoft.com/office/drawing/2018/hyperlinkcolor">
   <p:cSld>
     <p:spTree>
       <p:nvGrpSpPr>
@@ -7951,12 +8068,12 @@
           </a:prstGeom>
         </p:spPr>
         <p:txBody>
-          <a:bodyPr spcFirstLastPara="1" wrap="square" lIns="91425" tIns="91425" rIns="91425" bIns="91425" anchor="t" anchorCtr="0">
+          <a:bodyPr anchorCtr="0" anchor="t" bIns="91425" lIns="91425" spcFirstLastPara="1" rIns="91425" wrap="square" tIns="91425">
             <a:normAutofit fontScale="90000"/>
           </a:bodyPr>
           <a:lstStyle/>
           <a:p>
-            <a:pPr marL="0" lvl="0" indent="0" algn="l" rtl="0">
+            <a:pPr indent="0" lvl="0" marL="0" rtl="0" algn="l">
               <a:spcBef>
                 <a:spcPts val="0"/>
               </a:spcBef>
@@ -7965,6 +8082,10 @@
               </a:spcAft>
               <a:buNone/>
             </a:pPr>
+            <a:r>
+              <a:t/>
+            </a:r>
+            <a:endParaRPr/>
           </a:p>
         </p:txBody>
       </p:sp>
@@ -7973,7 +8094,7 @@
           <p:cNvPr id="90" name="Google Shape;90;p18"/>
           <p:cNvSpPr txBox="1"/>
           <p:nvPr>
-            <p:ph type="body" idx="1"/>
+            <p:ph idx="1" type="body"/>
           </p:nvPr>
         </p:nvSpPr>
         <p:spPr>
@@ -7986,12 +8107,12 @@
           </a:prstGeom>
         </p:spPr>
         <p:txBody>
-          <a:bodyPr spcFirstLastPara="1" wrap="square" lIns="91425" tIns="91425" rIns="91425" bIns="91425" anchor="t" anchorCtr="0">
+          <a:bodyPr anchorCtr="0" anchor="t" bIns="91425" lIns="91425" spcFirstLastPara="1" rIns="91425" wrap="square" tIns="91425">
             <a:normAutofit lnSpcReduction="20000"/>
           </a:bodyPr>
           <a:lstStyle/>
           <a:p>
-            <a:pPr marL="457200" lvl="0" indent="-342900" algn="l" rtl="0">
+            <a:pPr indent="-342900" lvl="0" marL="457200" rtl="0" algn="l">
               <a:spcBef>
                 <a:spcPts val="0"/>
               </a:spcBef>
@@ -8009,10 +8130,10 @@
               <a:rPr lang="zh-CN"/>
               <a:t> Smart Contract in Hyperledger Fabric</a:t>
             </a:r>
-            <a:endParaRPr lang="zh-CN"/>
+            <a:endParaRPr/>
           </a:p>
           <a:p>
-            <a:pPr marL="914400" lvl="1" indent="-317500" algn="l" rtl="0">
+            <a:pPr indent="-317500" lvl="1" marL="914400" rtl="0" algn="l">
               <a:spcBef>
                 <a:spcPts val="0"/>
               </a:spcBef>
@@ -8026,10 +8147,10 @@
               <a:rPr lang="zh-CN"/>
               <a:t>Hyperledger Fabric is suitable for a use case that requires legal identities and clear governance</a:t>
             </a:r>
-            <a:endParaRPr lang="zh-CN"/>
+            <a:endParaRPr/>
           </a:p>
           <a:p>
-            <a:pPr marL="914400" lvl="1" indent="-317500" algn="l" rtl="0">
+            <a:pPr indent="-317500" lvl="1" marL="914400" rtl="0" algn="l">
               <a:spcBef>
                 <a:spcPts val="0"/>
               </a:spcBef>
@@ -8043,10 +8164,10 @@
               <a:rPr lang="zh-CN"/>
               <a:t>Identity Management：</a:t>
             </a:r>
-            <a:endParaRPr lang="zh-CN"/>
+            <a:endParaRPr/>
           </a:p>
           <a:p>
-            <a:pPr marL="1371600" lvl="2" indent="-317500" algn="l" rtl="0">
+            <a:pPr indent="-317500" lvl="2" marL="1371600" rtl="0" algn="l">
               <a:spcBef>
                 <a:spcPts val="0"/>
               </a:spcBef>
@@ -8061,17 +8182,17 @@
               <a:t>User </a:t>
             </a:r>
             <a:r>
-              <a:rPr lang="zh-CN" b="1"/>
+              <a:rPr b="1" lang="zh-CN"/>
               <a:t>accounts</a:t>
             </a:r>
             <a:r>
               <a:rPr lang="zh-CN"/>
               <a:t> are linked to Client Identities issued by organizations</a:t>
             </a:r>
-            <a:endParaRPr lang="zh-CN"/>
+            <a:endParaRPr/>
           </a:p>
           <a:p>
-            <a:pPr marL="1371600" lvl="2" indent="-317500" algn="l" rtl="0">
+            <a:pPr indent="-317500" lvl="2" marL="1371600" rtl="0" algn="l">
               <a:spcBef>
                 <a:spcPts val="0"/>
               </a:spcBef>
@@ -8085,7 +8206,7 @@
               <a:rPr lang="zh-CN"/>
               <a:t>Each organization has a Certificate Authority to register and enroll users</a:t>
             </a:r>
-            <a:endParaRPr lang="zh-CN"/>
+            <a:endParaRPr/>
           </a:p>
         </p:txBody>
       </p:sp>
@@ -8096,7 +8217,9 @@
           <p:nvPr/>
         </p:nvPicPr>
         <p:blipFill>
-          <a:blip r:embed="rId1"/>
+          <a:blip r:embed="rId3">
+            <a:alphaModFix/>
+          </a:blip>
           <a:stretch>
             <a:fillRect/>
           </a:stretch>
@@ -8124,7 +8247,7 @@
 </file>
 
 <file path=ppt/slides/slide7.xml><?xml version="1.0" encoding="utf-8"?>
-<p:sld xmlns:a="http://schemas.openxmlformats.org/drawingml/2006/main" xmlns:r="http://schemas.openxmlformats.org/officeDocument/2006/relationships" xmlns:p="http://schemas.openxmlformats.org/presentationml/2006/main">
+<p:sld xmlns:a="http://schemas.openxmlformats.org/drawingml/2006/main" xmlns:r="http://schemas.openxmlformats.org/officeDocument/2006/relationships" xmlns:mc="http://schemas.openxmlformats.org/markup-compatibility/2006" xmlns:mv="urn:schemas-microsoft-com:mac:vml" xmlns:p="http://schemas.openxmlformats.org/presentationml/2006/main" xmlns:c="http://schemas.openxmlformats.org/drawingml/2006/chart" xmlns:dgm="http://schemas.openxmlformats.org/drawingml/2006/diagram" xmlns:o="urn:schemas-microsoft-com:office:office" xmlns:v="urn:schemas-microsoft-com:vml" xmlns:pvml="urn:schemas-microsoft-com:office:powerpoint" xmlns:com="http://schemas.openxmlformats.org/drawingml/2006/compatibility" xmlns:p14="http://schemas.microsoft.com/office/powerpoint/2010/main" xmlns:p15="http://schemas.microsoft.com/office/powerpoint/2012/main" xmlns:ahyp="http://schemas.microsoft.com/office/drawing/2018/hyperlinkcolor">
   <p:cSld>
     <p:spTree>
       <p:nvGrpSpPr>
@@ -8158,12 +8281,12 @@
           </a:prstGeom>
         </p:spPr>
         <p:txBody>
-          <a:bodyPr spcFirstLastPara="1" wrap="square" lIns="91425" tIns="91425" rIns="91425" bIns="91425" anchor="t" anchorCtr="0">
+          <a:bodyPr anchorCtr="0" anchor="t" bIns="91425" lIns="91425" spcFirstLastPara="1" rIns="91425" wrap="square" tIns="91425">
             <a:normAutofit fontScale="90000"/>
           </a:bodyPr>
           <a:lstStyle/>
           <a:p>
-            <a:pPr marL="0" lvl="0" indent="0" algn="l" rtl="0">
+            <a:pPr indent="0" lvl="0" marL="0" rtl="0" algn="l">
               <a:spcBef>
                 <a:spcPts val="0"/>
               </a:spcBef>
@@ -8172,6 +8295,10 @@
               </a:spcAft>
               <a:buNone/>
             </a:pPr>
+            <a:r>
+              <a:t/>
+            </a:r>
+            <a:endParaRPr/>
           </a:p>
         </p:txBody>
       </p:sp>
@@ -8180,7 +8307,7 @@
           <p:cNvPr id="97" name="Google Shape;97;p19"/>
           <p:cNvSpPr txBox="1"/>
           <p:nvPr>
-            <p:ph type="body" idx="1"/>
+            <p:ph idx="1" type="body"/>
           </p:nvPr>
         </p:nvSpPr>
         <p:spPr>
@@ -8193,12 +8320,12 @@
           </a:prstGeom>
         </p:spPr>
         <p:txBody>
-          <a:bodyPr spcFirstLastPara="1" wrap="square" lIns="91425" tIns="91425" rIns="91425" bIns="91425" anchor="t" anchorCtr="0">
+          <a:bodyPr anchorCtr="0" anchor="t" bIns="91425" lIns="91425" spcFirstLastPara="1" rIns="91425" wrap="square" tIns="91425">
             <a:normAutofit/>
           </a:bodyPr>
           <a:lstStyle/>
           <a:p>
-            <a:pPr marL="1371600" lvl="1" indent="-317500" algn="l" rtl="0">
+            <a:pPr indent="-317500" lvl="1" marL="1371600" rtl="0" algn="l">
               <a:spcBef>
                 <a:spcPts val="0"/>
               </a:spcBef>
@@ -8212,10 +8339,10 @@
               <a:rPr lang="zh-CN"/>
               <a:t>Access Control：</a:t>
             </a:r>
-            <a:endParaRPr lang="zh-CN"/>
+            <a:endParaRPr/>
           </a:p>
           <a:p>
-            <a:pPr marL="1828800" lvl="2" indent="-317500" algn="l" rtl="0">
+            <a:pPr indent="-317500" lvl="2" marL="1828800" rtl="0" algn="l">
               <a:spcBef>
                 <a:spcPts val="0"/>
               </a:spcBef>
@@ -8233,10 +8360,10 @@
               <a:rPr lang="zh-CN"/>
               <a:t>（organization） or identity</a:t>
             </a:r>
-            <a:endParaRPr lang="zh-CN"/>
+            <a:endParaRPr/>
           </a:p>
           <a:p>
-            <a:pPr marL="2286000" lvl="3" indent="-317500" algn="l" rtl="0">
+            <a:pPr indent="-317500" lvl="3" marL="2286000" rtl="0" algn="l">
               <a:spcBef>
                 <a:spcPts val="0"/>
               </a:spcBef>
@@ -8251,17 +8378,17 @@
               <a:t>only identities from permitted organizations can </a:t>
             </a:r>
             <a:r>
-              <a:rPr lang="zh-CN" b="1"/>
+              <a:rPr b="1" lang="zh-CN"/>
               <a:t>issue and redeem</a:t>
             </a:r>
             <a:r>
               <a:rPr lang="zh-CN"/>
               <a:t> tokens</a:t>
             </a:r>
-            <a:endParaRPr lang="zh-CN"/>
+            <a:endParaRPr/>
           </a:p>
           <a:p>
-            <a:pPr marL="2286000" lvl="3" indent="-317500" algn="l" rtl="0">
+            <a:pPr indent="-317500" lvl="3" marL="2286000" rtl="0" algn="l">
               <a:spcBef>
                 <a:spcPts val="0"/>
               </a:spcBef>
@@ -8276,14 +8403,14 @@
               <a:t>only the owner or permissioned 3rd party can </a:t>
             </a:r>
             <a:r>
-              <a:rPr lang="zh-CN" b="1"/>
+              <a:rPr b="1" lang="zh-CN"/>
               <a:t>transfer</a:t>
             </a:r>
             <a:r>
               <a:rPr lang="zh-CN"/>
               <a:t> tokens</a:t>
             </a:r>
-            <a:endParaRPr lang="zh-CN"/>
+            <a:endParaRPr/>
           </a:p>
         </p:txBody>
       </p:sp>
@@ -8294,7 +8421,9 @@
           <p:nvPr/>
         </p:nvPicPr>
         <p:blipFill>
-          <a:blip r:embed="rId1"/>
+          <a:blip r:embed="rId3">
+            <a:alphaModFix/>
+          </a:blip>
           <a:stretch>
             <a:fillRect/>
           </a:stretch>
@@ -8322,7 +8451,7 @@
 </file>
 
 <file path=ppt/slides/slide8.xml><?xml version="1.0" encoding="utf-8"?>
-<p:sld xmlns:a="http://schemas.openxmlformats.org/drawingml/2006/main" xmlns:r="http://schemas.openxmlformats.org/officeDocument/2006/relationships" xmlns:p="http://schemas.openxmlformats.org/presentationml/2006/main">
+<p:sld xmlns:a="http://schemas.openxmlformats.org/drawingml/2006/main" xmlns:r="http://schemas.openxmlformats.org/officeDocument/2006/relationships" xmlns:mc="http://schemas.openxmlformats.org/markup-compatibility/2006" xmlns:mv="urn:schemas-microsoft-com:mac:vml" xmlns:p="http://schemas.openxmlformats.org/presentationml/2006/main" xmlns:c="http://schemas.openxmlformats.org/drawingml/2006/chart" xmlns:dgm="http://schemas.openxmlformats.org/drawingml/2006/diagram" xmlns:o="urn:schemas-microsoft-com:office:office" xmlns:v="urn:schemas-microsoft-com:vml" xmlns:pvml="urn:schemas-microsoft-com:office:powerpoint" xmlns:com="http://schemas.openxmlformats.org/drawingml/2006/compatibility" xmlns:p14="http://schemas.microsoft.com/office/powerpoint/2010/main" xmlns:p15="http://schemas.microsoft.com/office/powerpoint/2012/main" xmlns:ahyp="http://schemas.microsoft.com/office/drawing/2018/hyperlinkcolor">
   <p:cSld>
     <p:spTree>
       <p:nvGrpSpPr>
@@ -8356,12 +8485,12 @@
           </a:prstGeom>
         </p:spPr>
         <p:txBody>
-          <a:bodyPr spcFirstLastPara="1" wrap="square" lIns="91425" tIns="91425" rIns="91425" bIns="91425" anchor="t" anchorCtr="0">
+          <a:bodyPr anchorCtr="0" anchor="t" bIns="91425" lIns="91425" spcFirstLastPara="1" rIns="91425" wrap="square" tIns="91425">
             <a:normAutofit fontScale="90000"/>
           </a:bodyPr>
           <a:lstStyle/>
           <a:p>
-            <a:pPr marL="0" lvl="0" indent="0" algn="l" rtl="0">
+            <a:pPr indent="0" lvl="0" marL="0" rtl="0" algn="l">
               <a:spcBef>
                 <a:spcPts val="0"/>
               </a:spcBef>
@@ -8378,7 +8507,7 @@
               <a:rPr lang="zh-CN"/>
               <a:t>for NFT Smart Contract</a:t>
             </a:r>
-            <a:endParaRPr lang="zh-CN"/>
+            <a:endParaRPr/>
           </a:p>
         </p:txBody>
       </p:sp>
@@ -8387,25 +8516,25 @@
           <p:cNvPr id="104" name="Google Shape;104;p20"/>
           <p:cNvSpPr txBox="1"/>
           <p:nvPr>
-            <p:ph type="body" idx="1"/>
+            <p:ph idx="1" type="body"/>
           </p:nvPr>
         </p:nvSpPr>
         <p:spPr>
           <a:xfrm>
-            <a:off x="311785" y="1076325"/>
-            <a:ext cx="8520430" cy="3926205"/>
+            <a:off x="311700" y="1152475"/>
+            <a:ext cx="8520600" cy="3640800"/>
           </a:xfrm>
           <a:prstGeom prst="rect">
             <a:avLst/>
           </a:prstGeom>
         </p:spPr>
         <p:txBody>
-          <a:bodyPr spcFirstLastPara="1" wrap="square" lIns="91425" tIns="91425" rIns="91425" bIns="91425" anchor="t" anchorCtr="0">
-            <a:normAutofit fontScale="75000" lnSpcReduction="10000"/>
+          <a:bodyPr anchorCtr="0" anchor="t" bIns="91425" lIns="91425" spcFirstLastPara="1" rIns="91425" wrap="square" tIns="91425">
+            <a:normAutofit fontScale="85000" lnSpcReduction="10000"/>
           </a:bodyPr>
           <a:lstStyle/>
           <a:p>
-            <a:pPr marL="457200" lvl="0" indent="-325755" algn="l" rtl="0">
+            <a:pPr indent="-325755" lvl="0" marL="457200" rtl="0" algn="l">
               <a:spcBef>
                 <a:spcPts val="0"/>
               </a:spcBef>
@@ -8419,10 +8548,10 @@
               <a:rPr lang="zh-CN"/>
               <a:t>Why off-chain storage counts?</a:t>
             </a:r>
-            <a:endParaRPr lang="zh-CN"/>
+            <a:endParaRPr/>
           </a:p>
           <a:p>
-            <a:pPr marL="914400" lvl="1" indent="-304165" algn="l" rtl="0">
+            <a:pPr indent="-304165" lvl="1" marL="914400" rtl="0" algn="l">
               <a:spcBef>
                 <a:spcPts val="0"/>
               </a:spcBef>
@@ -8433,7 +8562,7 @@
               <a:buChar char="○"/>
             </a:pPr>
             <a:r>
-              <a:rPr lang="zh-CN" b="1"/>
+              <a:rPr b="1" lang="zh-CN"/>
               <a:t>Expensive on-chain storage</a:t>
             </a:r>
             <a:r>
@@ -8444,10 +8573,10 @@
               <a:rPr lang="zh-CN"/>
               <a:t>data needs to be processed, verified, and replicated across the entire blockchain network</a:t>
             </a:r>
-            <a:endParaRPr lang="zh-CN"/>
+            <a:endParaRPr/>
           </a:p>
           <a:p>
-            <a:pPr marL="914400" lvl="1" indent="-304165" algn="l" rtl="0">
+            <a:pPr indent="-304165" lvl="1" marL="914400" rtl="0" algn="l">
               <a:spcBef>
                 <a:spcPts val="0"/>
               </a:spcBef>
@@ -8458,7 +8587,7 @@
               <a:buChar char="○"/>
             </a:pPr>
             <a:r>
-              <a:rPr lang="zh-CN" b="1"/>
+              <a:rPr b="1" lang="zh-CN"/>
               <a:t>Need of store each NFT</a:t>
             </a:r>
             <a:r>
@@ -8469,10 +8598,10 @@
               <a:rPr lang="zh-CN"/>
               <a:t>each NFT is unique, they're owned and traded individually, means store individually</a:t>
             </a:r>
-            <a:endParaRPr lang="zh-CN"/>
+            <a:endParaRPr/>
           </a:p>
           <a:p>
-            <a:pPr marL="914400" lvl="1" indent="-304165" algn="l" rtl="0">
+            <a:pPr indent="-304165" lvl="1" marL="914400" rtl="0" algn="l">
               <a:spcBef>
                 <a:spcPts val="0"/>
               </a:spcBef>
@@ -8483,17 +8612,17 @@
               <a:buChar char="○"/>
             </a:pPr>
             <a:r>
-              <a:rPr lang="zh-CN" b="1"/>
+              <a:rPr b="1" lang="zh-CN"/>
               <a:t>Need of store linked data</a:t>
             </a:r>
             <a:r>
               <a:rPr lang="zh-CN"/>
               <a:t>: NFT has the ability to link data, such as digital collectibles or artwork</a:t>
             </a:r>
-            <a:endParaRPr lang="zh-CN"/>
+            <a:endParaRPr/>
           </a:p>
           <a:p>
-            <a:pPr marL="457200" lvl="0" indent="-325755" algn="l" rtl="0">
+            <a:pPr indent="-325755" lvl="0" marL="457200" rtl="0" algn="l">
               <a:spcBef>
                 <a:spcPts val="0"/>
               </a:spcBef>
@@ -8515,10 +8644,10 @@
               <a:rPr lang="zh-CN"/>
               <a:t>(store off-chain data in remote server or local storage) aren't a great fit?</a:t>
             </a:r>
-            <a:endParaRPr lang="zh-CN"/>
+            <a:endParaRPr/>
           </a:p>
           <a:p>
-            <a:pPr marL="914400" lvl="1" indent="-304165" algn="l" rtl="0">
+            <a:pPr indent="-304165" lvl="1" marL="914400" rtl="0" algn="l">
               <a:spcBef>
                 <a:spcPts val="0"/>
               </a:spcBef>
@@ -8532,10 +8661,10 @@
               <a:rPr lang="zh-CN"/>
               <a:t>Lack of integrity guarantee</a:t>
             </a:r>
-            <a:endParaRPr lang="zh-CN"/>
+            <a:endParaRPr/>
           </a:p>
           <a:p>
-            <a:pPr marL="1371600" lvl="2" indent="-304165" algn="l" rtl="0">
+            <a:pPr indent="-304164" lvl="2" marL="1371600" rtl="0" algn="l">
               <a:spcBef>
                 <a:spcPts val="0"/>
               </a:spcBef>
@@ -8550,18 +8679,14 @@
                 <a:solidFill>
                   <a:schemeClr val="hlink"/>
                 </a:solidFill>
-                <a:hlinkClick r:id="rId1"/>
+                <a:hlinkClick r:id="rId3"/>
               </a:rPr>
               <a:t>an artist changed his NFT images after they were minted and sold</a:t>
             </a:r>
-            <a:endParaRPr lang="zh-CN" u="sng">
-              <a:solidFill>
-                <a:schemeClr val="hlink"/>
-              </a:solidFill>
-            </a:endParaRPr>
+            <a:endParaRPr/>
           </a:p>
           <a:p>
-            <a:pPr marL="457200" lvl="0" indent="-325755" algn="l" rtl="0">
+            <a:pPr indent="-325755" lvl="0" marL="457200" rtl="0" algn="l">
               <a:spcBef>
                 <a:spcPts val="0"/>
               </a:spcBef>
@@ -8575,10 +8700,10 @@
               <a:rPr lang="zh-CN" sz="1800"/>
               <a:t>How IPFS helps?</a:t>
             </a:r>
-            <a:endParaRPr lang="zh-CN" sz="1800"/>
+            <a:endParaRPr/>
           </a:p>
           <a:p>
-            <a:pPr marL="914400" lvl="1" indent="-304165" algn="l" rtl="0">
+            <a:pPr indent="-304165" lvl="1" marL="914400" rtl="0" algn="l">
               <a:spcBef>
                 <a:spcPts val="0"/>
               </a:spcBef>
@@ -8592,10 +8717,10 @@
               <a:rPr lang="zh-CN"/>
               <a:t>Content-based Addressing</a:t>
             </a:r>
-            <a:endParaRPr lang="zh-CN"/>
+            <a:endParaRPr/>
           </a:p>
           <a:p>
-            <a:pPr marL="914400" lvl="1" indent="-304165" algn="l" rtl="0">
+            <a:pPr indent="-304165" lvl="1" marL="914400" rtl="0" algn="l">
               <a:spcBef>
                 <a:spcPts val="0"/>
               </a:spcBef>
@@ -8610,13 +8735,13 @@
               <a:t>With a content identifier(CID), user can fetch the data from  any IPFS node in the network, and verify the data integrity with CID -&gt; </a:t>
             </a:r>
             <a:r>
-              <a:rPr lang="zh-CN" b="1"/>
+              <a:rPr b="1" lang="zh-CN"/>
               <a:t>Integrity guarantee</a:t>
             </a:r>
             <a:endParaRPr b="1"/>
           </a:p>
           <a:p>
-            <a:pPr marL="914400" lvl="1" indent="-304165" algn="l" rtl="0">
+            <a:pPr indent="-304165" lvl="1" marL="914400" rtl="0" algn="l">
               <a:spcBef>
                 <a:spcPts val="0"/>
               </a:spcBef>
@@ -8628,16 +8753,16 @@
             </a:pPr>
             <a:r>
               <a:rPr lang="zh-CN"/>
-              <a:t>IPFS node keep a local copy of data, temporarily or permanently, partially of entirely, after fetching -&gt; </a:t>
-            </a:r>
-            <a:r>
-              <a:rPr lang="zh-CN" b="1"/>
+              <a:t>Each IPFS node can keep a local copy of data, temporarily or permanently, partially of entirely after fetching -&gt; </a:t>
+            </a:r>
+            <a:r>
+              <a:rPr b="1" lang="zh-CN"/>
               <a:t>persistence and avalibility</a:t>
             </a:r>
             <a:endParaRPr b="1"/>
           </a:p>
           <a:p>
-            <a:pPr marL="914400" lvl="1" indent="-304165" algn="l" rtl="0">
+            <a:pPr indent="-304165" lvl="1" marL="914400" rtl="0" algn="l">
               <a:spcBef>
                 <a:spcPts val="0"/>
               </a:spcBef>
@@ -8652,7 +8777,7 @@
               <a:t>With multiple nodes stores the requested data, IPFS fetch from closer node or from multiple node at the same time -&gt; </a:t>
             </a:r>
             <a:r>
-              <a:rPr lang="zh-CN" b="1"/>
+              <a:rPr b="1" lang="zh-CN"/>
               <a:t>throughput</a:t>
             </a:r>
             <a:endParaRPr b="1"/>
@@ -8668,7 +8793,7 @@
 </file>
 
 <file path=ppt/slides/slide9.xml><?xml version="1.0" encoding="utf-8"?>
-<p:sld xmlns:a="http://schemas.openxmlformats.org/drawingml/2006/main" xmlns:r="http://schemas.openxmlformats.org/officeDocument/2006/relationships" xmlns:p="http://schemas.openxmlformats.org/presentationml/2006/main">
+<p:sld xmlns:a="http://schemas.openxmlformats.org/drawingml/2006/main" xmlns:r="http://schemas.openxmlformats.org/officeDocument/2006/relationships" xmlns:mc="http://schemas.openxmlformats.org/markup-compatibility/2006" xmlns:mv="urn:schemas-microsoft-com:mac:vml" xmlns:p="http://schemas.openxmlformats.org/presentationml/2006/main" xmlns:c="http://schemas.openxmlformats.org/drawingml/2006/chart" xmlns:dgm="http://schemas.openxmlformats.org/drawingml/2006/diagram" xmlns:o="urn:schemas-microsoft-com:office:office" xmlns:v="urn:schemas-microsoft-com:vml" xmlns:pvml="urn:schemas-microsoft-com:office:powerpoint" xmlns:com="http://schemas.openxmlformats.org/drawingml/2006/compatibility" xmlns:p14="http://schemas.microsoft.com/office/powerpoint/2010/main" xmlns:p15="http://schemas.microsoft.com/office/powerpoint/2012/main" xmlns:ahyp="http://schemas.microsoft.com/office/drawing/2018/hyperlinkcolor">
   <p:cSld>
     <p:spTree>
       <p:nvGrpSpPr>
@@ -8702,12 +8827,12 @@
           </a:prstGeom>
         </p:spPr>
         <p:txBody>
-          <a:bodyPr spcFirstLastPara="1" wrap="square" lIns="91425" tIns="91425" rIns="91425" bIns="91425" anchor="t" anchorCtr="0">
+          <a:bodyPr anchorCtr="0" anchor="t" bIns="91425" lIns="91425" spcFirstLastPara="1" rIns="91425" wrap="square" tIns="91425">
             <a:normAutofit fontScale="90000"/>
           </a:bodyPr>
           <a:lstStyle/>
           <a:p>
-            <a:pPr marL="0" lvl="0" indent="0" algn="l" rtl="0">
+            <a:pPr indent="0" lvl="0" marL="0" rtl="0" algn="l">
               <a:spcBef>
                 <a:spcPts val="0"/>
               </a:spcBef>
@@ -8724,10 +8849,10 @@
               <a:rPr lang="zh-CN"/>
               <a:t>ystem Architecture</a:t>
             </a:r>
-            <a:endParaRPr lang="zh-CN"/>
+            <a:endParaRPr/>
           </a:p>
           <a:p>
-            <a:pPr marL="0" lvl="0" indent="0" algn="l" rtl="0">
+            <a:pPr indent="0" lvl="0" marL="0" rtl="0" algn="l">
               <a:spcBef>
                 <a:spcPts val="0"/>
               </a:spcBef>
@@ -8736,6 +8861,10 @@
               </a:spcAft>
               <a:buNone/>
             </a:pPr>
+            <a:r>
+              <a:t/>
+            </a:r>
+            <a:endParaRPr/>
           </a:p>
         </p:txBody>
       </p:sp>
@@ -8744,7 +8873,7 @@
           <p:cNvPr id="110" name="Google Shape;110;p21"/>
           <p:cNvSpPr txBox="1"/>
           <p:nvPr>
-            <p:ph type="body" idx="1"/>
+            <p:ph idx="1" type="body"/>
           </p:nvPr>
         </p:nvSpPr>
         <p:spPr>
@@ -8757,12 +8886,12 @@
           </a:prstGeom>
         </p:spPr>
         <p:txBody>
-          <a:bodyPr spcFirstLastPara="1" wrap="square" lIns="91425" tIns="91425" rIns="91425" bIns="91425" anchor="t" anchorCtr="0">
+          <a:bodyPr anchorCtr="0" anchor="t" bIns="91425" lIns="91425" spcFirstLastPara="1" rIns="91425" wrap="square" tIns="91425">
             <a:normAutofit/>
           </a:bodyPr>
           <a:lstStyle/>
           <a:p>
-            <a:pPr marL="0" lvl="0" indent="0" algn="l" rtl="0">
+            <a:pPr indent="0" lvl="0" marL="0" rtl="0" algn="l">
               <a:spcBef>
                 <a:spcPts val="0"/>
               </a:spcBef>
@@ -8771,6 +8900,10 @@
               </a:spcAft>
               <a:buNone/>
             </a:pPr>
+            <a:r>
+              <a:t/>
+            </a:r>
+            <a:endParaRPr/>
           </a:p>
         </p:txBody>
       </p:sp>
@@ -8781,14 +8914,16 @@
           <p:nvPr/>
         </p:nvPicPr>
         <p:blipFill>
-          <a:blip r:embed="rId1"/>
+          <a:blip r:embed="rId3">
+            <a:alphaModFix/>
+          </a:blip>
           <a:stretch>
             <a:fillRect/>
           </a:stretch>
         </p:blipFill>
         <p:spPr>
           <a:xfrm>
-            <a:off x="1254638" y="1017855"/>
+            <a:off x="1254638" y="1152475"/>
             <a:ext cx="6634711" cy="3991025"/>
           </a:xfrm>
           <a:prstGeom prst="rect">
@@ -8809,7 +8944,286 @@
 </file>
 
 <file path=ppt/theme/theme1.xml><?xml version="1.0" encoding="utf-8"?>
-<a:theme xmlns:a="http://schemas.openxmlformats.org/drawingml/2006/main" name="Simple Light">
+<a:theme xmlns:a="http://schemas.openxmlformats.org/drawingml/2006/main" xmlns:r="http://schemas.openxmlformats.org/officeDocument/2006/relationships">
+  <a:themeElements>
+    <a:clrScheme name="Default">
+      <a:dk1>
+        <a:srgbClr val="000000"/>
+      </a:dk1>
+      <a:lt1>
+        <a:srgbClr val="FFFFFF"/>
+      </a:lt1>
+      <a:dk2>
+        <a:srgbClr val="158158"/>
+      </a:dk2>
+      <a:lt2>
+        <a:srgbClr val="F3F3F3"/>
+      </a:lt2>
+      <a:accent1>
+        <a:srgbClr val="058DC7"/>
+      </a:accent1>
+      <a:accent2>
+        <a:srgbClr val="50B432"/>
+      </a:accent2>
+      <a:accent3>
+        <a:srgbClr val="ED561B"/>
+      </a:accent3>
+      <a:accent4>
+        <a:srgbClr val="EDEF00"/>
+      </a:accent4>
+      <a:accent5>
+        <a:srgbClr val="24CBE5"/>
+      </a:accent5>
+      <a:accent6>
+        <a:srgbClr val="64E572"/>
+      </a:accent6>
+      <a:hlink>
+        <a:srgbClr val="2200CC"/>
+      </a:hlink>
+      <a:folHlink>
+        <a:srgbClr val="551A8B"/>
+      </a:folHlink>
+    </a:clrScheme>
+    <a:fontScheme name="Office">
+      <a:majorFont>
+        <a:latin typeface="Arial"/>
+        <a:ea typeface=""/>
+        <a:cs typeface=""/>
+        <a:font script="Jpan" typeface="ＭＳ Ｐゴシック"/>
+        <a:font script="Hang" typeface="맑은 고딕"/>
+        <a:font script="Hans" typeface="宋体"/>
+        <a:font script="Hant" typeface="新細明體"/>
+        <a:font script="Arab" typeface="Times New Roman"/>
+        <a:font script="Hebr" typeface="Times New Roman"/>
+        <a:font script="Thai" typeface="Angsana New"/>
+        <a:font script="Ethi" typeface="Nyala"/>
+        <a:font script="Beng" typeface="Vrinda"/>
+        <a:font script="Gujr" typeface="Shruti"/>
+        <a:font script="Khmr" typeface="MoolBoran"/>
+        <a:font script="Knda" typeface="Tunga"/>
+        <a:font script="Guru" typeface="Raavi"/>
+        <a:font script="Cans" typeface="Euphemia"/>
+        <a:font script="Cher" typeface="Plantagenet Cherokee"/>
+        <a:font script="Yiii" typeface="Microsoft Yi Baiti"/>
+        <a:font script="Tibt" typeface="Microsoft Himalaya"/>
+        <a:font script="Thaa" typeface="MV Boli"/>
+        <a:font script="Deva" typeface="Mangal"/>
+        <a:font script="Telu" typeface="Gautami"/>
+        <a:font script="Taml" typeface="Latha"/>
+        <a:font script="Syrc" typeface="Estrangelo Edessa"/>
+        <a:font script="Orya" typeface="Kalinga"/>
+        <a:font script="Mlym" typeface="Kartika"/>
+        <a:font script="Laoo" typeface="DokChampa"/>
+        <a:font script="Sinh" typeface="Iskoola Pota"/>
+        <a:font script="Mong" typeface="Mongolian Baiti"/>
+        <a:font script="Viet" typeface="Times New Roman"/>
+        <a:font script="Uigh" typeface="Microsoft Uighur"/>
+        <a:font script="Geor" typeface="Sylfaen"/>
+      </a:majorFont>
+      <a:minorFont>
+        <a:latin typeface="Arial"/>
+        <a:ea typeface=""/>
+        <a:cs typeface=""/>
+        <a:font script="Jpan" typeface="ＭＳ Ｐゴシック"/>
+        <a:font script="Hang" typeface="맑은 고딕"/>
+        <a:font script="Hans" typeface="宋体"/>
+        <a:font script="Hant" typeface="新細明體"/>
+        <a:font script="Arab" typeface="Arial"/>
+        <a:font script="Hebr" typeface="Arial"/>
+        <a:font script="Thai" typeface="Cordia New"/>
+        <a:font script="Ethi" typeface="Nyala"/>
+        <a:font script="Beng" typeface="Vrinda"/>
+        <a:font script="Gujr" typeface="Shruti"/>
+        <a:font script="Khmr" typeface="DaunPenh"/>
+        <a:font script="Knda" typeface="Tunga"/>
+        <a:font script="Guru" typeface="Raavi"/>
+        <a:font script="Cans" typeface="Euphemia"/>
+        <a:font script="Cher" typeface="Plantagenet Cherokee"/>
+        <a:font script="Yiii" typeface="Microsoft Yi Baiti"/>
+        <a:font script="Tibt" typeface="Microsoft Himalaya"/>
+        <a:font script="Thaa" typeface="MV Boli"/>
+        <a:font script="Deva" typeface="Mangal"/>
+        <a:font script="Telu" typeface="Gautami"/>
+        <a:font script="Taml" typeface="Latha"/>
+        <a:font script="Syrc" typeface="Estrangelo Edessa"/>
+        <a:font script="Orya" typeface="Kalinga"/>
+        <a:font script="Mlym" typeface="Kartika"/>
+        <a:font script="Laoo" typeface="DokChampa"/>
+        <a:font script="Sinh" typeface="Iskoola Pota"/>
+        <a:font script="Mong" typeface="Mongolian Baiti"/>
+        <a:font script="Viet" typeface="Arial"/>
+        <a:font script="Uigh" typeface="Microsoft Uighur"/>
+        <a:font script="Geor" typeface="Sylfaen"/>
+      </a:minorFont>
+    </a:fontScheme>
+    <a:fmtScheme name="Office">
+      <a:fillStyleLst>
+        <a:solidFill>
+          <a:schemeClr val="phClr"/>
+        </a:solidFill>
+        <a:gradFill rotWithShape="1">
+          <a:gsLst>
+            <a:gs pos="0">
+              <a:schemeClr val="phClr">
+                <a:tint val="50000"/>
+                <a:satMod val="300000"/>
+              </a:schemeClr>
+            </a:gs>
+            <a:gs pos="35000">
+              <a:schemeClr val="phClr">
+                <a:tint val="37000"/>
+                <a:satMod val="300000"/>
+              </a:schemeClr>
+            </a:gs>
+            <a:gs pos="100000">
+              <a:schemeClr val="phClr">
+                <a:tint val="15000"/>
+                <a:satMod val="350000"/>
+              </a:schemeClr>
+            </a:gs>
+          </a:gsLst>
+          <a:lin ang="16200000" scaled="1"/>
+        </a:gradFill>
+        <a:gradFill rotWithShape="1">
+          <a:gsLst>
+            <a:gs pos="0">
+              <a:schemeClr val="phClr">
+                <a:tint val="100000"/>
+                <a:shade val="100000"/>
+                <a:satMod val="130000"/>
+              </a:schemeClr>
+            </a:gs>
+            <a:gs pos="100000">
+              <a:schemeClr val="phClr">
+                <a:tint val="50000"/>
+                <a:shade val="100000"/>
+                <a:satMod val="350000"/>
+              </a:schemeClr>
+            </a:gs>
+          </a:gsLst>
+          <a:lin ang="16200000" scaled="0"/>
+        </a:gradFill>
+      </a:fillStyleLst>
+      <a:lnStyleLst>
+        <a:ln w="9525" cap="flat" cmpd="sng" algn="ctr">
+          <a:solidFill>
+            <a:schemeClr val="phClr">
+              <a:shade val="95000"/>
+              <a:satMod val="105000"/>
+            </a:schemeClr>
+          </a:solidFill>
+          <a:prstDash val="solid"/>
+        </a:ln>
+        <a:ln w="25400" cap="flat" cmpd="sng" algn="ctr">
+          <a:solidFill>
+            <a:schemeClr val="phClr"/>
+          </a:solidFill>
+          <a:prstDash val="solid"/>
+        </a:ln>
+        <a:ln w="38100" cap="flat" cmpd="sng" algn="ctr">
+          <a:solidFill>
+            <a:schemeClr val="phClr"/>
+          </a:solidFill>
+          <a:prstDash val="solid"/>
+        </a:ln>
+      </a:lnStyleLst>
+      <a:effectStyleLst>
+        <a:effectStyle>
+          <a:effectLst>
+            <a:outerShdw blurRad="40000" dist="20000" dir="5400000" rotWithShape="0">
+              <a:srgbClr val="000000">
+                <a:alpha val="38000"/>
+              </a:srgbClr>
+            </a:outerShdw>
+          </a:effectLst>
+        </a:effectStyle>
+        <a:effectStyle>
+          <a:effectLst>
+            <a:outerShdw blurRad="40000" dist="23000" dir="5400000" rotWithShape="0">
+              <a:srgbClr val="000000">
+                <a:alpha val="35000"/>
+              </a:srgbClr>
+            </a:outerShdw>
+          </a:effectLst>
+        </a:effectStyle>
+        <a:effectStyle>
+          <a:effectLst>
+            <a:outerShdw blurRad="40000" dist="23000" dir="5400000" rotWithShape="0">
+              <a:srgbClr val="000000">
+                <a:alpha val="35000"/>
+              </a:srgbClr>
+            </a:outerShdw>
+          </a:effectLst>
+          <a:scene3d>
+            <a:camera prst="orthographicFront">
+              <a:rot lat="0" lon="0" rev="0"/>
+            </a:camera>
+            <a:lightRig rig="threePt" dir="t">
+              <a:rot lat="0" lon="0" rev="1200000"/>
+            </a:lightRig>
+          </a:scene3d>
+          <a:sp3d>
+            <a:bevelT w="63500" h="25400"/>
+          </a:sp3d>
+        </a:effectStyle>
+      </a:effectStyleLst>
+      <a:bgFillStyleLst>
+        <a:solidFill>
+          <a:schemeClr val="phClr"/>
+        </a:solidFill>
+        <a:gradFill rotWithShape="1">
+          <a:gsLst>
+            <a:gs pos="0">
+              <a:schemeClr val="phClr">
+                <a:tint val="40000"/>
+                <a:satMod val="350000"/>
+              </a:schemeClr>
+            </a:gs>
+            <a:gs pos="40000">
+              <a:schemeClr val="phClr">
+                <a:tint val="45000"/>
+                <a:shade val="99000"/>
+                <a:satMod val="350000"/>
+              </a:schemeClr>
+            </a:gs>
+            <a:gs pos="100000">
+              <a:schemeClr val="phClr">
+                <a:shade val="20000"/>
+                <a:satMod val="255000"/>
+              </a:schemeClr>
+            </a:gs>
+          </a:gsLst>
+          <a:path path="circle">
+            <a:fillToRect l="50000" t="-80000" r="50000" b="180000"/>
+          </a:path>
+        </a:gradFill>
+        <a:gradFill rotWithShape="1">
+          <a:gsLst>
+            <a:gs pos="0">
+              <a:schemeClr val="phClr">
+                <a:tint val="80000"/>
+                <a:satMod val="300000"/>
+              </a:schemeClr>
+            </a:gs>
+            <a:gs pos="100000">
+              <a:schemeClr val="phClr">
+                <a:shade val="30000"/>
+                <a:satMod val="200000"/>
+              </a:schemeClr>
+            </a:gs>
+          </a:gsLst>
+          <a:path path="circle">
+            <a:fillToRect l="50000" t="50000" r="50000" b="50000"/>
+          </a:path>
+        </a:gradFill>
+      </a:bgFillStyleLst>
+    </a:fmtScheme>
+  </a:themeElements>
+</a:theme>
+</file>
+
+<file path=ppt/theme/theme2.xml><?xml version="1.0" encoding="utf-8"?>
+<a:theme xmlns:a="http://schemas.openxmlformats.org/drawingml/2006/main" xmlns:r="http://schemas.openxmlformats.org/officeDocument/2006/relationships" name="Simple Light">
   <a:themeElements>
     <a:clrScheme name="Simple Light">
       <a:dk1>
@@ -9084,294 +9498,5 @@
       </a:bgFillStyleLst>
     </a:fmtScheme>
   </a:themeElements>
-  <a:extLst>
-    <a:ext uri="{05A4C25C-085E-4340-85A3-A5531E510DB2}">
-      <thm15:themeFamily xmlns:thm15="http://schemas.microsoft.com/office/thememl/2012/main" name="Office Theme" id="{62F939B6-93AF-4DB8-9C6B-D6C7DFDC589F}" vid="{4A3C46E8-61CC-4603-A589-7422A47A8E4A}"/>
-    </a:ext>
-  </a:extLst>
-</a:theme>
-</file>
-
-<file path=ppt/theme/theme2.xml><?xml version="1.0" encoding="utf-8"?>
-<a:theme xmlns:a="http://schemas.openxmlformats.org/drawingml/2006/main">
-  <a:themeElements>
-    <a:clrScheme name="Default">
-      <a:dk1>
-        <a:srgbClr val="000000"/>
-      </a:dk1>
-      <a:lt1>
-        <a:srgbClr val="FFFFFF"/>
-      </a:lt1>
-      <a:dk2>
-        <a:srgbClr val="158158"/>
-      </a:dk2>
-      <a:lt2>
-        <a:srgbClr val="F3F3F3"/>
-      </a:lt2>
-      <a:accent1>
-        <a:srgbClr val="058DC7"/>
-      </a:accent1>
-      <a:accent2>
-        <a:srgbClr val="50B432"/>
-      </a:accent2>
-      <a:accent3>
-        <a:srgbClr val="ED561B"/>
-      </a:accent3>
-      <a:accent4>
-        <a:srgbClr val="EDEF00"/>
-      </a:accent4>
-      <a:accent5>
-        <a:srgbClr val="24CBE5"/>
-      </a:accent5>
-      <a:accent6>
-        <a:srgbClr val="64E572"/>
-      </a:accent6>
-      <a:hlink>
-        <a:srgbClr val="2200CC"/>
-      </a:hlink>
-      <a:folHlink>
-        <a:srgbClr val="551A8B"/>
-      </a:folHlink>
-    </a:clrScheme>
-    <a:fontScheme name="Office">
-      <a:majorFont>
-        <a:latin typeface="Arial"/>
-        <a:ea typeface=""/>
-        <a:cs typeface=""/>
-        <a:font script="Jpan" typeface="ＭＳ Ｐゴシック"/>
-        <a:font script="Hang" typeface="맑은 고딕"/>
-        <a:font script="Hans" typeface="宋体"/>
-        <a:font script="Hant" typeface="新細明體"/>
-        <a:font script="Arab" typeface="Times New Roman"/>
-        <a:font script="Hebr" typeface="Times New Roman"/>
-        <a:font script="Thai" typeface="Angsana New"/>
-        <a:font script="Ethi" typeface="Nyala"/>
-        <a:font script="Beng" typeface="Vrinda"/>
-        <a:font script="Gujr" typeface="Shruti"/>
-        <a:font script="Khmr" typeface="MoolBoran"/>
-        <a:font script="Knda" typeface="Tunga"/>
-        <a:font script="Guru" typeface="Raavi"/>
-        <a:font script="Cans" typeface="Euphemia"/>
-        <a:font script="Cher" typeface="Plantagenet Cherokee"/>
-        <a:font script="Yiii" typeface="Microsoft Yi Baiti"/>
-        <a:font script="Tibt" typeface="Microsoft Himalaya"/>
-        <a:font script="Thaa" typeface="MV Boli"/>
-        <a:font script="Deva" typeface="Mangal"/>
-        <a:font script="Telu" typeface="Gautami"/>
-        <a:font script="Taml" typeface="Latha"/>
-        <a:font script="Syrc" typeface="Estrangelo Edessa"/>
-        <a:font script="Orya" typeface="Kalinga"/>
-        <a:font script="Mlym" typeface="Kartika"/>
-        <a:font script="Laoo" typeface="DokChampa"/>
-        <a:font script="Sinh" typeface="Iskoola Pota"/>
-        <a:font script="Mong" typeface="Mongolian Baiti"/>
-        <a:font script="Viet" typeface="Times New Roman"/>
-        <a:font script="Uigh" typeface="Microsoft Uighur"/>
-        <a:font script="Geor" typeface="Sylfaen"/>
-      </a:majorFont>
-      <a:minorFont>
-        <a:latin typeface="Arial"/>
-        <a:ea typeface=""/>
-        <a:cs typeface=""/>
-        <a:font script="Jpan" typeface="ＭＳ Ｐゴシック"/>
-        <a:font script="Hang" typeface="맑은 고딕"/>
-        <a:font script="Hans" typeface="宋体"/>
-        <a:font script="Hant" typeface="新細明體"/>
-        <a:font script="Arab" typeface="Arial"/>
-        <a:font script="Hebr" typeface="Arial"/>
-        <a:font script="Thai" typeface="Cordia New"/>
-        <a:font script="Ethi" typeface="Nyala"/>
-        <a:font script="Beng" typeface="Vrinda"/>
-        <a:font script="Gujr" typeface="Shruti"/>
-        <a:font script="Khmr" typeface="DaunPenh"/>
-        <a:font script="Knda" typeface="Tunga"/>
-        <a:font script="Guru" typeface="Raavi"/>
-        <a:font script="Cans" typeface="Euphemia"/>
-        <a:font script="Cher" typeface="Plantagenet Cherokee"/>
-        <a:font script="Yiii" typeface="Microsoft Yi Baiti"/>
-        <a:font script="Tibt" typeface="Microsoft Himalaya"/>
-        <a:font script="Thaa" typeface="MV Boli"/>
-        <a:font script="Deva" typeface="Mangal"/>
-        <a:font script="Telu" typeface="Gautami"/>
-        <a:font script="Taml" typeface="Latha"/>
-        <a:font script="Syrc" typeface="Estrangelo Edessa"/>
-        <a:font script="Orya" typeface="Kalinga"/>
-        <a:font script="Mlym" typeface="Kartika"/>
-        <a:font script="Laoo" typeface="DokChampa"/>
-        <a:font script="Sinh" typeface="Iskoola Pota"/>
-        <a:font script="Mong" typeface="Mongolian Baiti"/>
-        <a:font script="Viet" typeface="Arial"/>
-        <a:font script="Uigh" typeface="Microsoft Uighur"/>
-        <a:font script="Geor" typeface="Sylfaen"/>
-      </a:minorFont>
-    </a:fontScheme>
-    <a:fmtScheme name="Office">
-      <a:fillStyleLst>
-        <a:solidFill>
-          <a:schemeClr val="phClr"/>
-        </a:solidFill>
-        <a:gradFill rotWithShape="1">
-          <a:gsLst>
-            <a:gs pos="0">
-              <a:schemeClr val="phClr">
-                <a:tint val="50000"/>
-                <a:satMod val="300000"/>
-              </a:schemeClr>
-            </a:gs>
-            <a:gs pos="35000">
-              <a:schemeClr val="phClr">
-                <a:tint val="37000"/>
-                <a:satMod val="300000"/>
-              </a:schemeClr>
-            </a:gs>
-            <a:gs pos="100000">
-              <a:schemeClr val="phClr">
-                <a:tint val="15000"/>
-                <a:satMod val="350000"/>
-              </a:schemeClr>
-            </a:gs>
-          </a:gsLst>
-          <a:lin ang="16200000" scaled="1"/>
-        </a:gradFill>
-        <a:gradFill rotWithShape="1">
-          <a:gsLst>
-            <a:gs pos="0">
-              <a:schemeClr val="phClr">
-                <a:tint val="100000"/>
-                <a:shade val="100000"/>
-                <a:satMod val="130000"/>
-              </a:schemeClr>
-            </a:gs>
-            <a:gs pos="100000">
-              <a:schemeClr val="phClr">
-                <a:tint val="50000"/>
-                <a:shade val="100000"/>
-                <a:satMod val="350000"/>
-              </a:schemeClr>
-            </a:gs>
-          </a:gsLst>
-          <a:lin ang="16200000" scaled="0"/>
-        </a:gradFill>
-      </a:fillStyleLst>
-      <a:lnStyleLst>
-        <a:ln w="9525" cap="flat" cmpd="sng" algn="ctr">
-          <a:solidFill>
-            <a:schemeClr val="phClr">
-              <a:shade val="95000"/>
-              <a:satMod val="105000"/>
-            </a:schemeClr>
-          </a:solidFill>
-          <a:prstDash val="solid"/>
-        </a:ln>
-        <a:ln w="25400" cap="flat" cmpd="sng" algn="ctr">
-          <a:solidFill>
-            <a:schemeClr val="phClr"/>
-          </a:solidFill>
-          <a:prstDash val="solid"/>
-        </a:ln>
-        <a:ln w="38100" cap="flat" cmpd="sng" algn="ctr">
-          <a:solidFill>
-            <a:schemeClr val="phClr"/>
-          </a:solidFill>
-          <a:prstDash val="solid"/>
-        </a:ln>
-      </a:lnStyleLst>
-      <a:effectStyleLst>
-        <a:effectStyle>
-          <a:effectLst>
-            <a:outerShdw blurRad="40000" dist="20000" dir="5400000" rotWithShape="0">
-              <a:srgbClr val="000000">
-                <a:alpha val="38000"/>
-              </a:srgbClr>
-            </a:outerShdw>
-          </a:effectLst>
-        </a:effectStyle>
-        <a:effectStyle>
-          <a:effectLst>
-            <a:outerShdw blurRad="40000" dist="23000" dir="5400000" rotWithShape="0">
-              <a:srgbClr val="000000">
-                <a:alpha val="35000"/>
-              </a:srgbClr>
-            </a:outerShdw>
-          </a:effectLst>
-        </a:effectStyle>
-        <a:effectStyle>
-          <a:effectLst>
-            <a:outerShdw blurRad="40000" dist="23000" dir="5400000" rotWithShape="0">
-              <a:srgbClr val="000000">
-                <a:alpha val="35000"/>
-              </a:srgbClr>
-            </a:outerShdw>
-          </a:effectLst>
-          <a:scene3d>
-            <a:camera prst="orthographicFront">
-              <a:rot lat="0" lon="0" rev="0"/>
-            </a:camera>
-            <a:lightRig rig="threePt" dir="t">
-              <a:rot lat="0" lon="0" rev="1200000"/>
-            </a:lightRig>
-          </a:scene3d>
-          <a:sp3d>
-            <a:bevelT w="63500" h="25400"/>
-          </a:sp3d>
-        </a:effectStyle>
-      </a:effectStyleLst>
-      <a:bgFillStyleLst>
-        <a:solidFill>
-          <a:schemeClr val="phClr"/>
-        </a:solidFill>
-        <a:gradFill rotWithShape="1">
-          <a:gsLst>
-            <a:gs pos="0">
-              <a:schemeClr val="phClr">
-                <a:tint val="40000"/>
-                <a:satMod val="350000"/>
-              </a:schemeClr>
-            </a:gs>
-            <a:gs pos="40000">
-              <a:schemeClr val="phClr">
-                <a:tint val="45000"/>
-                <a:shade val="99000"/>
-                <a:satMod val="350000"/>
-              </a:schemeClr>
-            </a:gs>
-            <a:gs pos="100000">
-              <a:schemeClr val="phClr">
-                <a:shade val="20000"/>
-                <a:satMod val="255000"/>
-              </a:schemeClr>
-            </a:gs>
-          </a:gsLst>
-          <a:path path="circle">
-            <a:fillToRect l="50000" t="-80000" r="50000" b="180000"/>
-          </a:path>
-        </a:gradFill>
-        <a:gradFill rotWithShape="1">
-          <a:gsLst>
-            <a:gs pos="0">
-              <a:schemeClr val="phClr">
-                <a:tint val="80000"/>
-                <a:satMod val="300000"/>
-              </a:schemeClr>
-            </a:gs>
-            <a:gs pos="100000">
-              <a:schemeClr val="phClr">
-                <a:shade val="30000"/>
-                <a:satMod val="200000"/>
-              </a:schemeClr>
-            </a:gs>
-          </a:gsLst>
-          <a:path path="circle">
-            <a:fillToRect l="50000" t="50000" r="50000" b="50000"/>
-          </a:path>
-        </a:gradFill>
-      </a:bgFillStyleLst>
-    </a:fmtScheme>
-  </a:themeElements>
-  <a:extLst>
-    <a:ext uri="{05A4C25C-085E-4340-85A3-A5531E510DB2}">
-      <thm15:themeFamily xmlns:thm15="http://schemas.microsoft.com/office/thememl/2012/main" name="Office Theme" id="{62F939B6-93AF-4DB8-9C6B-D6C7DFDC589F}" vid="{4A3C46E8-61CC-4603-A589-7422A47A8E4A}"/>
-    </a:ext>
-  </a:extLst>
 </a:theme>
 </file>